--- a/Cadencii/manual/manual_jp.pptx
+++ b/Cadencii/manual/manual_jp.pptx
@@ -20,14 +20,15 @@
     <p:sldId id="264" r:id="rId14"/>
     <p:sldId id="265" r:id="rId15"/>
     <p:sldId id="266" r:id="rId16"/>
-    <p:sldId id="268" r:id="rId17"/>
-    <p:sldId id="272" r:id="rId18"/>
-    <p:sldId id="273" r:id="rId19"/>
-    <p:sldId id="269" r:id="rId20"/>
-    <p:sldId id="270" r:id="rId21"/>
-    <p:sldId id="271" r:id="rId22"/>
-    <p:sldId id="274" r:id="rId23"/>
-    <p:sldId id="275" r:id="rId24"/>
+    <p:sldId id="279" r:id="rId17"/>
+    <p:sldId id="268" r:id="rId18"/>
+    <p:sldId id="272" r:id="rId19"/>
+    <p:sldId id="273" r:id="rId20"/>
+    <p:sldId id="269" r:id="rId21"/>
+    <p:sldId id="270" r:id="rId22"/>
+    <p:sldId id="271" r:id="rId23"/>
+    <p:sldId id="274" r:id="rId24"/>
+    <p:sldId id="275" r:id="rId25"/>
   </p:sldIdLst>
   <p:sldSz cx="9144000" cy="6858000" type="screen4x3"/>
   <p:notesSz cx="6858000" cy="9144000"/>
@@ -310,7 +311,7 @@
           <a:p>
             <a:fld id="{B21AEFA7-8FDD-4E42-A0F0-B7F1BA496881}" type="datetimeFigureOut">
               <a:rPr kumimoji="1" lang="ja-JP" altLang="en-US" smtClean="0"/>
-              <a:t>11/04/16</a:t>
+              <a:t>11/04/25</a:t>
             </a:fld>
             <a:endParaRPr kumimoji="1" lang="ja-JP" altLang="en-US"/>
           </a:p>
@@ -512,7 +513,7 @@
           <a:p>
             <a:fld id="{B21AEFA7-8FDD-4E42-A0F0-B7F1BA496881}" type="datetimeFigureOut">
               <a:rPr kumimoji="1" lang="ja-JP" altLang="en-US" smtClean="0"/>
-              <a:t>11/04/16</a:t>
+              <a:t>11/04/25</a:t>
             </a:fld>
             <a:endParaRPr kumimoji="1" lang="ja-JP" altLang="en-US"/>
           </a:p>
@@ -724,7 +725,7 @@
           <a:p>
             <a:fld id="{B21AEFA7-8FDD-4E42-A0F0-B7F1BA496881}" type="datetimeFigureOut">
               <a:rPr kumimoji="1" lang="ja-JP" altLang="en-US" smtClean="0"/>
-              <a:t>11/04/16</a:t>
+              <a:t>11/04/25</a:t>
             </a:fld>
             <a:endParaRPr kumimoji="1" lang="ja-JP" altLang="en-US"/>
           </a:p>
@@ -926,7 +927,7 @@
           <a:p>
             <a:fld id="{B21AEFA7-8FDD-4E42-A0F0-B7F1BA496881}" type="datetimeFigureOut">
               <a:rPr kumimoji="1" lang="ja-JP" altLang="en-US" smtClean="0"/>
-              <a:t>11/04/16</a:t>
+              <a:t>11/04/25</a:t>
             </a:fld>
             <a:endParaRPr kumimoji="1" lang="ja-JP" altLang="en-US"/>
           </a:p>
@@ -1172,7 +1173,7 @@
           <a:p>
             <a:fld id="{B21AEFA7-8FDD-4E42-A0F0-B7F1BA496881}" type="datetimeFigureOut">
               <a:rPr kumimoji="1" lang="ja-JP" altLang="en-US" smtClean="0"/>
-              <a:t>11/04/16</a:t>
+              <a:t>11/04/25</a:t>
             </a:fld>
             <a:endParaRPr kumimoji="1" lang="ja-JP" altLang="en-US"/>
           </a:p>
@@ -1524,7 +1525,7 @@
           <a:p>
             <a:fld id="{B21AEFA7-8FDD-4E42-A0F0-B7F1BA496881}" type="datetimeFigureOut">
               <a:rPr kumimoji="1" lang="ja-JP" altLang="en-US" smtClean="0"/>
-              <a:t>11/04/16</a:t>
+              <a:t>11/04/25</a:t>
             </a:fld>
             <a:endParaRPr kumimoji="1" lang="ja-JP" altLang="en-US"/>
           </a:p>
@@ -2010,7 +2011,7 @@
           <a:p>
             <a:fld id="{B21AEFA7-8FDD-4E42-A0F0-B7F1BA496881}" type="datetimeFigureOut">
               <a:rPr kumimoji="1" lang="ja-JP" altLang="en-US" smtClean="0"/>
-              <a:t>11/04/16</a:t>
+              <a:t>11/04/25</a:t>
             </a:fld>
             <a:endParaRPr kumimoji="1" lang="ja-JP" altLang="en-US"/>
           </a:p>
@@ -2128,7 +2129,7 @@
           <a:p>
             <a:fld id="{B21AEFA7-8FDD-4E42-A0F0-B7F1BA496881}" type="datetimeFigureOut">
               <a:rPr kumimoji="1" lang="ja-JP" altLang="en-US" smtClean="0"/>
-              <a:t>11/04/16</a:t>
+              <a:t>11/04/25</a:t>
             </a:fld>
             <a:endParaRPr kumimoji="1" lang="ja-JP" altLang="en-US"/>
           </a:p>
@@ -2223,7 +2224,7 @@
           <a:p>
             <a:fld id="{B21AEFA7-8FDD-4E42-A0F0-B7F1BA496881}" type="datetimeFigureOut">
               <a:rPr kumimoji="1" lang="ja-JP" altLang="en-US" smtClean="0"/>
-              <a:t>11/04/16</a:t>
+              <a:t>11/04/25</a:t>
             </a:fld>
             <a:endParaRPr kumimoji="1" lang="ja-JP" altLang="en-US"/>
           </a:p>
@@ -2532,7 +2533,7 @@
           <a:p>
             <a:fld id="{B21AEFA7-8FDD-4E42-A0F0-B7F1BA496881}" type="datetimeFigureOut">
               <a:rPr kumimoji="1" lang="ja-JP" altLang="en-US" smtClean="0"/>
-              <a:t>11/04/16</a:t>
+              <a:t>11/04/25</a:t>
             </a:fld>
             <a:endParaRPr kumimoji="1" lang="ja-JP" altLang="en-US"/>
           </a:p>
@@ -2785,7 +2786,7 @@
           <a:p>
             <a:fld id="{B21AEFA7-8FDD-4E42-A0F0-B7F1BA496881}" type="datetimeFigureOut">
               <a:rPr kumimoji="1" lang="ja-JP" altLang="en-US" smtClean="0"/>
-              <a:t>11/04/16</a:t>
+              <a:t>11/04/25</a:t>
             </a:fld>
             <a:endParaRPr kumimoji="1" lang="ja-JP" altLang="en-US"/>
           </a:p>
@@ -3030,7 +3031,7 @@
           <a:p>
             <a:fld id="{B21AEFA7-8FDD-4E42-A0F0-B7F1BA496881}" type="datetimeFigureOut">
               <a:rPr kumimoji="1" lang="ja-JP" altLang="en-US" smtClean="0"/>
-              <a:t>11/04/16</a:t>
+              <a:t>11/04/25</a:t>
             </a:fld>
             <a:endParaRPr kumimoji="1" lang="ja-JP" altLang="en-US"/>
           </a:p>
@@ -12063,13 +12064,11 @@
       </p:grpSpPr>
       <p:pic>
         <p:nvPicPr>
-          <p:cNvPr id="2" name="図 1" descr="スクリーンショット（2011-03-07 15.28.41）.png"/>
-          <p:cNvPicPr>
-            <a:picLocks noChangeAspect="1"/>
-          </p:cNvPicPr>
+          <p:cNvPr id="2" name="図 1" descr="Macintosh HD:Users:kbinani:Desktop:foo.png"/>
+          <p:cNvPicPr/>
           <p:nvPr/>
         </p:nvPicPr>
-        <p:blipFill rotWithShape="1">
+        <p:blipFill>
           <a:blip r:embed="rId2">
             <a:extLst>
               <a:ext uri="{28A0092B-C50C-407E-A947-70E740481C1C}">
@@ -12077,28 +12076,34 @@
               </a:ext>
             </a:extLst>
           </a:blip>
-          <a:srcRect l="43054" r="43363"/>
-          <a:stretch/>
+          <a:srcRect/>
+          <a:stretch>
+            <a:fillRect/>
+          </a:stretch>
         </p:blipFill>
-        <p:spPr>
-          <a:xfrm>
-            <a:off x="4168657" y="4106898"/>
-            <a:ext cx="449201" cy="565404"/>
+        <p:spPr bwMode="auto">
+          <a:xfrm>
+            <a:off x="1442885" y="2453899"/>
+            <a:ext cx="1833880" cy="1185545"/>
           </a:xfrm>
           <a:prstGeom prst="rect">
             <a:avLst/>
           </a:prstGeom>
+          <a:noFill/>
+          <a:ln>
+            <a:noFill/>
+          </a:ln>
         </p:spPr>
       </p:pic>
       <p:pic>
         <p:nvPicPr>
-          <p:cNvPr id="3" name="図 2" descr="スクリーンショット（2011-03-07 15.28.41）.png"/>
+          <p:cNvPr id="3" name="図 2" descr="Macintosh HD:Users:kbinani:Desktop:foo.png"/>
           <p:cNvPicPr>
             <a:picLocks noChangeAspect="1"/>
           </p:cNvPicPr>
           <p:nvPr/>
         </p:nvPicPr>
-        <p:blipFill rotWithShape="1">
+        <p:blipFill>
           <a:blip r:embed="rId2">
             <a:extLst>
               <a:ext uri="{28A0092B-C50C-407E-A947-70E740481C1C}">
@@ -12106,58 +12111,15 @@
               </a:ext>
             </a:extLst>
           </a:blip>
-          <a:srcRect l="10177" r="76240"/>
-          <a:stretch/>
+          <a:srcRect/>
+          <a:stretch>
+            <a:fillRect/>
+          </a:stretch>
         </p:blipFill>
-        <p:spPr>
-          <a:xfrm>
-            <a:off x="3244987" y="4106898"/>
-            <a:ext cx="449201" cy="565404"/>
-          </a:xfrm>
-          <a:prstGeom prst="rect">
-            <a:avLst/>
-          </a:prstGeom>
-        </p:spPr>
-      </p:pic>
-      <p:pic>
-        <p:nvPicPr>
-          <p:cNvPr id="4" name="図 3" descr="スクリーンショット（2011-03-07 15.28.41）.png"/>
-          <p:cNvPicPr>
-            <a:picLocks noChangeAspect="1"/>
-          </p:cNvPicPr>
-          <p:nvPr/>
-        </p:nvPicPr>
-        <p:blipFill rotWithShape="1">
-          <a:blip r:embed="rId2">
-            <a:extLst>
-              <a:ext uri="{28A0092B-C50C-407E-A947-70E740481C1C}">
-                <a14:useLocalDpi xmlns:a14="http://schemas.microsoft.com/office/drawing/2010/main" val="0"/>
-              </a:ext>
-            </a:extLst>
-          </a:blip>
-          <a:srcRect l="79172" r="7245"/>
-          <a:stretch/>
-        </p:blipFill>
-        <p:spPr>
-          <a:xfrm>
-            <a:off x="2321319" y="4106898"/>
-            <a:ext cx="449201" cy="565404"/>
-          </a:xfrm>
-          <a:prstGeom prst="rect">
-            <a:avLst/>
-          </a:prstGeom>
-        </p:spPr>
-      </p:pic>
-      <p:sp>
-        <p:nvSpPr>
-          <p:cNvPr id="5" name="テキスト 10"/>
-          <p:cNvSpPr txBox="1"/>
-          <p:nvPr/>
-        </p:nvSpPr>
-        <p:spPr>
-          <a:xfrm>
-            <a:off x="2399449" y="3845705"/>
-            <a:ext cx="292940" cy="266331"/>
+        <p:spPr bwMode="auto">
+          <a:xfrm>
+            <a:off x="5705563" y="2715535"/>
+            <a:ext cx="917067" cy="592963"/>
           </a:xfrm>
           <a:prstGeom prst="rect">
             <a:avLst/>
@@ -12166,209 +12128,18 @@
           <a:ln>
             <a:noFill/>
           </a:ln>
-          <a:effectLst/>
-          <a:extLst>
-            <a:ext uri="{C572A759-6A51-4108-AA02-DFA0A04FC94B}">
-              <ma14:wrappingTextBoxFlag xmlns:ma14="http://schemas.microsoft.com/office/mac/drawingml/2011/main"/>
-            </a:ext>
-          </a:extLst>
-        </p:spPr>
-        <p:style>
-          <a:lnRef idx="0">
-            <a:schemeClr val="accent1"/>
-          </a:lnRef>
-          <a:fillRef idx="0">
-            <a:schemeClr val="accent1"/>
-          </a:fillRef>
-          <a:effectRef idx="0">
-            <a:schemeClr val="accent1"/>
-          </a:effectRef>
-          <a:fontRef idx="minor">
-            <a:schemeClr val="dk1"/>
-          </a:fontRef>
-        </p:style>
-        <p:txBody>
-          <a:bodyPr rot="0" spcFirstLastPara="0" vert="horz" wrap="none" lIns="91440" tIns="45720" rIns="91440" bIns="45720" numCol="1" spcCol="0" rtlCol="0" fromWordArt="0" anchor="t" anchorCtr="0" forceAA="0" compatLnSpc="1">
-            <a:prstTxWarp prst="textNoShape">
-              <a:avLst/>
-            </a:prstTxWarp>
-            <a:noAutofit/>
-          </a:bodyPr>
-          <a:lstStyle/>
-          <a:p>
-            <a:pPr algn="ctr">
-              <a:spcAft>
-                <a:spcPts val="0"/>
-              </a:spcAft>
-            </a:pPr>
-            <a:r>
-              <a:rPr lang="en-US" altLang="ja-JP" sz="1000" kern="100" dirty="0" smtClean="0">
-                <a:ea typeface="ヒラギノ角ゴ ProN W3"/>
-                <a:cs typeface="Times New Roman"/>
-              </a:rPr>
-              <a:t>ON</a:t>
-            </a:r>
-            <a:endParaRPr lang="ja-JP" sz="1200" kern="100" dirty="0">
-              <a:effectLst/>
-              <a:ea typeface="ＭＳ 明朝"/>
-              <a:cs typeface="Times New Roman"/>
-            </a:endParaRPr>
-          </a:p>
-        </p:txBody>
-      </p:sp>
-      <p:sp>
-        <p:nvSpPr>
-          <p:cNvPr id="7" name="テキスト 10"/>
-          <p:cNvSpPr txBox="1"/>
-          <p:nvPr/>
-        </p:nvSpPr>
-        <p:spPr>
-          <a:xfrm>
-            <a:off x="3323117" y="3845705"/>
-            <a:ext cx="292940" cy="266331"/>
-          </a:xfrm>
-          <a:prstGeom prst="rect">
-            <a:avLst/>
-          </a:prstGeom>
-          <a:noFill/>
-          <a:ln>
-            <a:noFill/>
-          </a:ln>
-          <a:effectLst/>
-          <a:extLst>
-            <a:ext uri="{C572A759-6A51-4108-AA02-DFA0A04FC94B}">
-              <ma14:wrappingTextBoxFlag xmlns:ma14="http://schemas.microsoft.com/office/mac/drawingml/2011/main"/>
-            </a:ext>
-          </a:extLst>
-        </p:spPr>
-        <p:style>
-          <a:lnRef idx="0">
-            <a:schemeClr val="accent1"/>
-          </a:lnRef>
-          <a:fillRef idx="0">
-            <a:schemeClr val="accent1"/>
-          </a:fillRef>
-          <a:effectRef idx="0">
-            <a:schemeClr val="accent1"/>
-          </a:effectRef>
-          <a:fontRef idx="minor">
-            <a:schemeClr val="dk1"/>
-          </a:fontRef>
-        </p:style>
-        <p:txBody>
-          <a:bodyPr rot="0" spcFirstLastPara="0" vert="horz" wrap="none" lIns="91440" tIns="45720" rIns="91440" bIns="45720" numCol="1" spcCol="0" rtlCol="0" fromWordArt="0" anchor="t" anchorCtr="0" forceAA="0" compatLnSpc="1">
-            <a:prstTxWarp prst="textNoShape">
-              <a:avLst/>
-            </a:prstTxWarp>
-            <a:noAutofit/>
-          </a:bodyPr>
-          <a:lstStyle/>
-          <a:p>
-            <a:pPr algn="ctr">
-              <a:spcAft>
-                <a:spcPts val="0"/>
-              </a:spcAft>
-            </a:pPr>
-            <a:r>
-              <a:rPr lang="en-US" altLang="ja-JP" sz="1000" kern="100" dirty="0" smtClean="0">
-                <a:ea typeface="ヒラギノ角ゴ ProN W3"/>
-                <a:cs typeface="Times New Roman"/>
-              </a:rPr>
-              <a:t>OFF</a:t>
-            </a:r>
-            <a:endParaRPr lang="ja-JP" sz="1200" kern="100" dirty="0">
-              <a:effectLst/>
-              <a:ea typeface="ＭＳ 明朝"/>
-              <a:cs typeface="Times New Roman"/>
-            </a:endParaRPr>
-          </a:p>
-        </p:txBody>
-      </p:sp>
-      <p:sp>
-        <p:nvSpPr>
-          <p:cNvPr id="8" name="テキスト 10"/>
-          <p:cNvSpPr txBox="1"/>
-          <p:nvPr/>
-        </p:nvSpPr>
-        <p:spPr>
-          <a:xfrm>
-            <a:off x="4246787" y="3845705"/>
-            <a:ext cx="292940" cy="266331"/>
-          </a:xfrm>
-          <a:prstGeom prst="rect">
-            <a:avLst/>
-          </a:prstGeom>
-          <a:noFill/>
-          <a:ln>
-            <a:noFill/>
-          </a:ln>
-          <a:effectLst/>
-          <a:extLst>
-            <a:ext uri="{C572A759-6A51-4108-AA02-DFA0A04FC94B}">
-              <ma14:wrappingTextBoxFlag xmlns:ma14="http://schemas.microsoft.com/office/mac/drawingml/2011/main"/>
-            </a:ext>
-          </a:extLst>
-        </p:spPr>
-        <p:style>
-          <a:lnRef idx="0">
-            <a:schemeClr val="accent1"/>
-          </a:lnRef>
-          <a:fillRef idx="0">
-            <a:schemeClr val="accent1"/>
-          </a:fillRef>
-          <a:effectRef idx="0">
-            <a:schemeClr val="accent1"/>
-          </a:effectRef>
-          <a:fontRef idx="minor">
-            <a:schemeClr val="dk1"/>
-          </a:fontRef>
-        </p:style>
-        <p:txBody>
-          <a:bodyPr rot="0" spcFirstLastPara="0" vert="horz" wrap="none" lIns="91440" tIns="45720" rIns="91440" bIns="45720" numCol="1" spcCol="0" rtlCol="0" fromWordArt="0" anchor="t" anchorCtr="0" forceAA="0" compatLnSpc="1">
-            <a:prstTxWarp prst="textNoShape">
-              <a:avLst/>
-            </a:prstTxWarp>
-            <a:noAutofit/>
-          </a:bodyPr>
-          <a:lstStyle/>
-          <a:p>
-            <a:pPr algn="ctr">
-              <a:spcAft>
-                <a:spcPts val="0"/>
-              </a:spcAft>
-            </a:pPr>
-            <a:r>
-              <a:rPr lang="ja-JP" altLang="en-US" sz="1000" kern="100" dirty="0" smtClean="0">
-                <a:ea typeface="ヒラギノ角ゴ ProN W3"/>
-                <a:cs typeface="Times New Roman"/>
-              </a:rPr>
-              <a:t>無効</a:t>
-            </a:r>
-            <a:endParaRPr lang="ja-JP" sz="1200" kern="100" dirty="0">
-              <a:effectLst/>
-              <a:ea typeface="ＭＳ 明朝"/>
-              <a:cs typeface="Times New Roman"/>
-            </a:endParaRPr>
-          </a:p>
-        </p:txBody>
-      </p:sp>
+        </p:spPr>
+      </p:pic>
     </p:spTree>
     <p:extLst>
       <p:ext uri="{BB962C8B-B14F-4D97-AF65-F5344CB8AC3E}">
-        <p14:creationId xmlns:p14="http://schemas.microsoft.com/office/powerpoint/2010/main" val="58114177"/>
+        <p14:creationId xmlns:p14="http://schemas.microsoft.com/office/powerpoint/2010/main" val="3392881883"/>
       </p:ext>
     </p:extLst>
   </p:cSld>
   <p:clrMapOvr>
     <a:masterClrMapping/>
   </p:clrMapOvr>
-  <p:timing>
-    <p:tnLst>
-      <p:par>
-        <p:cTn xmlns:p14="http://schemas.microsoft.com/office/powerpoint/2010/main" id="1" dur="indefinite" restart="never" nodeType="tmRoot"/>
-      </p:par>
-    </p:tnLst>
-  </p:timing>
 </p:sld>
 </file>
 
@@ -12391,7 +12162,7 @@
       </p:grpSpPr>
       <p:pic>
         <p:nvPicPr>
-          <p:cNvPr id="2" name="図 1" descr="スクリーンショット（2011-03-31 12.47.17）.png"/>
+          <p:cNvPr id="2" name="図 1" descr="スクリーンショット（2011-03-07 15.28.41）.png"/>
           <p:cNvPicPr>
             <a:picLocks noChangeAspect="1"/>
           </p:cNvPicPr>
@@ -12405,29 +12176,589 @@
               </a:ext>
             </a:extLst>
           </a:blip>
-          <a:srcRect l="24974" r="33637" b="58754"/>
+          <a:srcRect l="43054" r="43363"/>
           <a:stretch/>
         </p:blipFill>
         <p:spPr>
           <a:xfrm>
-            <a:off x="2937883" y="2247919"/>
-            <a:ext cx="3229534" cy="2011485"/>
+            <a:off x="3020386" y="2796060"/>
+            <a:ext cx="449201" cy="565404"/>
           </a:xfrm>
           <a:prstGeom prst="rect">
             <a:avLst/>
           </a:prstGeom>
         </p:spPr>
       </p:pic>
+      <p:pic>
+        <p:nvPicPr>
+          <p:cNvPr id="3" name="図 2" descr="スクリーンショット（2011-03-07 15.28.41）.png"/>
+          <p:cNvPicPr>
+            <a:picLocks noChangeAspect="1"/>
+          </p:cNvPicPr>
+          <p:nvPr/>
+        </p:nvPicPr>
+        <p:blipFill rotWithShape="1">
+          <a:blip r:embed="rId2">
+            <a:extLst>
+              <a:ext uri="{28A0092B-C50C-407E-A947-70E740481C1C}">
+                <a14:useLocalDpi xmlns:a14="http://schemas.microsoft.com/office/drawing/2010/main" val="0"/>
+              </a:ext>
+            </a:extLst>
+          </a:blip>
+          <a:srcRect l="10177" r="76240"/>
+          <a:stretch/>
+        </p:blipFill>
+        <p:spPr>
+          <a:xfrm>
+            <a:off x="2096716" y="2796060"/>
+            <a:ext cx="449201" cy="565404"/>
+          </a:xfrm>
+          <a:prstGeom prst="rect">
+            <a:avLst/>
+          </a:prstGeom>
+        </p:spPr>
+      </p:pic>
+      <p:pic>
+        <p:nvPicPr>
+          <p:cNvPr id="4" name="図 3" descr="スクリーンショット（2011-03-07 15.28.41）.png"/>
+          <p:cNvPicPr>
+            <a:picLocks noChangeAspect="1"/>
+          </p:cNvPicPr>
+          <p:nvPr/>
+        </p:nvPicPr>
+        <p:blipFill rotWithShape="1">
+          <a:blip r:embed="rId2">
+            <a:extLst>
+              <a:ext uri="{28A0092B-C50C-407E-A947-70E740481C1C}">
+                <a14:useLocalDpi xmlns:a14="http://schemas.microsoft.com/office/drawing/2010/main" val="0"/>
+              </a:ext>
+            </a:extLst>
+          </a:blip>
+          <a:srcRect l="79172" r="7245"/>
+          <a:stretch/>
+        </p:blipFill>
+        <p:spPr>
+          <a:xfrm>
+            <a:off x="1173048" y="2796060"/>
+            <a:ext cx="449201" cy="565404"/>
+          </a:xfrm>
+          <a:prstGeom prst="rect">
+            <a:avLst/>
+          </a:prstGeom>
+        </p:spPr>
+      </p:pic>
+      <p:sp>
+        <p:nvSpPr>
+          <p:cNvPr id="5" name="テキスト 10"/>
+          <p:cNvSpPr txBox="1"/>
+          <p:nvPr/>
+        </p:nvSpPr>
+        <p:spPr>
+          <a:xfrm>
+            <a:off x="1251178" y="2534867"/>
+            <a:ext cx="292940" cy="266331"/>
+          </a:xfrm>
+          <a:prstGeom prst="rect">
+            <a:avLst/>
+          </a:prstGeom>
+          <a:noFill/>
+          <a:ln>
+            <a:noFill/>
+          </a:ln>
+          <a:effectLst/>
+          <a:extLst>
+            <a:ext uri="{C572A759-6A51-4108-AA02-DFA0A04FC94B}">
+              <ma14:wrappingTextBoxFlag xmlns:ma14="http://schemas.microsoft.com/office/mac/drawingml/2011/main"/>
+            </a:ext>
+          </a:extLst>
+        </p:spPr>
+        <p:style>
+          <a:lnRef idx="0">
+            <a:schemeClr val="accent1"/>
+          </a:lnRef>
+          <a:fillRef idx="0">
+            <a:schemeClr val="accent1"/>
+          </a:fillRef>
+          <a:effectRef idx="0">
+            <a:schemeClr val="accent1"/>
+          </a:effectRef>
+          <a:fontRef idx="minor">
+            <a:schemeClr val="dk1"/>
+          </a:fontRef>
+        </p:style>
+        <p:txBody>
+          <a:bodyPr rot="0" spcFirstLastPara="0" vert="horz" wrap="none" lIns="91440" tIns="45720" rIns="91440" bIns="45720" numCol="1" spcCol="0" rtlCol="0" fromWordArt="0" anchor="t" anchorCtr="0" forceAA="0" compatLnSpc="1">
+            <a:prstTxWarp prst="textNoShape">
+              <a:avLst/>
+            </a:prstTxWarp>
+            <a:noAutofit/>
+          </a:bodyPr>
+          <a:lstStyle/>
+          <a:p>
+            <a:pPr algn="ctr">
+              <a:spcAft>
+                <a:spcPts val="0"/>
+              </a:spcAft>
+            </a:pPr>
+            <a:r>
+              <a:rPr lang="en-US" altLang="ja-JP" sz="1000" kern="100" dirty="0" smtClean="0">
+                <a:ea typeface="ヒラギノ角ゴ ProN W3"/>
+                <a:cs typeface="Times New Roman"/>
+              </a:rPr>
+              <a:t>ON</a:t>
+            </a:r>
+            <a:endParaRPr lang="ja-JP" sz="1200" kern="100" dirty="0">
+              <a:effectLst/>
+              <a:ea typeface="ＭＳ 明朝"/>
+              <a:cs typeface="Times New Roman"/>
+            </a:endParaRPr>
+          </a:p>
+        </p:txBody>
+      </p:sp>
+      <p:sp>
+        <p:nvSpPr>
+          <p:cNvPr id="7" name="テキスト 10"/>
+          <p:cNvSpPr txBox="1"/>
+          <p:nvPr/>
+        </p:nvSpPr>
+        <p:spPr>
+          <a:xfrm>
+            <a:off x="2174846" y="2534867"/>
+            <a:ext cx="292940" cy="266331"/>
+          </a:xfrm>
+          <a:prstGeom prst="rect">
+            <a:avLst/>
+          </a:prstGeom>
+          <a:noFill/>
+          <a:ln>
+            <a:noFill/>
+          </a:ln>
+          <a:effectLst/>
+          <a:extLst>
+            <a:ext uri="{C572A759-6A51-4108-AA02-DFA0A04FC94B}">
+              <ma14:wrappingTextBoxFlag xmlns:ma14="http://schemas.microsoft.com/office/mac/drawingml/2011/main"/>
+            </a:ext>
+          </a:extLst>
+        </p:spPr>
+        <p:style>
+          <a:lnRef idx="0">
+            <a:schemeClr val="accent1"/>
+          </a:lnRef>
+          <a:fillRef idx="0">
+            <a:schemeClr val="accent1"/>
+          </a:fillRef>
+          <a:effectRef idx="0">
+            <a:schemeClr val="accent1"/>
+          </a:effectRef>
+          <a:fontRef idx="minor">
+            <a:schemeClr val="dk1"/>
+          </a:fontRef>
+        </p:style>
+        <p:txBody>
+          <a:bodyPr rot="0" spcFirstLastPara="0" vert="horz" wrap="none" lIns="91440" tIns="45720" rIns="91440" bIns="45720" numCol="1" spcCol="0" rtlCol="0" fromWordArt="0" anchor="t" anchorCtr="0" forceAA="0" compatLnSpc="1">
+            <a:prstTxWarp prst="textNoShape">
+              <a:avLst/>
+            </a:prstTxWarp>
+            <a:noAutofit/>
+          </a:bodyPr>
+          <a:lstStyle/>
+          <a:p>
+            <a:pPr algn="ctr">
+              <a:spcAft>
+                <a:spcPts val="0"/>
+              </a:spcAft>
+            </a:pPr>
+            <a:r>
+              <a:rPr lang="en-US" altLang="ja-JP" sz="1000" kern="100" dirty="0" smtClean="0">
+                <a:ea typeface="ヒラギノ角ゴ ProN W3"/>
+                <a:cs typeface="Times New Roman"/>
+              </a:rPr>
+              <a:t>OFF</a:t>
+            </a:r>
+            <a:endParaRPr lang="ja-JP" sz="1200" kern="100" dirty="0">
+              <a:effectLst/>
+              <a:ea typeface="ＭＳ 明朝"/>
+              <a:cs typeface="Times New Roman"/>
+            </a:endParaRPr>
+          </a:p>
+        </p:txBody>
+      </p:sp>
+      <p:sp>
+        <p:nvSpPr>
+          <p:cNvPr id="8" name="テキスト 10"/>
+          <p:cNvSpPr txBox="1"/>
+          <p:nvPr/>
+        </p:nvSpPr>
+        <p:spPr>
+          <a:xfrm>
+            <a:off x="3098516" y="2534867"/>
+            <a:ext cx="292940" cy="266331"/>
+          </a:xfrm>
+          <a:prstGeom prst="rect">
+            <a:avLst/>
+          </a:prstGeom>
+          <a:noFill/>
+          <a:ln>
+            <a:noFill/>
+          </a:ln>
+          <a:effectLst/>
+          <a:extLst>
+            <a:ext uri="{C572A759-6A51-4108-AA02-DFA0A04FC94B}">
+              <ma14:wrappingTextBoxFlag xmlns:ma14="http://schemas.microsoft.com/office/mac/drawingml/2011/main"/>
+            </a:ext>
+          </a:extLst>
+        </p:spPr>
+        <p:style>
+          <a:lnRef idx="0">
+            <a:schemeClr val="accent1"/>
+          </a:lnRef>
+          <a:fillRef idx="0">
+            <a:schemeClr val="accent1"/>
+          </a:fillRef>
+          <a:effectRef idx="0">
+            <a:schemeClr val="accent1"/>
+          </a:effectRef>
+          <a:fontRef idx="minor">
+            <a:schemeClr val="dk1"/>
+          </a:fontRef>
+        </p:style>
+        <p:txBody>
+          <a:bodyPr rot="0" spcFirstLastPara="0" vert="horz" wrap="none" lIns="91440" tIns="45720" rIns="91440" bIns="45720" numCol="1" spcCol="0" rtlCol="0" fromWordArt="0" anchor="t" anchorCtr="0" forceAA="0" compatLnSpc="1">
+            <a:prstTxWarp prst="textNoShape">
+              <a:avLst/>
+            </a:prstTxWarp>
+            <a:noAutofit/>
+          </a:bodyPr>
+          <a:lstStyle/>
+          <a:p>
+            <a:pPr algn="ctr">
+              <a:spcAft>
+                <a:spcPts val="0"/>
+              </a:spcAft>
+            </a:pPr>
+            <a:r>
+              <a:rPr lang="ja-JP" altLang="en-US" sz="1000" kern="100" dirty="0" smtClean="0">
+                <a:ea typeface="ヒラギノ角ゴ ProN W3"/>
+                <a:cs typeface="Times New Roman"/>
+              </a:rPr>
+              <a:t>無効</a:t>
+            </a:r>
+            <a:endParaRPr lang="ja-JP" sz="1200" kern="100" dirty="0">
+              <a:effectLst/>
+              <a:ea typeface="ＭＳ 明朝"/>
+              <a:cs typeface="Times New Roman"/>
+            </a:endParaRPr>
+          </a:p>
+        </p:txBody>
+      </p:sp>
+      <p:pic>
+        <p:nvPicPr>
+          <p:cNvPr id="9" name="図 8" descr="スクリーンショット（2011-03-07 15.28.41）.png"/>
+          <p:cNvPicPr>
+            <a:picLocks noChangeAspect="1"/>
+          </p:cNvPicPr>
+          <p:nvPr/>
+        </p:nvPicPr>
+        <p:blipFill rotWithShape="1">
+          <a:blip r:embed="rId2">
+            <a:extLst>
+              <a:ext uri="{28A0092B-C50C-407E-A947-70E740481C1C}">
+                <a14:useLocalDpi xmlns:a14="http://schemas.microsoft.com/office/drawing/2010/main" val="0"/>
+              </a:ext>
+            </a:extLst>
+          </a:blip>
+          <a:srcRect l="43054" r="43363"/>
+          <a:stretch/>
+        </p:blipFill>
+        <p:spPr>
+          <a:xfrm>
+            <a:off x="6928022" y="3285411"/>
+            <a:ext cx="224601" cy="282702"/>
+          </a:xfrm>
+          <a:prstGeom prst="rect">
+            <a:avLst/>
+          </a:prstGeom>
+        </p:spPr>
+      </p:pic>
+      <p:pic>
+        <p:nvPicPr>
+          <p:cNvPr id="10" name="図 9" descr="スクリーンショット（2011-03-07 15.28.41）.png"/>
+          <p:cNvPicPr>
+            <a:picLocks noChangeAspect="1"/>
+          </p:cNvPicPr>
+          <p:nvPr/>
+        </p:nvPicPr>
+        <p:blipFill rotWithShape="1">
+          <a:blip r:embed="rId2">
+            <a:extLst>
+              <a:ext uri="{28A0092B-C50C-407E-A947-70E740481C1C}">
+                <a14:useLocalDpi xmlns:a14="http://schemas.microsoft.com/office/drawing/2010/main" val="0"/>
+              </a:ext>
+            </a:extLst>
+          </a:blip>
+          <a:srcRect l="10177" r="76240"/>
+          <a:stretch/>
+        </p:blipFill>
+        <p:spPr>
+          <a:xfrm>
+            <a:off x="6466187" y="3285411"/>
+            <a:ext cx="224601" cy="282702"/>
+          </a:xfrm>
+          <a:prstGeom prst="rect">
+            <a:avLst/>
+          </a:prstGeom>
+        </p:spPr>
+      </p:pic>
+      <p:pic>
+        <p:nvPicPr>
+          <p:cNvPr id="11" name="図 10" descr="スクリーンショット（2011-03-07 15.28.41）.png"/>
+          <p:cNvPicPr>
+            <a:picLocks noChangeAspect="1"/>
+          </p:cNvPicPr>
+          <p:nvPr/>
+        </p:nvPicPr>
+        <p:blipFill rotWithShape="1">
+          <a:blip r:embed="rId2">
+            <a:extLst>
+              <a:ext uri="{28A0092B-C50C-407E-A947-70E740481C1C}">
+                <a14:useLocalDpi xmlns:a14="http://schemas.microsoft.com/office/drawing/2010/main" val="0"/>
+              </a:ext>
+            </a:extLst>
+          </a:blip>
+          <a:srcRect l="79172" r="7245"/>
+          <a:stretch/>
+        </p:blipFill>
+        <p:spPr>
+          <a:xfrm>
+            <a:off x="6004353" y="3285411"/>
+            <a:ext cx="224601" cy="282702"/>
+          </a:xfrm>
+          <a:prstGeom prst="rect">
+            <a:avLst/>
+          </a:prstGeom>
+        </p:spPr>
+      </p:pic>
+      <p:sp>
+        <p:nvSpPr>
+          <p:cNvPr id="12" name="テキスト 10"/>
+          <p:cNvSpPr txBox="1"/>
+          <p:nvPr/>
+        </p:nvSpPr>
+        <p:spPr>
+          <a:xfrm>
+            <a:off x="6043418" y="3154814"/>
+            <a:ext cx="146470" cy="133166"/>
+          </a:xfrm>
+          <a:prstGeom prst="rect">
+            <a:avLst/>
+          </a:prstGeom>
+          <a:noFill/>
+          <a:ln>
+            <a:noFill/>
+          </a:ln>
+          <a:effectLst/>
+          <a:extLst>
+            <a:ext uri="{C572A759-6A51-4108-AA02-DFA0A04FC94B}">
+              <ma14:wrappingTextBoxFlag xmlns:ma14="http://schemas.microsoft.com/office/mac/drawingml/2011/main"/>
+            </a:ext>
+          </a:extLst>
+        </p:spPr>
+        <p:style>
+          <a:lnRef idx="0">
+            <a:schemeClr val="accent1"/>
+          </a:lnRef>
+          <a:fillRef idx="0">
+            <a:schemeClr val="accent1"/>
+          </a:fillRef>
+          <a:effectRef idx="0">
+            <a:schemeClr val="accent1"/>
+          </a:effectRef>
+          <a:fontRef idx="minor">
+            <a:schemeClr val="dk1"/>
+          </a:fontRef>
+        </p:style>
+        <p:txBody>
+          <a:bodyPr rot="0" spcFirstLastPara="0" vert="horz" wrap="none" lIns="91440" tIns="45720" rIns="91440" bIns="45720" numCol="1" spcCol="0" rtlCol="0" fromWordArt="0" anchor="t" anchorCtr="0" forceAA="0" compatLnSpc="1">
+            <a:prstTxWarp prst="textNoShape">
+              <a:avLst/>
+            </a:prstTxWarp>
+            <a:noAutofit/>
+          </a:bodyPr>
+          <a:lstStyle/>
+          <a:p>
+            <a:pPr algn="ctr">
+              <a:spcAft>
+                <a:spcPts val="0"/>
+              </a:spcAft>
+            </a:pPr>
+            <a:r>
+              <a:rPr lang="en-US" altLang="ja-JP" sz="500" kern="100" dirty="0" smtClean="0">
+                <a:ea typeface="ヒラギノ角ゴ ProN W3"/>
+                <a:cs typeface="Times New Roman"/>
+              </a:rPr>
+              <a:t>ON</a:t>
+            </a:r>
+            <a:endParaRPr lang="ja-JP" sz="500" kern="100" dirty="0">
+              <a:effectLst/>
+              <a:ea typeface="ＭＳ 明朝"/>
+              <a:cs typeface="Times New Roman"/>
+            </a:endParaRPr>
+          </a:p>
+        </p:txBody>
+      </p:sp>
+      <p:sp>
+        <p:nvSpPr>
+          <p:cNvPr id="13" name="テキスト 10"/>
+          <p:cNvSpPr txBox="1"/>
+          <p:nvPr/>
+        </p:nvSpPr>
+        <p:spPr>
+          <a:xfrm>
+            <a:off x="6505252" y="3154814"/>
+            <a:ext cx="146470" cy="133166"/>
+          </a:xfrm>
+          <a:prstGeom prst="rect">
+            <a:avLst/>
+          </a:prstGeom>
+          <a:noFill/>
+          <a:ln>
+            <a:noFill/>
+          </a:ln>
+          <a:effectLst/>
+          <a:extLst>
+            <a:ext uri="{C572A759-6A51-4108-AA02-DFA0A04FC94B}">
+              <ma14:wrappingTextBoxFlag xmlns:ma14="http://schemas.microsoft.com/office/mac/drawingml/2011/main"/>
+            </a:ext>
+          </a:extLst>
+        </p:spPr>
+        <p:style>
+          <a:lnRef idx="0">
+            <a:schemeClr val="accent1"/>
+          </a:lnRef>
+          <a:fillRef idx="0">
+            <a:schemeClr val="accent1"/>
+          </a:fillRef>
+          <a:effectRef idx="0">
+            <a:schemeClr val="accent1"/>
+          </a:effectRef>
+          <a:fontRef idx="minor">
+            <a:schemeClr val="dk1"/>
+          </a:fontRef>
+        </p:style>
+        <p:txBody>
+          <a:bodyPr rot="0" spcFirstLastPara="0" vert="horz" wrap="none" lIns="91440" tIns="45720" rIns="91440" bIns="45720" numCol="1" spcCol="0" rtlCol="0" fromWordArt="0" anchor="t" anchorCtr="0" forceAA="0" compatLnSpc="1">
+            <a:prstTxWarp prst="textNoShape">
+              <a:avLst/>
+            </a:prstTxWarp>
+            <a:noAutofit/>
+          </a:bodyPr>
+          <a:lstStyle/>
+          <a:p>
+            <a:pPr algn="ctr">
+              <a:spcAft>
+                <a:spcPts val="0"/>
+              </a:spcAft>
+            </a:pPr>
+            <a:r>
+              <a:rPr lang="en-US" altLang="ja-JP" sz="500" kern="100" dirty="0" smtClean="0">
+                <a:ea typeface="ヒラギノ角ゴ ProN W3"/>
+                <a:cs typeface="Times New Roman"/>
+              </a:rPr>
+              <a:t>OFF</a:t>
+            </a:r>
+            <a:endParaRPr lang="ja-JP" sz="500" kern="100" dirty="0">
+              <a:effectLst/>
+              <a:ea typeface="ＭＳ 明朝"/>
+              <a:cs typeface="Times New Roman"/>
+            </a:endParaRPr>
+          </a:p>
+        </p:txBody>
+      </p:sp>
+      <p:sp>
+        <p:nvSpPr>
+          <p:cNvPr id="14" name="テキスト 10"/>
+          <p:cNvSpPr txBox="1"/>
+          <p:nvPr/>
+        </p:nvSpPr>
+        <p:spPr>
+          <a:xfrm>
+            <a:off x="6874695" y="3154814"/>
+            <a:ext cx="331254" cy="133166"/>
+          </a:xfrm>
+          <a:prstGeom prst="rect">
+            <a:avLst/>
+          </a:prstGeom>
+          <a:noFill/>
+          <a:ln>
+            <a:noFill/>
+          </a:ln>
+          <a:effectLst/>
+          <a:extLst>
+            <a:ext uri="{C572A759-6A51-4108-AA02-DFA0A04FC94B}">
+              <ma14:wrappingTextBoxFlag xmlns:ma14="http://schemas.microsoft.com/office/mac/drawingml/2011/main"/>
+            </a:ext>
+          </a:extLst>
+        </p:spPr>
+        <p:style>
+          <a:lnRef idx="0">
+            <a:schemeClr val="accent1"/>
+          </a:lnRef>
+          <a:fillRef idx="0">
+            <a:schemeClr val="accent1"/>
+          </a:fillRef>
+          <a:effectRef idx="0">
+            <a:schemeClr val="accent1"/>
+          </a:effectRef>
+          <a:fontRef idx="minor">
+            <a:schemeClr val="dk1"/>
+          </a:fontRef>
+        </p:style>
+        <p:txBody>
+          <a:bodyPr rot="0" spcFirstLastPara="0" vert="horz" wrap="none" lIns="91440" tIns="45720" rIns="91440" bIns="45720" numCol="1" spcCol="0" rtlCol="0" fromWordArt="0" anchor="t" anchorCtr="0" forceAA="0" compatLnSpc="1">
+            <a:prstTxWarp prst="textNoShape">
+              <a:avLst/>
+            </a:prstTxWarp>
+            <a:noAutofit/>
+          </a:bodyPr>
+          <a:lstStyle/>
+          <a:p>
+            <a:pPr algn="ctr">
+              <a:spcAft>
+                <a:spcPts val="0"/>
+              </a:spcAft>
+            </a:pPr>
+            <a:r>
+              <a:rPr lang="en-US" altLang="ja-JP" sz="500" kern="100" dirty="0" smtClean="0">
+                <a:ea typeface="ヒラギノ角ゴ ProN W3"/>
+                <a:cs typeface="Times New Roman"/>
+              </a:rPr>
+              <a:t>Disabled</a:t>
+            </a:r>
+            <a:endParaRPr lang="ja-JP" sz="500" kern="100" dirty="0">
+              <a:effectLst/>
+              <a:ea typeface="ＭＳ 明朝"/>
+              <a:cs typeface="Times New Roman"/>
+            </a:endParaRPr>
+          </a:p>
+        </p:txBody>
+      </p:sp>
     </p:spTree>
     <p:extLst>
       <p:ext uri="{BB962C8B-B14F-4D97-AF65-F5344CB8AC3E}">
-        <p14:creationId xmlns:p14="http://schemas.microsoft.com/office/powerpoint/2010/main" val="3858726466"/>
+        <p14:creationId xmlns:p14="http://schemas.microsoft.com/office/powerpoint/2010/main" val="58114177"/>
       </p:ext>
     </p:extLst>
   </p:cSld>
   <p:clrMapOvr>
     <a:masterClrMapping/>
   </p:clrMapOvr>
+  <p:timing>
+    <p:tnLst>
+      <p:par>
+        <p:cTn xmlns:p14="http://schemas.microsoft.com/office/powerpoint/2010/main" id="1" dur="indefinite" restart="never" nodeType="tmRoot"/>
+      </p:par>
+    </p:tnLst>
+  </p:timing>
 </p:sld>
 </file>
 
@@ -12450,6 +12781,123 @@
       </p:grpSpPr>
       <p:pic>
         <p:nvPicPr>
+          <p:cNvPr id="2" name="図 1" descr="スクリーンショット（2011-03-31 12.47.17）.png"/>
+          <p:cNvPicPr>
+            <a:picLocks noChangeAspect="1"/>
+          </p:cNvPicPr>
+          <p:nvPr/>
+        </p:nvPicPr>
+        <p:blipFill rotWithShape="1">
+          <a:blip r:embed="rId2">
+            <a:extLst>
+              <a:ext uri="{28A0092B-C50C-407E-A947-70E740481C1C}">
+                <a14:useLocalDpi xmlns:a14="http://schemas.microsoft.com/office/drawing/2010/main" val="0"/>
+              </a:ext>
+            </a:extLst>
+          </a:blip>
+          <a:srcRect l="24974" r="33637" b="58754"/>
+          <a:stretch/>
+        </p:blipFill>
+        <p:spPr>
+          <a:xfrm>
+            <a:off x="1039781" y="1770009"/>
+            <a:ext cx="3229534" cy="2011485"/>
+          </a:xfrm>
+          <a:prstGeom prst="rect">
+            <a:avLst/>
+          </a:prstGeom>
+        </p:spPr>
+      </p:pic>
+      <p:pic>
+        <p:nvPicPr>
+          <p:cNvPr id="3" name="図 2" descr="スクリーンショット（2011-03-31 12.47.17）.png"/>
+          <p:cNvPicPr>
+            <a:picLocks noChangeAspect="1"/>
+          </p:cNvPicPr>
+          <p:nvPr/>
+        </p:nvPicPr>
+        <p:blipFill rotWithShape="1">
+          <a:blip r:embed="rId2">
+            <a:extLst>
+              <a:ext uri="{28A0092B-C50C-407E-A947-70E740481C1C}">
+                <a14:useLocalDpi xmlns:a14="http://schemas.microsoft.com/office/drawing/2010/main" val="0"/>
+              </a:ext>
+            </a:extLst>
+          </a:blip>
+          <a:srcRect l="24974" r="33637" b="58754"/>
+          <a:stretch/>
+        </p:blipFill>
+        <p:spPr>
+          <a:xfrm>
+            <a:off x="4864874" y="2115830"/>
+            <a:ext cx="1614767" cy="1005743"/>
+          </a:xfrm>
+          <a:prstGeom prst="rect">
+            <a:avLst/>
+          </a:prstGeom>
+        </p:spPr>
+      </p:pic>
+      <p:pic>
+        <p:nvPicPr>
+          <p:cNvPr id="5" name="図 4" descr="スクリーンショット（2011-04-19 23.12.32）.png"/>
+          <p:cNvPicPr>
+            <a:picLocks noChangeAspect="1"/>
+          </p:cNvPicPr>
+          <p:nvPr/>
+        </p:nvPicPr>
+        <p:blipFill rotWithShape="1">
+          <a:blip r:embed="rId3">
+            <a:extLst>
+              <a:ext uri="{28A0092B-C50C-407E-A947-70E740481C1C}">
+                <a14:useLocalDpi xmlns:a14="http://schemas.microsoft.com/office/drawing/2010/main" val="0"/>
+              </a:ext>
+            </a:extLst>
+          </a:blip>
+          <a:srcRect l="21008" t="21" r="37602" b="58733"/>
+          <a:stretch/>
+        </p:blipFill>
+        <p:spPr>
+          <a:xfrm>
+            <a:off x="6954931" y="2195500"/>
+            <a:ext cx="1614767" cy="1005743"/>
+          </a:xfrm>
+          <a:prstGeom prst="rect">
+            <a:avLst/>
+          </a:prstGeom>
+        </p:spPr>
+      </p:pic>
+    </p:spTree>
+    <p:extLst>
+      <p:ext uri="{BB962C8B-B14F-4D97-AF65-F5344CB8AC3E}">
+        <p14:creationId xmlns:p14="http://schemas.microsoft.com/office/powerpoint/2010/main" val="3858726466"/>
+      </p:ext>
+    </p:extLst>
+  </p:cSld>
+  <p:clrMapOvr>
+    <a:masterClrMapping/>
+  </p:clrMapOvr>
+</p:sld>
+</file>
+
+<file path=ppt/slides/slide19.xml><?xml version="1.0" encoding="utf-8"?>
+<p:sld xmlns:a="http://schemas.openxmlformats.org/drawingml/2006/main" xmlns:r="http://schemas.openxmlformats.org/officeDocument/2006/relationships" xmlns:p="http://schemas.openxmlformats.org/presentationml/2006/main">
+  <p:cSld>
+    <p:spTree>
+      <p:nvGrpSpPr>
+        <p:cNvPr id="1" name=""/>
+        <p:cNvGrpSpPr/>
+        <p:nvPr/>
+      </p:nvGrpSpPr>
+      <p:grpSpPr>
+        <a:xfrm>
+          <a:off x="0" y="0"/>
+          <a:ext cx="0" cy="0"/>
+          <a:chOff x="0" y="0"/>
+          <a:chExt cx="0" cy="0"/>
+        </a:xfrm>
+      </p:grpSpPr>
+      <p:pic>
+        <p:nvPicPr>
           <p:cNvPr id="2" name="図 1" descr="名称未設定.png"/>
           <p:cNvPicPr>
             <a:picLocks noChangeAspect="1"/>
@@ -12472,6 +12920,36 @@
           <a:xfrm>
             <a:off x="2860290" y="2105247"/>
             <a:ext cx="2968752" cy="1981200"/>
+          </a:xfrm>
+          <a:prstGeom prst="rect">
+            <a:avLst/>
+          </a:prstGeom>
+        </p:spPr>
+      </p:pic>
+      <p:pic>
+        <p:nvPicPr>
+          <p:cNvPr id="3" name="図 2" descr="名称未設定.png"/>
+          <p:cNvPicPr>
+            <a:picLocks noChangeAspect="1"/>
+          </p:cNvPicPr>
+          <p:nvPr/>
+        </p:nvPicPr>
+        <p:blipFill>
+          <a:blip r:embed="rId2">
+            <a:extLst>
+              <a:ext uri="{28A0092B-C50C-407E-A947-70E740481C1C}">
+                <a14:useLocalDpi xmlns:a14="http://schemas.microsoft.com/office/drawing/2010/main" val="0"/>
+              </a:ext>
+            </a:extLst>
+          </a:blip>
+          <a:stretch>
+            <a:fillRect/>
+          </a:stretch>
+        </p:blipFill>
+        <p:spPr>
+          <a:xfrm>
+            <a:off x="6114973" y="2316136"/>
+            <a:ext cx="1484376" cy="990600"/>
           </a:xfrm>
           <a:prstGeom prst="rect">
             <a:avLst/>
@@ -12491,7 +12969,1857 @@
 </p:sld>
 </file>
 
-<file path=ppt/slides/slide19.xml><?xml version="1.0" encoding="utf-8"?>
+<file path=ppt/slides/slide2.xml><?xml version="1.0" encoding="utf-8"?>
+<p:sld xmlns:a="http://schemas.openxmlformats.org/drawingml/2006/main" xmlns:r="http://schemas.openxmlformats.org/officeDocument/2006/relationships" xmlns:p="http://schemas.openxmlformats.org/presentationml/2006/main">
+  <p:cSld>
+    <p:spTree>
+      <p:nvGrpSpPr>
+        <p:cNvPr id="1" name=""/>
+        <p:cNvGrpSpPr/>
+        <p:nvPr/>
+      </p:nvGrpSpPr>
+      <p:grpSpPr>
+        <a:xfrm>
+          <a:off x="0" y="0"/>
+          <a:ext cx="0" cy="0"/>
+          <a:chOff x="0" y="0"/>
+          <a:chExt cx="0" cy="0"/>
+        </a:xfrm>
+      </p:grpSpPr>
+      <p:pic>
+        <p:nvPicPr>
+          <p:cNvPr id="22" name="図 21" descr="スクリーンショット（2011-02-19 4.05.24）.png"/>
+          <p:cNvPicPr>
+            <a:picLocks noChangeAspect="1"/>
+          </p:cNvPicPr>
+          <p:nvPr/>
+        </p:nvPicPr>
+        <p:blipFill>
+          <a:blip r:embed="rId2">
+            <a:extLst>
+              <a:ext uri="{28A0092B-C50C-407E-A947-70E740481C1C}">
+                <a14:useLocalDpi xmlns:a14="http://schemas.microsoft.com/office/drawing/2010/main" val="0"/>
+              </a:ext>
+            </a:extLst>
+          </a:blip>
+          <a:stretch>
+            <a:fillRect/>
+          </a:stretch>
+        </p:blipFill>
+        <p:spPr>
+          <a:xfrm>
+            <a:off x="488763" y="2040765"/>
+            <a:ext cx="4089600" cy="2556000"/>
+          </a:xfrm>
+          <a:prstGeom prst="rect">
+            <a:avLst/>
+          </a:prstGeom>
+        </p:spPr>
+      </p:pic>
+      <p:sp>
+        <p:nvSpPr>
+          <p:cNvPr id="5" name="正方形/長方形 4"/>
+          <p:cNvSpPr/>
+          <p:nvPr/>
+        </p:nvSpPr>
+        <p:spPr>
+          <a:xfrm>
+            <a:off x="487688" y="2312334"/>
+            <a:ext cx="678180" cy="2183130"/>
+          </a:xfrm>
+          <a:prstGeom prst="rect">
+            <a:avLst/>
+          </a:prstGeom>
+          <a:noFill/>
+          <a:ln w="19050" cmpd="sng">
+            <a:solidFill>
+              <a:srgbClr val="FF0000"/>
+            </a:solidFill>
+          </a:ln>
+        </p:spPr>
+        <p:style>
+          <a:lnRef idx="1">
+            <a:schemeClr val="accent1"/>
+          </a:lnRef>
+          <a:fillRef idx="3">
+            <a:schemeClr val="accent1"/>
+          </a:fillRef>
+          <a:effectRef idx="2">
+            <a:schemeClr val="accent1"/>
+          </a:effectRef>
+          <a:fontRef idx="minor">
+            <a:schemeClr val="lt1"/>
+          </a:fontRef>
+        </p:style>
+        <p:txBody>
+          <a:bodyPr rot="0" spcFirstLastPara="0" vert="horz" wrap="square" lIns="91440" tIns="45720" rIns="91440" bIns="45720" numCol="1" spcCol="0" rtlCol="0" fromWordArt="0" anchor="ctr" anchorCtr="0" forceAA="0" compatLnSpc="1">
+            <a:prstTxWarp prst="textNoShape">
+              <a:avLst/>
+            </a:prstTxWarp>
+            <a:noAutofit/>
+          </a:bodyPr>
+          <a:lstStyle/>
+          <a:p>
+            <a:endParaRPr lang="ja-JP" altLang="en-US"/>
+          </a:p>
+        </p:txBody>
+      </p:sp>
+      <p:sp>
+        <p:nvSpPr>
+          <p:cNvPr id="6" name="正方形/長方形 5"/>
+          <p:cNvSpPr/>
+          <p:nvPr/>
+        </p:nvSpPr>
+        <p:spPr>
+          <a:xfrm>
+            <a:off x="1190507" y="3636622"/>
+            <a:ext cx="3356610" cy="243205"/>
+          </a:xfrm>
+          <a:prstGeom prst="rect">
+            <a:avLst/>
+          </a:prstGeom>
+          <a:noFill/>
+          <a:ln w="19050" cmpd="sng">
+            <a:solidFill>
+              <a:srgbClr val="FF0000"/>
+            </a:solidFill>
+          </a:ln>
+        </p:spPr>
+        <p:style>
+          <a:lnRef idx="1">
+            <a:schemeClr val="accent1"/>
+          </a:lnRef>
+          <a:fillRef idx="3">
+            <a:schemeClr val="accent1"/>
+          </a:fillRef>
+          <a:effectRef idx="2">
+            <a:schemeClr val="accent1"/>
+          </a:effectRef>
+          <a:fontRef idx="minor">
+            <a:schemeClr val="lt1"/>
+          </a:fontRef>
+        </p:style>
+        <p:txBody>
+          <a:bodyPr rot="0" spcFirstLastPara="0" vert="horz" wrap="square" lIns="91440" tIns="45720" rIns="91440" bIns="45720" numCol="1" spcCol="0" rtlCol="0" fromWordArt="0" anchor="ctr" anchorCtr="0" forceAA="0" compatLnSpc="1">
+            <a:prstTxWarp prst="textNoShape">
+              <a:avLst/>
+            </a:prstTxWarp>
+            <a:noAutofit/>
+          </a:bodyPr>
+          <a:lstStyle/>
+          <a:p>
+            <a:endParaRPr lang="ja-JP" altLang="en-US"/>
+          </a:p>
+        </p:txBody>
+      </p:sp>
+      <p:sp>
+        <p:nvSpPr>
+          <p:cNvPr id="7" name="正方形/長方形 6"/>
+          <p:cNvSpPr/>
+          <p:nvPr/>
+        </p:nvSpPr>
+        <p:spPr>
+          <a:xfrm>
+            <a:off x="1191142" y="2472566"/>
+            <a:ext cx="3356610" cy="1096746"/>
+          </a:xfrm>
+          <a:prstGeom prst="rect">
+            <a:avLst/>
+          </a:prstGeom>
+          <a:noFill/>
+          <a:ln w="19050" cmpd="sng">
+            <a:solidFill>
+              <a:srgbClr val="FF0000"/>
+            </a:solidFill>
+          </a:ln>
+        </p:spPr>
+        <p:style>
+          <a:lnRef idx="1">
+            <a:schemeClr val="accent1"/>
+          </a:lnRef>
+          <a:fillRef idx="3">
+            <a:schemeClr val="accent1"/>
+          </a:fillRef>
+          <a:effectRef idx="2">
+            <a:schemeClr val="accent1"/>
+          </a:effectRef>
+          <a:fontRef idx="minor">
+            <a:schemeClr val="lt1"/>
+          </a:fontRef>
+        </p:style>
+        <p:txBody>
+          <a:bodyPr rot="0" spcFirstLastPara="0" vert="horz" wrap="square" lIns="91440" tIns="45720" rIns="91440" bIns="45720" numCol="1" spcCol="0" rtlCol="0" fromWordArt="0" anchor="ctr" anchorCtr="0" forceAA="0" compatLnSpc="1">
+            <a:prstTxWarp prst="textNoShape">
+              <a:avLst/>
+            </a:prstTxWarp>
+            <a:noAutofit/>
+          </a:bodyPr>
+          <a:lstStyle/>
+          <a:p>
+            <a:endParaRPr lang="ja-JP" altLang="en-US"/>
+          </a:p>
+        </p:txBody>
+      </p:sp>
+      <p:sp>
+        <p:nvSpPr>
+          <p:cNvPr id="8" name="正方形/長方形 7"/>
+          <p:cNvSpPr/>
+          <p:nvPr/>
+        </p:nvSpPr>
+        <p:spPr>
+          <a:xfrm>
+            <a:off x="1191142" y="3893162"/>
+            <a:ext cx="3356610" cy="598805"/>
+          </a:xfrm>
+          <a:prstGeom prst="rect">
+            <a:avLst/>
+          </a:prstGeom>
+          <a:noFill/>
+          <a:ln w="19050" cmpd="sng">
+            <a:solidFill>
+              <a:srgbClr val="FF0000"/>
+            </a:solidFill>
+          </a:ln>
+        </p:spPr>
+        <p:style>
+          <a:lnRef idx="1">
+            <a:schemeClr val="accent1"/>
+          </a:lnRef>
+          <a:fillRef idx="3">
+            <a:schemeClr val="accent1"/>
+          </a:fillRef>
+          <a:effectRef idx="2">
+            <a:schemeClr val="accent1"/>
+          </a:effectRef>
+          <a:fontRef idx="minor">
+            <a:schemeClr val="lt1"/>
+          </a:fontRef>
+        </p:style>
+        <p:txBody>
+          <a:bodyPr rot="0" spcFirstLastPara="0" vert="horz" wrap="square" lIns="91440" tIns="45720" rIns="91440" bIns="45720" numCol="1" spcCol="0" rtlCol="0" fromWordArt="0" anchor="ctr" anchorCtr="0" forceAA="0" compatLnSpc="1">
+            <a:prstTxWarp prst="textNoShape">
+              <a:avLst/>
+            </a:prstTxWarp>
+            <a:noAutofit/>
+          </a:bodyPr>
+          <a:lstStyle/>
+          <a:p>
+            <a:endParaRPr lang="ja-JP" altLang="en-US"/>
+          </a:p>
+        </p:txBody>
+      </p:sp>
+      <p:sp>
+        <p:nvSpPr>
+          <p:cNvPr id="9" name="テキスト 10"/>
+          <p:cNvSpPr txBox="1"/>
+          <p:nvPr/>
+        </p:nvSpPr>
+        <p:spPr>
+          <a:xfrm>
+            <a:off x="4734442" y="2597762"/>
+            <a:ext cx="945515" cy="381000"/>
+          </a:xfrm>
+          <a:prstGeom prst="rect">
+            <a:avLst/>
+          </a:prstGeom>
+          <a:noFill/>
+          <a:ln>
+            <a:noFill/>
+          </a:ln>
+          <a:effectLst/>
+          <a:extLst>
+            <a:ext uri="{C572A759-6A51-4108-AA02-DFA0A04FC94B}">
+              <ma14:wrappingTextBoxFlag xmlns:ma14="http://schemas.microsoft.com/office/mac/drawingml/2011/main"/>
+            </a:ext>
+          </a:extLst>
+        </p:spPr>
+        <p:style>
+          <a:lnRef idx="0">
+            <a:schemeClr val="accent1"/>
+          </a:lnRef>
+          <a:fillRef idx="0">
+            <a:schemeClr val="accent1"/>
+          </a:fillRef>
+          <a:effectRef idx="0">
+            <a:schemeClr val="accent1"/>
+          </a:effectRef>
+          <a:fontRef idx="minor">
+            <a:schemeClr val="dk1"/>
+          </a:fontRef>
+        </p:style>
+        <p:txBody>
+          <a:bodyPr rot="0" spcFirstLastPara="0" vert="horz" wrap="none" lIns="91440" tIns="45720" rIns="91440" bIns="45720" numCol="1" spcCol="0" rtlCol="0" fromWordArt="0" anchor="t" anchorCtr="0" forceAA="0" compatLnSpc="1">
+            <a:prstTxWarp prst="textNoShape">
+              <a:avLst/>
+            </a:prstTxWarp>
+            <a:noAutofit/>
+          </a:bodyPr>
+          <a:lstStyle/>
+          <a:p>
+            <a:pPr algn="just">
+              <a:spcAft>
+                <a:spcPts val="0"/>
+              </a:spcAft>
+            </a:pPr>
+            <a:r>
+              <a:rPr lang="ja-JP" sz="1000" kern="100" dirty="0">
+                <a:effectLst/>
+                <a:ea typeface="ヒラギノ角ゴ ProN W3"/>
+                <a:cs typeface="Times New Roman"/>
+              </a:rPr>
+              <a:t>ピアノロール</a:t>
+            </a:r>
+            <a:endParaRPr lang="ja-JP" sz="1200" kern="100" dirty="0">
+              <a:effectLst/>
+              <a:ea typeface="ＭＳ 明朝"/>
+              <a:cs typeface="Times New Roman"/>
+            </a:endParaRPr>
+          </a:p>
+        </p:txBody>
+      </p:sp>
+      <p:cxnSp>
+        <p:nvCxnSpPr>
+          <p:cNvPr id="10" name="直線コネクタ 9"/>
+          <p:cNvCxnSpPr/>
+          <p:nvPr/>
+        </p:nvCxnSpPr>
+        <p:spPr>
+          <a:xfrm flipH="1">
+            <a:off x="3019942" y="2742542"/>
+            <a:ext cx="1760220" cy="318135"/>
+          </a:xfrm>
+          <a:prstGeom prst="line">
+            <a:avLst/>
+          </a:prstGeom>
+        </p:spPr>
+        <p:style>
+          <a:lnRef idx="2">
+            <a:schemeClr val="accent1"/>
+          </a:lnRef>
+          <a:fillRef idx="0">
+            <a:schemeClr val="accent1"/>
+          </a:fillRef>
+          <a:effectRef idx="1">
+            <a:schemeClr val="accent1"/>
+          </a:effectRef>
+          <a:fontRef idx="minor">
+            <a:schemeClr val="tx1"/>
+          </a:fontRef>
+        </p:style>
+      </p:cxnSp>
+      <p:sp>
+        <p:nvSpPr>
+          <p:cNvPr id="11" name="テキスト 12"/>
+          <p:cNvSpPr txBox="1"/>
+          <p:nvPr/>
+        </p:nvSpPr>
+        <p:spPr>
+          <a:xfrm>
+            <a:off x="4734442" y="3569312"/>
+            <a:ext cx="818515" cy="381000"/>
+          </a:xfrm>
+          <a:prstGeom prst="rect">
+            <a:avLst/>
+          </a:prstGeom>
+          <a:noFill/>
+          <a:ln>
+            <a:noFill/>
+          </a:ln>
+          <a:effectLst/>
+          <a:extLst>
+            <a:ext uri="{C572A759-6A51-4108-AA02-DFA0A04FC94B}">
+              <ma14:wrappingTextBoxFlag xmlns:ma14="http://schemas.microsoft.com/office/mac/drawingml/2011/main"/>
+            </a:ext>
+          </a:extLst>
+        </p:spPr>
+        <p:style>
+          <a:lnRef idx="0">
+            <a:schemeClr val="accent1"/>
+          </a:lnRef>
+          <a:fillRef idx="0">
+            <a:schemeClr val="accent1"/>
+          </a:fillRef>
+          <a:effectRef idx="0">
+            <a:schemeClr val="accent1"/>
+          </a:effectRef>
+          <a:fontRef idx="minor">
+            <a:schemeClr val="dk1"/>
+          </a:fontRef>
+        </p:style>
+        <p:txBody>
+          <a:bodyPr rot="0" spcFirstLastPara="0" vert="horz" wrap="none" lIns="91440" tIns="45720" rIns="91440" bIns="45720" numCol="1" spcCol="0" rtlCol="0" fromWordArt="0" anchor="t" anchorCtr="0" forceAA="0" compatLnSpc="1">
+            <a:prstTxWarp prst="textNoShape">
+              <a:avLst/>
+            </a:prstTxWarp>
+            <a:noAutofit/>
+          </a:bodyPr>
+          <a:lstStyle/>
+          <a:p>
+            <a:pPr algn="just">
+              <a:spcAft>
+                <a:spcPts val="0"/>
+              </a:spcAft>
+            </a:pPr>
+            <a:r>
+              <a:rPr lang="ja-JP" sz="1000" kern="100">
+                <a:effectLst/>
+                <a:ea typeface="ヒラギノ角ゴ ProN W3"/>
+                <a:cs typeface="Times New Roman"/>
+              </a:rPr>
+              <a:t>波形ビュー</a:t>
+            </a:r>
+            <a:endParaRPr lang="ja-JP" sz="1200" kern="100">
+              <a:effectLst/>
+              <a:ea typeface="ＭＳ 明朝"/>
+              <a:cs typeface="Times New Roman"/>
+            </a:endParaRPr>
+          </a:p>
+        </p:txBody>
+      </p:sp>
+      <p:cxnSp>
+        <p:nvCxnSpPr>
+          <p:cNvPr id="12" name="直線コネクタ 11"/>
+          <p:cNvCxnSpPr/>
+          <p:nvPr/>
+        </p:nvCxnSpPr>
+        <p:spPr>
+          <a:xfrm flipH="1">
+            <a:off x="3774322" y="3726157"/>
+            <a:ext cx="1019175" cy="13970"/>
+          </a:xfrm>
+          <a:prstGeom prst="line">
+            <a:avLst/>
+          </a:prstGeom>
+        </p:spPr>
+        <p:style>
+          <a:lnRef idx="2">
+            <a:schemeClr val="accent1"/>
+          </a:lnRef>
+          <a:fillRef idx="0">
+            <a:schemeClr val="accent1"/>
+          </a:fillRef>
+          <a:effectRef idx="1">
+            <a:schemeClr val="accent1"/>
+          </a:effectRef>
+          <a:fontRef idx="minor">
+            <a:schemeClr val="tx1"/>
+          </a:fontRef>
+        </p:style>
+      </p:cxnSp>
+      <p:sp>
+        <p:nvSpPr>
+          <p:cNvPr id="13" name="テキスト 14"/>
+          <p:cNvSpPr txBox="1"/>
+          <p:nvPr/>
+        </p:nvSpPr>
+        <p:spPr>
+          <a:xfrm>
+            <a:off x="2619892" y="4921227"/>
+            <a:ext cx="1485900" cy="304800"/>
+          </a:xfrm>
+          <a:prstGeom prst="rect">
+            <a:avLst/>
+          </a:prstGeom>
+          <a:noFill/>
+          <a:ln>
+            <a:noFill/>
+          </a:ln>
+          <a:effectLst/>
+          <a:extLst>
+            <a:ext uri="{C572A759-6A51-4108-AA02-DFA0A04FC94B}">
+              <ma14:wrappingTextBoxFlag xmlns:ma14="http://schemas.microsoft.com/office/mac/drawingml/2011/main"/>
+            </a:ext>
+          </a:extLst>
+        </p:spPr>
+        <p:style>
+          <a:lnRef idx="0">
+            <a:schemeClr val="accent1"/>
+          </a:lnRef>
+          <a:fillRef idx="0">
+            <a:schemeClr val="accent1"/>
+          </a:fillRef>
+          <a:effectRef idx="0">
+            <a:schemeClr val="accent1"/>
+          </a:effectRef>
+          <a:fontRef idx="minor">
+            <a:schemeClr val="dk1"/>
+          </a:fontRef>
+        </p:style>
+        <p:txBody>
+          <a:bodyPr rot="0" spcFirstLastPara="0" vert="horz" wrap="square" lIns="91440" tIns="45720" rIns="91440" bIns="45720" numCol="1" spcCol="0" rtlCol="0" fromWordArt="0" anchor="t" anchorCtr="0" forceAA="0" compatLnSpc="1">
+            <a:prstTxWarp prst="textNoShape">
+              <a:avLst/>
+            </a:prstTxWarp>
+            <a:noAutofit/>
+          </a:bodyPr>
+          <a:lstStyle/>
+          <a:p>
+            <a:pPr algn="just">
+              <a:spcAft>
+                <a:spcPts val="0"/>
+              </a:spcAft>
+            </a:pPr>
+            <a:r>
+              <a:rPr lang="ja-JP" sz="1000" kern="100" dirty="0">
+                <a:effectLst/>
+                <a:ea typeface="ヒラギノ角ゴ ProN W3"/>
+                <a:cs typeface="Times New Roman"/>
+              </a:rPr>
+              <a:t>コントロールトラック</a:t>
+            </a:r>
+            <a:endParaRPr lang="ja-JP" sz="1200" kern="100" dirty="0">
+              <a:effectLst/>
+              <a:ea typeface="ＭＳ 明朝"/>
+              <a:cs typeface="Times New Roman"/>
+            </a:endParaRPr>
+          </a:p>
+        </p:txBody>
+      </p:sp>
+      <p:cxnSp>
+        <p:nvCxnSpPr>
+          <p:cNvPr id="14" name="直線コネクタ 13"/>
+          <p:cNvCxnSpPr/>
+          <p:nvPr/>
+        </p:nvCxnSpPr>
+        <p:spPr>
+          <a:xfrm flipH="1" flipV="1">
+            <a:off x="2852910" y="4216699"/>
+            <a:ext cx="167032" cy="704528"/>
+          </a:xfrm>
+          <a:prstGeom prst="line">
+            <a:avLst/>
+          </a:prstGeom>
+        </p:spPr>
+        <p:style>
+          <a:lnRef idx="2">
+            <a:schemeClr val="accent1"/>
+          </a:lnRef>
+          <a:fillRef idx="0">
+            <a:schemeClr val="accent1"/>
+          </a:fillRef>
+          <a:effectRef idx="1">
+            <a:schemeClr val="accent1"/>
+          </a:effectRef>
+          <a:fontRef idx="minor">
+            <a:schemeClr val="tx1"/>
+          </a:fontRef>
+        </p:style>
+      </p:cxnSp>
+      <p:cxnSp>
+        <p:nvCxnSpPr>
+          <p:cNvPr id="17" name="直線コネクタ 16"/>
+          <p:cNvCxnSpPr/>
+          <p:nvPr/>
+        </p:nvCxnSpPr>
+        <p:spPr>
+          <a:xfrm flipV="1">
+            <a:off x="839960" y="3467399"/>
+            <a:ext cx="0" cy="1453828"/>
+          </a:xfrm>
+          <a:prstGeom prst="line">
+            <a:avLst/>
+          </a:prstGeom>
+        </p:spPr>
+        <p:style>
+          <a:lnRef idx="2">
+            <a:schemeClr val="accent1"/>
+          </a:lnRef>
+          <a:fillRef idx="0">
+            <a:schemeClr val="accent1"/>
+          </a:fillRef>
+          <a:effectRef idx="1">
+            <a:schemeClr val="accent1"/>
+          </a:effectRef>
+          <a:fontRef idx="minor">
+            <a:schemeClr val="tx1"/>
+          </a:fontRef>
+        </p:style>
+      </p:cxnSp>
+      <p:sp>
+        <p:nvSpPr>
+          <p:cNvPr id="19" name="テキスト 14"/>
+          <p:cNvSpPr txBox="1"/>
+          <p:nvPr/>
+        </p:nvSpPr>
+        <p:spPr>
+          <a:xfrm>
+            <a:off x="488763" y="4921227"/>
+            <a:ext cx="1485900" cy="304800"/>
+          </a:xfrm>
+          <a:prstGeom prst="rect">
+            <a:avLst/>
+          </a:prstGeom>
+          <a:noFill/>
+          <a:ln>
+            <a:noFill/>
+          </a:ln>
+          <a:effectLst/>
+          <a:extLst>
+            <a:ext uri="{C572A759-6A51-4108-AA02-DFA0A04FC94B}">
+              <ma14:wrappingTextBoxFlag xmlns:ma14="http://schemas.microsoft.com/office/mac/drawingml/2011/main"/>
+            </a:ext>
+          </a:extLst>
+        </p:spPr>
+        <p:style>
+          <a:lnRef idx="0">
+            <a:schemeClr val="accent1"/>
+          </a:lnRef>
+          <a:fillRef idx="0">
+            <a:schemeClr val="accent1"/>
+          </a:fillRef>
+          <a:effectRef idx="0">
+            <a:schemeClr val="accent1"/>
+          </a:effectRef>
+          <a:fontRef idx="minor">
+            <a:schemeClr val="dk1"/>
+          </a:fontRef>
+        </p:style>
+        <p:txBody>
+          <a:bodyPr rot="0" spcFirstLastPara="0" vert="horz" wrap="square" lIns="91440" tIns="45720" rIns="91440" bIns="45720" numCol="1" spcCol="0" rtlCol="0" fromWordArt="0" anchor="t" anchorCtr="0" forceAA="0" compatLnSpc="1">
+            <a:prstTxWarp prst="textNoShape">
+              <a:avLst/>
+            </a:prstTxWarp>
+            <a:noAutofit/>
+          </a:bodyPr>
+          <a:lstStyle/>
+          <a:p>
+            <a:pPr algn="just">
+              <a:spcAft>
+                <a:spcPts val="0"/>
+              </a:spcAft>
+            </a:pPr>
+            <a:r>
+              <a:rPr lang="ja-JP" altLang="en-US" sz="1000" kern="100" dirty="0" smtClean="0">
+                <a:effectLst/>
+                <a:ea typeface="ヒラギノ角ゴ ProN W3"/>
+                <a:cs typeface="Times New Roman"/>
+              </a:rPr>
+              <a:t>プロパティエディタ</a:t>
+            </a:r>
+            <a:endParaRPr lang="ja-JP" sz="1200" kern="100" dirty="0">
+              <a:effectLst/>
+              <a:ea typeface="ＭＳ 明朝"/>
+              <a:cs typeface="Times New Roman"/>
+            </a:endParaRPr>
+          </a:p>
+        </p:txBody>
+      </p:sp>
+      <p:sp>
+        <p:nvSpPr>
+          <p:cNvPr id="23" name="正方形/長方形 22"/>
+          <p:cNvSpPr/>
+          <p:nvPr/>
+        </p:nvSpPr>
+        <p:spPr>
+          <a:xfrm>
+            <a:off x="1191142" y="2312334"/>
+            <a:ext cx="3356610" cy="134832"/>
+          </a:xfrm>
+          <a:prstGeom prst="rect">
+            <a:avLst/>
+          </a:prstGeom>
+          <a:noFill/>
+          <a:ln w="19050" cmpd="sng">
+            <a:solidFill>
+              <a:srgbClr val="FF0000"/>
+            </a:solidFill>
+          </a:ln>
+        </p:spPr>
+        <p:style>
+          <a:lnRef idx="1">
+            <a:schemeClr val="accent1"/>
+          </a:lnRef>
+          <a:fillRef idx="3">
+            <a:schemeClr val="accent1"/>
+          </a:fillRef>
+          <a:effectRef idx="2">
+            <a:schemeClr val="accent1"/>
+          </a:effectRef>
+          <a:fontRef idx="minor">
+            <a:schemeClr val="lt1"/>
+          </a:fontRef>
+        </p:style>
+        <p:txBody>
+          <a:bodyPr rot="0" spcFirstLastPara="0" vert="horz" wrap="square" lIns="91440" tIns="45720" rIns="91440" bIns="45720" numCol="1" spcCol="0" rtlCol="0" fromWordArt="0" anchor="ctr" anchorCtr="0" forceAA="0" compatLnSpc="1">
+            <a:prstTxWarp prst="textNoShape">
+              <a:avLst/>
+            </a:prstTxWarp>
+            <a:noAutofit/>
+          </a:bodyPr>
+          <a:lstStyle/>
+          <a:p>
+            <a:endParaRPr lang="ja-JP" altLang="en-US"/>
+          </a:p>
+        </p:txBody>
+      </p:sp>
+      <p:sp>
+        <p:nvSpPr>
+          <p:cNvPr id="18" name="正方形/長方形 17"/>
+          <p:cNvSpPr/>
+          <p:nvPr/>
+        </p:nvSpPr>
+        <p:spPr>
+          <a:xfrm>
+            <a:off x="487687" y="2181822"/>
+            <a:ext cx="4059429" cy="113232"/>
+          </a:xfrm>
+          <a:prstGeom prst="rect">
+            <a:avLst/>
+          </a:prstGeom>
+          <a:noFill/>
+          <a:ln w="19050" cmpd="sng">
+            <a:solidFill>
+              <a:srgbClr val="FF0000"/>
+            </a:solidFill>
+          </a:ln>
+        </p:spPr>
+        <p:style>
+          <a:lnRef idx="1">
+            <a:schemeClr val="accent1"/>
+          </a:lnRef>
+          <a:fillRef idx="3">
+            <a:schemeClr val="accent1"/>
+          </a:fillRef>
+          <a:effectRef idx="2">
+            <a:schemeClr val="accent1"/>
+          </a:effectRef>
+          <a:fontRef idx="minor">
+            <a:schemeClr val="lt1"/>
+          </a:fontRef>
+        </p:style>
+        <p:txBody>
+          <a:bodyPr rot="0" spcFirstLastPara="0" vert="horz" wrap="square" lIns="91440" tIns="45720" rIns="91440" bIns="45720" numCol="1" spcCol="0" rtlCol="0" fromWordArt="0" anchor="ctr" anchorCtr="0" forceAA="0" compatLnSpc="1">
+            <a:prstTxWarp prst="textNoShape">
+              <a:avLst/>
+            </a:prstTxWarp>
+            <a:noAutofit/>
+          </a:bodyPr>
+          <a:lstStyle/>
+          <a:p>
+            <a:endParaRPr lang="ja-JP" altLang="en-US"/>
+          </a:p>
+        </p:txBody>
+      </p:sp>
+      <p:cxnSp>
+        <p:nvCxnSpPr>
+          <p:cNvPr id="24" name="直線コネクタ 23"/>
+          <p:cNvCxnSpPr/>
+          <p:nvPr/>
+        </p:nvCxnSpPr>
+        <p:spPr>
+          <a:xfrm>
+            <a:off x="3599114" y="1820632"/>
+            <a:ext cx="1" cy="550646"/>
+          </a:xfrm>
+          <a:prstGeom prst="line">
+            <a:avLst/>
+          </a:prstGeom>
+        </p:spPr>
+        <p:style>
+          <a:lnRef idx="2">
+            <a:schemeClr val="accent1"/>
+          </a:lnRef>
+          <a:fillRef idx="0">
+            <a:schemeClr val="accent1"/>
+          </a:fillRef>
+          <a:effectRef idx="1">
+            <a:schemeClr val="accent1"/>
+          </a:effectRef>
+          <a:fontRef idx="minor">
+            <a:schemeClr val="tx1"/>
+          </a:fontRef>
+        </p:style>
+      </p:cxnSp>
+      <p:sp>
+        <p:nvSpPr>
+          <p:cNvPr id="26" name="テキスト 10"/>
+          <p:cNvSpPr txBox="1"/>
+          <p:nvPr/>
+        </p:nvSpPr>
+        <p:spPr>
+          <a:xfrm>
+            <a:off x="2758705" y="1563872"/>
+            <a:ext cx="1680818" cy="256760"/>
+          </a:xfrm>
+          <a:prstGeom prst="rect">
+            <a:avLst/>
+          </a:prstGeom>
+          <a:noFill/>
+          <a:ln>
+            <a:noFill/>
+          </a:ln>
+          <a:effectLst/>
+          <a:extLst>
+            <a:ext uri="{C572A759-6A51-4108-AA02-DFA0A04FC94B}">
+              <ma14:wrappingTextBoxFlag xmlns:ma14="http://schemas.microsoft.com/office/mac/drawingml/2011/main"/>
+            </a:ext>
+          </a:extLst>
+        </p:spPr>
+        <p:style>
+          <a:lnRef idx="0">
+            <a:schemeClr val="accent1"/>
+          </a:lnRef>
+          <a:fillRef idx="0">
+            <a:schemeClr val="accent1"/>
+          </a:fillRef>
+          <a:effectRef idx="0">
+            <a:schemeClr val="accent1"/>
+          </a:effectRef>
+          <a:fontRef idx="minor">
+            <a:schemeClr val="dk1"/>
+          </a:fontRef>
+        </p:style>
+        <p:txBody>
+          <a:bodyPr rot="0" spcFirstLastPara="0" vert="horz" wrap="none" lIns="91440" tIns="45720" rIns="91440" bIns="45720" numCol="1" spcCol="0" rtlCol="0" fromWordArt="0" anchor="t" anchorCtr="0" forceAA="0" compatLnSpc="1">
+            <a:prstTxWarp prst="textNoShape">
+              <a:avLst/>
+            </a:prstTxWarp>
+            <a:noAutofit/>
+          </a:bodyPr>
+          <a:lstStyle/>
+          <a:p>
+            <a:pPr algn="ctr">
+              <a:spcAft>
+                <a:spcPts val="0"/>
+              </a:spcAft>
+            </a:pPr>
+            <a:r>
+              <a:rPr lang="ja-JP" altLang="en-US" sz="1000" kern="100" dirty="0" smtClean="0">
+                <a:effectLst/>
+                <a:ea typeface="ヒラギノ角ゴ ProN W3"/>
+                <a:cs typeface="Times New Roman"/>
+              </a:rPr>
+              <a:t>ナビゲーション・ビュー</a:t>
+            </a:r>
+            <a:endParaRPr lang="ja-JP" sz="1200" kern="100" dirty="0">
+              <a:effectLst/>
+              <a:ea typeface="ＭＳ 明朝"/>
+              <a:cs typeface="Times New Roman"/>
+            </a:endParaRPr>
+          </a:p>
+        </p:txBody>
+      </p:sp>
+      <p:cxnSp>
+        <p:nvCxnSpPr>
+          <p:cNvPr id="20" name="直線コネクタ 19"/>
+          <p:cNvCxnSpPr/>
+          <p:nvPr/>
+        </p:nvCxnSpPr>
+        <p:spPr>
+          <a:xfrm>
+            <a:off x="1531487" y="1692252"/>
+            <a:ext cx="1" cy="550646"/>
+          </a:xfrm>
+          <a:prstGeom prst="line">
+            <a:avLst/>
+          </a:prstGeom>
+        </p:spPr>
+        <p:style>
+          <a:lnRef idx="2">
+            <a:schemeClr val="accent1"/>
+          </a:lnRef>
+          <a:fillRef idx="0">
+            <a:schemeClr val="accent1"/>
+          </a:fillRef>
+          <a:effectRef idx="1">
+            <a:schemeClr val="accent1"/>
+          </a:effectRef>
+          <a:fontRef idx="minor">
+            <a:schemeClr val="tx1"/>
+          </a:fontRef>
+        </p:style>
+      </p:cxnSp>
+      <p:sp>
+        <p:nvSpPr>
+          <p:cNvPr id="21" name="テキスト 10"/>
+          <p:cNvSpPr txBox="1"/>
+          <p:nvPr/>
+        </p:nvSpPr>
+        <p:spPr>
+          <a:xfrm>
+            <a:off x="1130597" y="1435492"/>
+            <a:ext cx="801780" cy="256760"/>
+          </a:xfrm>
+          <a:prstGeom prst="rect">
+            <a:avLst/>
+          </a:prstGeom>
+          <a:noFill/>
+          <a:ln>
+            <a:noFill/>
+          </a:ln>
+          <a:effectLst/>
+          <a:extLst>
+            <a:ext uri="{C572A759-6A51-4108-AA02-DFA0A04FC94B}">
+              <ma14:wrappingTextBoxFlag xmlns:ma14="http://schemas.microsoft.com/office/mac/drawingml/2011/main"/>
+            </a:ext>
+          </a:extLst>
+        </p:spPr>
+        <p:style>
+          <a:lnRef idx="0">
+            <a:schemeClr val="accent1"/>
+          </a:lnRef>
+          <a:fillRef idx="0">
+            <a:schemeClr val="accent1"/>
+          </a:fillRef>
+          <a:effectRef idx="0">
+            <a:schemeClr val="accent1"/>
+          </a:effectRef>
+          <a:fontRef idx="minor">
+            <a:schemeClr val="dk1"/>
+          </a:fontRef>
+        </p:style>
+        <p:txBody>
+          <a:bodyPr rot="0" spcFirstLastPara="0" vert="horz" wrap="none" lIns="91440" tIns="45720" rIns="91440" bIns="45720" numCol="1" spcCol="0" rtlCol="0" fromWordArt="0" anchor="t" anchorCtr="0" forceAA="0" compatLnSpc="1">
+            <a:prstTxWarp prst="textNoShape">
+              <a:avLst/>
+            </a:prstTxWarp>
+            <a:noAutofit/>
+          </a:bodyPr>
+          <a:lstStyle/>
+          <a:p>
+            <a:pPr algn="ctr">
+              <a:spcAft>
+                <a:spcPts val="0"/>
+              </a:spcAft>
+            </a:pPr>
+            <a:r>
+              <a:rPr lang="ja-JP" altLang="en-US" sz="1000" kern="100" dirty="0" smtClean="0">
+                <a:effectLst/>
+                <a:ea typeface="ヒラギノ角ゴ ProN W3"/>
+                <a:cs typeface="Times New Roman"/>
+              </a:rPr>
+              <a:t>ツールバー</a:t>
+            </a:r>
+            <a:endParaRPr lang="ja-JP" sz="1200" kern="100" dirty="0">
+              <a:effectLst/>
+              <a:ea typeface="ＭＳ 明朝"/>
+              <a:cs typeface="Times New Roman"/>
+            </a:endParaRPr>
+          </a:p>
+        </p:txBody>
+      </p:sp>
+      <p:pic>
+        <p:nvPicPr>
+          <p:cNvPr id="25" name="図 24" descr="スクリーンショット（2011-02-19 4.05.24）.png"/>
+          <p:cNvPicPr>
+            <a:picLocks noChangeAspect="1"/>
+          </p:cNvPicPr>
+          <p:nvPr/>
+        </p:nvPicPr>
+        <p:blipFill>
+          <a:blip r:embed="rId2">
+            <a:extLst>
+              <a:ext uri="{28A0092B-C50C-407E-A947-70E740481C1C}">
+                <a14:useLocalDpi xmlns:a14="http://schemas.microsoft.com/office/drawing/2010/main" val="0"/>
+              </a:ext>
+            </a:extLst>
+          </a:blip>
+          <a:stretch>
+            <a:fillRect/>
+          </a:stretch>
+        </p:blipFill>
+        <p:spPr>
+          <a:xfrm>
+            <a:off x="5982095" y="2569158"/>
+            <a:ext cx="2044800" cy="1278000"/>
+          </a:xfrm>
+          <a:prstGeom prst="rect">
+            <a:avLst/>
+          </a:prstGeom>
+        </p:spPr>
+      </p:pic>
+      <p:sp>
+        <p:nvSpPr>
+          <p:cNvPr id="27" name="正方形/長方形 26"/>
+          <p:cNvSpPr/>
+          <p:nvPr/>
+        </p:nvSpPr>
+        <p:spPr>
+          <a:xfrm>
+            <a:off x="5981558" y="2704942"/>
+            <a:ext cx="339090" cy="1091565"/>
+          </a:xfrm>
+          <a:prstGeom prst="rect">
+            <a:avLst/>
+          </a:prstGeom>
+          <a:noFill/>
+          <a:ln w="19050" cmpd="sng">
+            <a:solidFill>
+              <a:srgbClr val="FF0000"/>
+            </a:solidFill>
+          </a:ln>
+        </p:spPr>
+        <p:style>
+          <a:lnRef idx="1">
+            <a:schemeClr val="accent1"/>
+          </a:lnRef>
+          <a:fillRef idx="3">
+            <a:schemeClr val="accent1"/>
+          </a:fillRef>
+          <a:effectRef idx="2">
+            <a:schemeClr val="accent1"/>
+          </a:effectRef>
+          <a:fontRef idx="minor">
+            <a:schemeClr val="lt1"/>
+          </a:fontRef>
+        </p:style>
+        <p:txBody>
+          <a:bodyPr rot="0" spcFirstLastPara="0" vert="horz" wrap="square" lIns="91440" tIns="45720" rIns="91440" bIns="45720" numCol="1" spcCol="0" rtlCol="0" fromWordArt="0" anchor="ctr" anchorCtr="0" forceAA="0" compatLnSpc="1">
+            <a:prstTxWarp prst="textNoShape">
+              <a:avLst/>
+            </a:prstTxWarp>
+            <a:noAutofit/>
+          </a:bodyPr>
+          <a:lstStyle/>
+          <a:p>
+            <a:endParaRPr lang="ja-JP" altLang="en-US" sz="500"/>
+          </a:p>
+        </p:txBody>
+      </p:sp>
+      <p:sp>
+        <p:nvSpPr>
+          <p:cNvPr id="28" name="正方形/長方形 27"/>
+          <p:cNvSpPr/>
+          <p:nvPr/>
+        </p:nvSpPr>
+        <p:spPr>
+          <a:xfrm>
+            <a:off x="6332967" y="3367086"/>
+            <a:ext cx="1678305" cy="121603"/>
+          </a:xfrm>
+          <a:prstGeom prst="rect">
+            <a:avLst/>
+          </a:prstGeom>
+          <a:noFill/>
+          <a:ln w="19050" cmpd="sng">
+            <a:solidFill>
+              <a:srgbClr val="FF0000"/>
+            </a:solidFill>
+          </a:ln>
+        </p:spPr>
+        <p:style>
+          <a:lnRef idx="1">
+            <a:schemeClr val="accent1"/>
+          </a:lnRef>
+          <a:fillRef idx="3">
+            <a:schemeClr val="accent1"/>
+          </a:fillRef>
+          <a:effectRef idx="2">
+            <a:schemeClr val="accent1"/>
+          </a:effectRef>
+          <a:fontRef idx="minor">
+            <a:schemeClr val="lt1"/>
+          </a:fontRef>
+        </p:style>
+        <p:txBody>
+          <a:bodyPr rot="0" spcFirstLastPara="0" vert="horz" wrap="square" lIns="91440" tIns="45720" rIns="91440" bIns="45720" numCol="1" spcCol="0" rtlCol="0" fromWordArt="0" anchor="ctr" anchorCtr="0" forceAA="0" compatLnSpc="1">
+            <a:prstTxWarp prst="textNoShape">
+              <a:avLst/>
+            </a:prstTxWarp>
+            <a:noAutofit/>
+          </a:bodyPr>
+          <a:lstStyle/>
+          <a:p>
+            <a:endParaRPr lang="ja-JP" altLang="en-US" sz="500"/>
+          </a:p>
+        </p:txBody>
+      </p:sp>
+      <p:sp>
+        <p:nvSpPr>
+          <p:cNvPr id="29" name="正方形/長方形 28"/>
+          <p:cNvSpPr/>
+          <p:nvPr/>
+        </p:nvSpPr>
+        <p:spPr>
+          <a:xfrm>
+            <a:off x="6333285" y="2785058"/>
+            <a:ext cx="1678305" cy="548373"/>
+          </a:xfrm>
+          <a:prstGeom prst="rect">
+            <a:avLst/>
+          </a:prstGeom>
+          <a:noFill/>
+          <a:ln w="19050" cmpd="sng">
+            <a:solidFill>
+              <a:srgbClr val="FF0000"/>
+            </a:solidFill>
+          </a:ln>
+        </p:spPr>
+        <p:style>
+          <a:lnRef idx="1">
+            <a:schemeClr val="accent1"/>
+          </a:lnRef>
+          <a:fillRef idx="3">
+            <a:schemeClr val="accent1"/>
+          </a:fillRef>
+          <a:effectRef idx="2">
+            <a:schemeClr val="accent1"/>
+          </a:effectRef>
+          <a:fontRef idx="minor">
+            <a:schemeClr val="lt1"/>
+          </a:fontRef>
+        </p:style>
+        <p:txBody>
+          <a:bodyPr rot="0" spcFirstLastPara="0" vert="horz" wrap="square" lIns="91440" tIns="45720" rIns="91440" bIns="45720" numCol="1" spcCol="0" rtlCol="0" fromWordArt="0" anchor="ctr" anchorCtr="0" forceAA="0" compatLnSpc="1">
+            <a:prstTxWarp prst="textNoShape">
+              <a:avLst/>
+            </a:prstTxWarp>
+            <a:noAutofit/>
+          </a:bodyPr>
+          <a:lstStyle/>
+          <a:p>
+            <a:endParaRPr lang="ja-JP" altLang="en-US" sz="500"/>
+          </a:p>
+        </p:txBody>
+      </p:sp>
+      <p:sp>
+        <p:nvSpPr>
+          <p:cNvPr id="30" name="正方形/長方形 29"/>
+          <p:cNvSpPr/>
+          <p:nvPr/>
+        </p:nvSpPr>
+        <p:spPr>
+          <a:xfrm>
+            <a:off x="6333285" y="3495356"/>
+            <a:ext cx="1678305" cy="299403"/>
+          </a:xfrm>
+          <a:prstGeom prst="rect">
+            <a:avLst/>
+          </a:prstGeom>
+          <a:noFill/>
+          <a:ln w="19050" cmpd="sng">
+            <a:solidFill>
+              <a:srgbClr val="FF0000"/>
+            </a:solidFill>
+          </a:ln>
+        </p:spPr>
+        <p:style>
+          <a:lnRef idx="1">
+            <a:schemeClr val="accent1"/>
+          </a:lnRef>
+          <a:fillRef idx="3">
+            <a:schemeClr val="accent1"/>
+          </a:fillRef>
+          <a:effectRef idx="2">
+            <a:schemeClr val="accent1"/>
+          </a:effectRef>
+          <a:fontRef idx="minor">
+            <a:schemeClr val="lt1"/>
+          </a:fontRef>
+        </p:style>
+        <p:txBody>
+          <a:bodyPr rot="0" spcFirstLastPara="0" vert="horz" wrap="square" lIns="91440" tIns="45720" rIns="91440" bIns="45720" numCol="1" spcCol="0" rtlCol="0" fromWordArt="0" anchor="ctr" anchorCtr="0" forceAA="0" compatLnSpc="1">
+            <a:prstTxWarp prst="textNoShape">
+              <a:avLst/>
+            </a:prstTxWarp>
+            <a:noAutofit/>
+          </a:bodyPr>
+          <a:lstStyle/>
+          <a:p>
+            <a:endParaRPr lang="ja-JP" altLang="en-US" sz="500"/>
+          </a:p>
+        </p:txBody>
+      </p:sp>
+      <p:sp>
+        <p:nvSpPr>
+          <p:cNvPr id="31" name="テキスト 10"/>
+          <p:cNvSpPr txBox="1"/>
+          <p:nvPr/>
+        </p:nvSpPr>
+        <p:spPr>
+          <a:xfrm>
+            <a:off x="8104935" y="2847656"/>
+            <a:ext cx="472758" cy="190500"/>
+          </a:xfrm>
+          <a:prstGeom prst="rect">
+            <a:avLst/>
+          </a:prstGeom>
+          <a:noFill/>
+          <a:ln>
+            <a:noFill/>
+          </a:ln>
+          <a:effectLst/>
+          <a:extLst>
+            <a:ext uri="{C572A759-6A51-4108-AA02-DFA0A04FC94B}">
+              <ma14:wrappingTextBoxFlag xmlns:ma14="http://schemas.microsoft.com/office/mac/drawingml/2011/main"/>
+            </a:ext>
+          </a:extLst>
+        </p:spPr>
+        <p:style>
+          <a:lnRef idx="0">
+            <a:schemeClr val="accent1"/>
+          </a:lnRef>
+          <a:fillRef idx="0">
+            <a:schemeClr val="accent1"/>
+          </a:fillRef>
+          <a:effectRef idx="0">
+            <a:schemeClr val="accent1"/>
+          </a:effectRef>
+          <a:fontRef idx="minor">
+            <a:schemeClr val="dk1"/>
+          </a:fontRef>
+        </p:style>
+        <p:txBody>
+          <a:bodyPr rot="0" spcFirstLastPara="0" vert="horz" wrap="none" lIns="91440" tIns="45720" rIns="91440" bIns="45720" numCol="1" spcCol="0" rtlCol="0" fromWordArt="0" anchor="t" anchorCtr="0" forceAA="0" compatLnSpc="1">
+            <a:prstTxWarp prst="textNoShape">
+              <a:avLst/>
+            </a:prstTxWarp>
+            <a:noAutofit/>
+          </a:bodyPr>
+          <a:lstStyle/>
+          <a:p>
+            <a:pPr algn="just">
+              <a:spcAft>
+                <a:spcPts val="0"/>
+              </a:spcAft>
+            </a:pPr>
+            <a:r>
+              <a:rPr lang="en-US" altLang="ja-JP" sz="500" kern="100" dirty="0" smtClean="0">
+                <a:ea typeface="ヒラギノ角ゴ ProN W3"/>
+                <a:cs typeface="Times New Roman"/>
+              </a:rPr>
+              <a:t>Piano roll</a:t>
+            </a:r>
+            <a:endParaRPr lang="ja-JP" sz="500" kern="100" dirty="0">
+              <a:effectLst/>
+              <a:ea typeface="ＭＳ 明朝"/>
+              <a:cs typeface="Times New Roman"/>
+            </a:endParaRPr>
+          </a:p>
+        </p:txBody>
+      </p:sp>
+      <p:cxnSp>
+        <p:nvCxnSpPr>
+          <p:cNvPr id="32" name="直線コネクタ 31"/>
+          <p:cNvCxnSpPr/>
+          <p:nvPr/>
+        </p:nvCxnSpPr>
+        <p:spPr>
+          <a:xfrm flipH="1">
+            <a:off x="7247685" y="2920046"/>
+            <a:ext cx="880110" cy="159068"/>
+          </a:xfrm>
+          <a:prstGeom prst="line">
+            <a:avLst/>
+          </a:prstGeom>
+        </p:spPr>
+        <p:style>
+          <a:lnRef idx="2">
+            <a:schemeClr val="accent1"/>
+          </a:lnRef>
+          <a:fillRef idx="0">
+            <a:schemeClr val="accent1"/>
+          </a:fillRef>
+          <a:effectRef idx="1">
+            <a:schemeClr val="accent1"/>
+          </a:effectRef>
+          <a:fontRef idx="minor">
+            <a:schemeClr val="tx1"/>
+          </a:fontRef>
+        </p:style>
+      </p:cxnSp>
+      <p:sp>
+        <p:nvSpPr>
+          <p:cNvPr id="33" name="テキスト 12"/>
+          <p:cNvSpPr txBox="1"/>
+          <p:nvPr/>
+        </p:nvSpPr>
+        <p:spPr>
+          <a:xfrm>
+            <a:off x="8104935" y="3333431"/>
+            <a:ext cx="541432" cy="190500"/>
+          </a:xfrm>
+          <a:prstGeom prst="rect">
+            <a:avLst/>
+          </a:prstGeom>
+          <a:noFill/>
+          <a:ln>
+            <a:noFill/>
+          </a:ln>
+          <a:effectLst/>
+          <a:extLst>
+            <a:ext uri="{C572A759-6A51-4108-AA02-DFA0A04FC94B}">
+              <ma14:wrappingTextBoxFlag xmlns:ma14="http://schemas.microsoft.com/office/mac/drawingml/2011/main"/>
+            </a:ext>
+          </a:extLst>
+        </p:spPr>
+        <p:style>
+          <a:lnRef idx="0">
+            <a:schemeClr val="accent1"/>
+          </a:lnRef>
+          <a:fillRef idx="0">
+            <a:schemeClr val="accent1"/>
+          </a:fillRef>
+          <a:effectRef idx="0">
+            <a:schemeClr val="accent1"/>
+          </a:effectRef>
+          <a:fontRef idx="minor">
+            <a:schemeClr val="dk1"/>
+          </a:fontRef>
+        </p:style>
+        <p:txBody>
+          <a:bodyPr rot="0" spcFirstLastPara="0" vert="horz" wrap="none" lIns="91440" tIns="45720" rIns="91440" bIns="45720" numCol="1" spcCol="0" rtlCol="0" fromWordArt="0" anchor="t" anchorCtr="0" forceAA="0" compatLnSpc="1">
+            <a:prstTxWarp prst="textNoShape">
+              <a:avLst/>
+            </a:prstTxWarp>
+            <a:noAutofit/>
+          </a:bodyPr>
+          <a:lstStyle/>
+          <a:p>
+            <a:pPr algn="just">
+              <a:spcAft>
+                <a:spcPts val="0"/>
+              </a:spcAft>
+            </a:pPr>
+            <a:r>
+              <a:rPr lang="en-US" altLang="ja-JP" sz="500" kern="100" dirty="0" smtClean="0">
+                <a:ea typeface="ヒラギノ角ゴ ProN W3"/>
+                <a:cs typeface="Times New Roman"/>
+              </a:rPr>
+              <a:t>Waveform view</a:t>
+            </a:r>
+            <a:endParaRPr lang="ja-JP" sz="500" kern="100" dirty="0">
+              <a:effectLst/>
+              <a:ea typeface="ＭＳ 明朝"/>
+              <a:cs typeface="Times New Roman"/>
+            </a:endParaRPr>
+          </a:p>
+        </p:txBody>
+      </p:sp>
+      <p:cxnSp>
+        <p:nvCxnSpPr>
+          <p:cNvPr id="34" name="直線コネクタ 33"/>
+          <p:cNvCxnSpPr/>
+          <p:nvPr/>
+        </p:nvCxnSpPr>
+        <p:spPr>
+          <a:xfrm flipH="1">
+            <a:off x="7624875" y="3411854"/>
+            <a:ext cx="509588" cy="6985"/>
+          </a:xfrm>
+          <a:prstGeom prst="line">
+            <a:avLst/>
+          </a:prstGeom>
+        </p:spPr>
+        <p:style>
+          <a:lnRef idx="2">
+            <a:schemeClr val="accent1"/>
+          </a:lnRef>
+          <a:fillRef idx="0">
+            <a:schemeClr val="accent1"/>
+          </a:fillRef>
+          <a:effectRef idx="1">
+            <a:schemeClr val="accent1"/>
+          </a:effectRef>
+          <a:fontRef idx="minor">
+            <a:schemeClr val="tx1"/>
+          </a:fontRef>
+        </p:style>
+      </p:cxnSp>
+      <p:sp>
+        <p:nvSpPr>
+          <p:cNvPr id="35" name="テキスト 14"/>
+          <p:cNvSpPr txBox="1"/>
+          <p:nvPr/>
+        </p:nvSpPr>
+        <p:spPr>
+          <a:xfrm>
+            <a:off x="7047660" y="4009389"/>
+            <a:ext cx="742950" cy="152400"/>
+          </a:xfrm>
+          <a:prstGeom prst="rect">
+            <a:avLst/>
+          </a:prstGeom>
+          <a:noFill/>
+          <a:ln>
+            <a:noFill/>
+          </a:ln>
+          <a:effectLst/>
+          <a:extLst>
+            <a:ext uri="{C572A759-6A51-4108-AA02-DFA0A04FC94B}">
+              <ma14:wrappingTextBoxFlag xmlns:ma14="http://schemas.microsoft.com/office/mac/drawingml/2011/main"/>
+            </a:ext>
+          </a:extLst>
+        </p:spPr>
+        <p:style>
+          <a:lnRef idx="0">
+            <a:schemeClr val="accent1"/>
+          </a:lnRef>
+          <a:fillRef idx="0">
+            <a:schemeClr val="accent1"/>
+          </a:fillRef>
+          <a:effectRef idx="0">
+            <a:schemeClr val="accent1"/>
+          </a:effectRef>
+          <a:fontRef idx="minor">
+            <a:schemeClr val="dk1"/>
+          </a:fontRef>
+        </p:style>
+        <p:txBody>
+          <a:bodyPr rot="0" spcFirstLastPara="0" vert="horz" wrap="square" lIns="91440" tIns="45720" rIns="91440" bIns="45720" numCol="1" spcCol="0" rtlCol="0" fromWordArt="0" anchor="t" anchorCtr="0" forceAA="0" compatLnSpc="1">
+            <a:prstTxWarp prst="textNoShape">
+              <a:avLst/>
+            </a:prstTxWarp>
+            <a:noAutofit/>
+          </a:bodyPr>
+          <a:lstStyle/>
+          <a:p>
+            <a:pPr algn="just">
+              <a:spcAft>
+                <a:spcPts val="0"/>
+              </a:spcAft>
+            </a:pPr>
+            <a:r>
+              <a:rPr lang="en-US" altLang="ja-JP" sz="500" kern="100" dirty="0" smtClean="0">
+                <a:effectLst/>
+                <a:ea typeface="ヒラギノ角ゴ ProN W3"/>
+                <a:cs typeface="Times New Roman"/>
+              </a:rPr>
+              <a:t>Control track</a:t>
+            </a:r>
+            <a:endParaRPr lang="ja-JP" sz="500" kern="100" dirty="0">
+              <a:effectLst/>
+              <a:ea typeface="ＭＳ 明朝"/>
+              <a:cs typeface="Times New Roman"/>
+            </a:endParaRPr>
+          </a:p>
+        </p:txBody>
+      </p:sp>
+      <p:cxnSp>
+        <p:nvCxnSpPr>
+          <p:cNvPr id="36" name="直線コネクタ 35"/>
+          <p:cNvCxnSpPr/>
+          <p:nvPr/>
+        </p:nvCxnSpPr>
+        <p:spPr>
+          <a:xfrm flipH="1" flipV="1">
+            <a:off x="7164169" y="3657125"/>
+            <a:ext cx="83516" cy="352264"/>
+          </a:xfrm>
+          <a:prstGeom prst="line">
+            <a:avLst/>
+          </a:prstGeom>
+        </p:spPr>
+        <p:style>
+          <a:lnRef idx="2">
+            <a:schemeClr val="accent1"/>
+          </a:lnRef>
+          <a:fillRef idx="0">
+            <a:schemeClr val="accent1"/>
+          </a:fillRef>
+          <a:effectRef idx="1">
+            <a:schemeClr val="accent1"/>
+          </a:effectRef>
+          <a:fontRef idx="minor">
+            <a:schemeClr val="tx1"/>
+          </a:fontRef>
+        </p:style>
+      </p:cxnSp>
+      <p:cxnSp>
+        <p:nvCxnSpPr>
+          <p:cNvPr id="37" name="直線コネクタ 36"/>
+          <p:cNvCxnSpPr/>
+          <p:nvPr/>
+        </p:nvCxnSpPr>
+        <p:spPr>
+          <a:xfrm flipV="1">
+            <a:off x="6157694" y="3282475"/>
+            <a:ext cx="0" cy="726914"/>
+          </a:xfrm>
+          <a:prstGeom prst="line">
+            <a:avLst/>
+          </a:prstGeom>
+        </p:spPr>
+        <p:style>
+          <a:lnRef idx="2">
+            <a:schemeClr val="accent1"/>
+          </a:lnRef>
+          <a:fillRef idx="0">
+            <a:schemeClr val="accent1"/>
+          </a:fillRef>
+          <a:effectRef idx="1">
+            <a:schemeClr val="accent1"/>
+          </a:effectRef>
+          <a:fontRef idx="minor">
+            <a:schemeClr val="tx1"/>
+          </a:fontRef>
+        </p:style>
+      </p:cxnSp>
+      <p:sp>
+        <p:nvSpPr>
+          <p:cNvPr id="38" name="テキスト 14"/>
+          <p:cNvSpPr txBox="1"/>
+          <p:nvPr/>
+        </p:nvSpPr>
+        <p:spPr>
+          <a:xfrm>
+            <a:off x="5982095" y="4009389"/>
+            <a:ext cx="742950" cy="152400"/>
+          </a:xfrm>
+          <a:prstGeom prst="rect">
+            <a:avLst/>
+          </a:prstGeom>
+          <a:noFill/>
+          <a:ln>
+            <a:noFill/>
+          </a:ln>
+          <a:effectLst/>
+          <a:extLst>
+            <a:ext uri="{C572A759-6A51-4108-AA02-DFA0A04FC94B}">
+              <ma14:wrappingTextBoxFlag xmlns:ma14="http://schemas.microsoft.com/office/mac/drawingml/2011/main"/>
+            </a:ext>
+          </a:extLst>
+        </p:spPr>
+        <p:style>
+          <a:lnRef idx="0">
+            <a:schemeClr val="accent1"/>
+          </a:lnRef>
+          <a:fillRef idx="0">
+            <a:schemeClr val="accent1"/>
+          </a:fillRef>
+          <a:effectRef idx="0">
+            <a:schemeClr val="accent1"/>
+          </a:effectRef>
+          <a:fontRef idx="minor">
+            <a:schemeClr val="dk1"/>
+          </a:fontRef>
+        </p:style>
+        <p:txBody>
+          <a:bodyPr rot="0" spcFirstLastPara="0" vert="horz" wrap="square" lIns="91440" tIns="45720" rIns="91440" bIns="45720" numCol="1" spcCol="0" rtlCol="0" fromWordArt="0" anchor="t" anchorCtr="0" forceAA="0" compatLnSpc="1">
+            <a:prstTxWarp prst="textNoShape">
+              <a:avLst/>
+            </a:prstTxWarp>
+            <a:noAutofit/>
+          </a:bodyPr>
+          <a:lstStyle/>
+          <a:p>
+            <a:pPr algn="just">
+              <a:spcAft>
+                <a:spcPts val="0"/>
+              </a:spcAft>
+            </a:pPr>
+            <a:r>
+              <a:rPr lang="en-US" altLang="ja-JP" sz="500" kern="100" dirty="0" smtClean="0">
+                <a:ea typeface="ヒラギノ角ゴ ProN W3"/>
+                <a:cs typeface="Times New Roman"/>
+              </a:rPr>
+              <a:t>Property Editor</a:t>
+            </a:r>
+            <a:endParaRPr lang="ja-JP" sz="500" kern="100" dirty="0">
+              <a:effectLst/>
+              <a:ea typeface="ＭＳ 明朝"/>
+              <a:cs typeface="Times New Roman"/>
+            </a:endParaRPr>
+          </a:p>
+        </p:txBody>
+      </p:sp>
+      <p:sp>
+        <p:nvSpPr>
+          <p:cNvPr id="39" name="正方形/長方形 38"/>
+          <p:cNvSpPr/>
+          <p:nvPr/>
+        </p:nvSpPr>
+        <p:spPr>
+          <a:xfrm>
+            <a:off x="6333285" y="2704942"/>
+            <a:ext cx="1678305" cy="67416"/>
+          </a:xfrm>
+          <a:prstGeom prst="rect">
+            <a:avLst/>
+          </a:prstGeom>
+          <a:noFill/>
+          <a:ln w="19050" cmpd="sng">
+            <a:solidFill>
+              <a:srgbClr val="FF0000"/>
+            </a:solidFill>
+          </a:ln>
+        </p:spPr>
+        <p:style>
+          <a:lnRef idx="1">
+            <a:schemeClr val="accent1"/>
+          </a:lnRef>
+          <a:fillRef idx="3">
+            <a:schemeClr val="accent1"/>
+          </a:fillRef>
+          <a:effectRef idx="2">
+            <a:schemeClr val="accent1"/>
+          </a:effectRef>
+          <a:fontRef idx="minor">
+            <a:schemeClr val="lt1"/>
+          </a:fontRef>
+        </p:style>
+        <p:txBody>
+          <a:bodyPr rot="0" spcFirstLastPara="0" vert="horz" wrap="square" lIns="91440" tIns="45720" rIns="91440" bIns="45720" numCol="1" spcCol="0" rtlCol="0" fromWordArt="0" anchor="ctr" anchorCtr="0" forceAA="0" compatLnSpc="1">
+            <a:prstTxWarp prst="textNoShape">
+              <a:avLst/>
+            </a:prstTxWarp>
+            <a:noAutofit/>
+          </a:bodyPr>
+          <a:lstStyle/>
+          <a:p>
+            <a:endParaRPr lang="ja-JP" altLang="en-US" sz="500"/>
+          </a:p>
+        </p:txBody>
+      </p:sp>
+      <p:sp>
+        <p:nvSpPr>
+          <p:cNvPr id="40" name="正方形/長方形 39"/>
+          <p:cNvSpPr/>
+          <p:nvPr/>
+        </p:nvSpPr>
+        <p:spPr>
+          <a:xfrm>
+            <a:off x="5981557" y="2639686"/>
+            <a:ext cx="2029715" cy="56616"/>
+          </a:xfrm>
+          <a:prstGeom prst="rect">
+            <a:avLst/>
+          </a:prstGeom>
+          <a:noFill/>
+          <a:ln w="19050" cmpd="sng">
+            <a:solidFill>
+              <a:srgbClr val="FF0000"/>
+            </a:solidFill>
+          </a:ln>
+        </p:spPr>
+        <p:style>
+          <a:lnRef idx="1">
+            <a:schemeClr val="accent1"/>
+          </a:lnRef>
+          <a:fillRef idx="3">
+            <a:schemeClr val="accent1"/>
+          </a:fillRef>
+          <a:effectRef idx="2">
+            <a:schemeClr val="accent1"/>
+          </a:effectRef>
+          <a:fontRef idx="minor">
+            <a:schemeClr val="lt1"/>
+          </a:fontRef>
+        </p:style>
+        <p:txBody>
+          <a:bodyPr rot="0" spcFirstLastPara="0" vert="horz" wrap="square" lIns="91440" tIns="45720" rIns="91440" bIns="45720" numCol="1" spcCol="0" rtlCol="0" fromWordArt="0" anchor="ctr" anchorCtr="0" forceAA="0" compatLnSpc="1">
+            <a:prstTxWarp prst="textNoShape">
+              <a:avLst/>
+            </a:prstTxWarp>
+            <a:noAutofit/>
+          </a:bodyPr>
+          <a:lstStyle/>
+          <a:p>
+            <a:endParaRPr lang="ja-JP" altLang="en-US" sz="500"/>
+          </a:p>
+        </p:txBody>
+      </p:sp>
+      <p:cxnSp>
+        <p:nvCxnSpPr>
+          <p:cNvPr id="41" name="直線コネクタ 40"/>
+          <p:cNvCxnSpPr/>
+          <p:nvPr/>
+        </p:nvCxnSpPr>
+        <p:spPr>
+          <a:xfrm>
+            <a:off x="7537271" y="2459091"/>
+            <a:ext cx="1" cy="275323"/>
+          </a:xfrm>
+          <a:prstGeom prst="line">
+            <a:avLst/>
+          </a:prstGeom>
+        </p:spPr>
+        <p:style>
+          <a:lnRef idx="2">
+            <a:schemeClr val="accent1"/>
+          </a:lnRef>
+          <a:fillRef idx="0">
+            <a:schemeClr val="accent1"/>
+          </a:fillRef>
+          <a:effectRef idx="1">
+            <a:schemeClr val="accent1"/>
+          </a:effectRef>
+          <a:fontRef idx="minor">
+            <a:schemeClr val="tx1"/>
+          </a:fontRef>
+        </p:style>
+      </p:cxnSp>
+      <p:sp>
+        <p:nvSpPr>
+          <p:cNvPr id="42" name="テキスト 10"/>
+          <p:cNvSpPr txBox="1"/>
+          <p:nvPr/>
+        </p:nvSpPr>
+        <p:spPr>
+          <a:xfrm>
+            <a:off x="7117066" y="2330711"/>
+            <a:ext cx="840409" cy="128380"/>
+          </a:xfrm>
+          <a:prstGeom prst="rect">
+            <a:avLst/>
+          </a:prstGeom>
+          <a:noFill/>
+          <a:ln>
+            <a:noFill/>
+          </a:ln>
+          <a:effectLst/>
+          <a:extLst>
+            <a:ext uri="{C572A759-6A51-4108-AA02-DFA0A04FC94B}">
+              <ma14:wrappingTextBoxFlag xmlns:ma14="http://schemas.microsoft.com/office/mac/drawingml/2011/main"/>
+            </a:ext>
+          </a:extLst>
+        </p:spPr>
+        <p:style>
+          <a:lnRef idx="0">
+            <a:schemeClr val="accent1"/>
+          </a:lnRef>
+          <a:fillRef idx="0">
+            <a:schemeClr val="accent1"/>
+          </a:fillRef>
+          <a:effectRef idx="0">
+            <a:schemeClr val="accent1"/>
+          </a:effectRef>
+          <a:fontRef idx="minor">
+            <a:schemeClr val="dk1"/>
+          </a:fontRef>
+        </p:style>
+        <p:txBody>
+          <a:bodyPr rot="0" spcFirstLastPara="0" vert="horz" wrap="none" lIns="91440" tIns="45720" rIns="91440" bIns="45720" numCol="1" spcCol="0" rtlCol="0" fromWordArt="0" anchor="t" anchorCtr="0" forceAA="0" compatLnSpc="1">
+            <a:prstTxWarp prst="textNoShape">
+              <a:avLst/>
+            </a:prstTxWarp>
+            <a:noAutofit/>
+          </a:bodyPr>
+          <a:lstStyle/>
+          <a:p>
+            <a:pPr algn="ctr">
+              <a:spcAft>
+                <a:spcPts val="0"/>
+              </a:spcAft>
+            </a:pPr>
+            <a:r>
+              <a:rPr lang="en-US" altLang="ja-JP" sz="500" kern="100" dirty="0" smtClean="0">
+                <a:ea typeface="ヒラギノ角ゴ ProN W3"/>
+                <a:cs typeface="Times New Roman"/>
+              </a:rPr>
+              <a:t>Navigation view</a:t>
+            </a:r>
+            <a:endParaRPr lang="ja-JP" sz="500" kern="100" dirty="0">
+              <a:effectLst/>
+              <a:ea typeface="ＭＳ 明朝"/>
+              <a:cs typeface="Times New Roman"/>
+            </a:endParaRPr>
+          </a:p>
+        </p:txBody>
+      </p:sp>
+      <p:cxnSp>
+        <p:nvCxnSpPr>
+          <p:cNvPr id="43" name="直線コネクタ 42"/>
+          <p:cNvCxnSpPr/>
+          <p:nvPr/>
+        </p:nvCxnSpPr>
+        <p:spPr>
+          <a:xfrm>
+            <a:off x="6503457" y="2394901"/>
+            <a:ext cx="1" cy="275323"/>
+          </a:xfrm>
+          <a:prstGeom prst="line">
+            <a:avLst/>
+          </a:prstGeom>
+        </p:spPr>
+        <p:style>
+          <a:lnRef idx="2">
+            <a:schemeClr val="accent1"/>
+          </a:lnRef>
+          <a:fillRef idx="0">
+            <a:schemeClr val="accent1"/>
+          </a:fillRef>
+          <a:effectRef idx="1">
+            <a:schemeClr val="accent1"/>
+          </a:effectRef>
+          <a:fontRef idx="minor">
+            <a:schemeClr val="tx1"/>
+          </a:fontRef>
+        </p:style>
+      </p:cxnSp>
+      <p:sp>
+        <p:nvSpPr>
+          <p:cNvPr id="44" name="テキスト 10"/>
+          <p:cNvSpPr txBox="1"/>
+          <p:nvPr/>
+        </p:nvSpPr>
+        <p:spPr>
+          <a:xfrm>
+            <a:off x="6303012" y="2266521"/>
+            <a:ext cx="400890" cy="128380"/>
+          </a:xfrm>
+          <a:prstGeom prst="rect">
+            <a:avLst/>
+          </a:prstGeom>
+          <a:noFill/>
+          <a:ln>
+            <a:noFill/>
+          </a:ln>
+          <a:effectLst/>
+          <a:extLst>
+            <a:ext uri="{C572A759-6A51-4108-AA02-DFA0A04FC94B}">
+              <ma14:wrappingTextBoxFlag xmlns:ma14="http://schemas.microsoft.com/office/mac/drawingml/2011/main"/>
+            </a:ext>
+          </a:extLst>
+        </p:spPr>
+        <p:style>
+          <a:lnRef idx="0">
+            <a:schemeClr val="accent1"/>
+          </a:lnRef>
+          <a:fillRef idx="0">
+            <a:schemeClr val="accent1"/>
+          </a:fillRef>
+          <a:effectRef idx="0">
+            <a:schemeClr val="accent1"/>
+          </a:effectRef>
+          <a:fontRef idx="minor">
+            <a:schemeClr val="dk1"/>
+          </a:fontRef>
+        </p:style>
+        <p:txBody>
+          <a:bodyPr rot="0" spcFirstLastPara="0" vert="horz" wrap="none" lIns="91440" tIns="45720" rIns="91440" bIns="45720" numCol="1" spcCol="0" rtlCol="0" fromWordArt="0" anchor="t" anchorCtr="0" forceAA="0" compatLnSpc="1">
+            <a:prstTxWarp prst="textNoShape">
+              <a:avLst/>
+            </a:prstTxWarp>
+            <a:noAutofit/>
+          </a:bodyPr>
+          <a:lstStyle/>
+          <a:p>
+            <a:pPr algn="ctr">
+              <a:spcAft>
+                <a:spcPts val="0"/>
+              </a:spcAft>
+            </a:pPr>
+            <a:r>
+              <a:rPr lang="en-US" altLang="ja-JP" sz="500" kern="100" dirty="0" smtClean="0">
+                <a:effectLst/>
+                <a:ea typeface="ヒラギノ角ゴ ProN W3"/>
+                <a:cs typeface="Times New Roman"/>
+              </a:rPr>
+              <a:t>Tool bar</a:t>
+            </a:r>
+            <a:endParaRPr lang="ja-JP" sz="500" kern="100" dirty="0">
+              <a:effectLst/>
+              <a:ea typeface="ＭＳ 明朝"/>
+              <a:cs typeface="Times New Roman"/>
+            </a:endParaRPr>
+          </a:p>
+        </p:txBody>
+      </p:sp>
+    </p:spTree>
+    <p:extLst>
+      <p:ext uri="{BB962C8B-B14F-4D97-AF65-F5344CB8AC3E}">
+        <p14:creationId xmlns:p14="http://schemas.microsoft.com/office/powerpoint/2010/main" val="2052385200"/>
+      </p:ext>
+    </p:extLst>
+  </p:cSld>
+  <p:clrMapOvr>
+    <a:masterClrMapping/>
+  </p:clrMapOvr>
+</p:sld>
+</file>
+
+<file path=ppt/slides/slide20.xml><?xml version="1.0" encoding="utf-8"?>
 <p:sld xmlns:a="http://schemas.openxmlformats.org/drawingml/2006/main" xmlns:r="http://schemas.openxmlformats.org/officeDocument/2006/relationships" xmlns:p="http://schemas.openxmlformats.org/presentationml/2006/main">
   <p:cSld>
     <p:spTree>
@@ -14121,2047 +16449,16 @@
           </a:p>
         </p:txBody>
       </p:sp>
-    </p:spTree>
-    <p:extLst>
-      <p:ext uri="{BB962C8B-B14F-4D97-AF65-F5344CB8AC3E}">
-        <p14:creationId xmlns:p14="http://schemas.microsoft.com/office/powerpoint/2010/main" val="3858452704"/>
-      </p:ext>
-    </p:extLst>
-  </p:cSld>
-  <p:clrMapOvr>
-    <a:masterClrMapping/>
-  </p:clrMapOvr>
-</p:sld>
-</file>
-
-<file path=ppt/slides/slide2.xml><?xml version="1.0" encoding="utf-8"?>
-<p:sld xmlns:a="http://schemas.openxmlformats.org/drawingml/2006/main" xmlns:r="http://schemas.openxmlformats.org/officeDocument/2006/relationships" xmlns:p="http://schemas.openxmlformats.org/presentationml/2006/main">
-  <p:cSld>
-    <p:spTree>
-      <p:nvGrpSpPr>
-        <p:cNvPr id="1" name=""/>
-        <p:cNvGrpSpPr/>
-        <p:nvPr/>
-      </p:nvGrpSpPr>
-      <p:grpSpPr>
-        <a:xfrm>
-          <a:off x="0" y="0"/>
-          <a:ext cx="0" cy="0"/>
-          <a:chOff x="0" y="0"/>
-          <a:chExt cx="0" cy="0"/>
-        </a:xfrm>
-      </p:grpSpPr>
-      <p:pic>
-        <p:nvPicPr>
-          <p:cNvPr id="22" name="図 21" descr="スクリーンショット（2011-02-19 4.05.24）.png"/>
-          <p:cNvPicPr>
-            <a:picLocks noChangeAspect="1"/>
-          </p:cNvPicPr>
-          <p:nvPr/>
-        </p:nvPicPr>
-        <p:blipFill>
-          <a:blip r:embed="rId2">
-            <a:extLst>
-              <a:ext uri="{28A0092B-C50C-407E-A947-70E740481C1C}">
-                <a14:useLocalDpi xmlns:a14="http://schemas.microsoft.com/office/drawing/2010/main" val="0"/>
-              </a:ext>
-            </a:extLst>
-          </a:blip>
-          <a:stretch>
-            <a:fillRect/>
-          </a:stretch>
-        </p:blipFill>
-        <p:spPr>
-          <a:xfrm>
-            <a:off x="488763" y="2040765"/>
-            <a:ext cx="4089600" cy="2556000"/>
-          </a:xfrm>
-          <a:prstGeom prst="rect">
-            <a:avLst/>
-          </a:prstGeom>
-        </p:spPr>
-      </p:pic>
-      <p:sp>
-        <p:nvSpPr>
-          <p:cNvPr id="5" name="正方形/長方形 4"/>
+      <p:sp>
+        <p:nvSpPr>
+          <p:cNvPr id="21" name="正方形/長方形 20"/>
           <p:cNvSpPr/>
           <p:nvPr/>
         </p:nvSpPr>
         <p:spPr>
           <a:xfrm>
-            <a:off x="487688" y="2312334"/>
-            <a:ext cx="678180" cy="2183130"/>
-          </a:xfrm>
-          <a:prstGeom prst="rect">
-            <a:avLst/>
-          </a:prstGeom>
-          <a:noFill/>
-          <a:ln w="19050" cmpd="sng">
-            <a:solidFill>
-              <a:srgbClr val="FF0000"/>
-            </a:solidFill>
-          </a:ln>
-        </p:spPr>
-        <p:style>
-          <a:lnRef idx="1">
-            <a:schemeClr val="accent1"/>
-          </a:lnRef>
-          <a:fillRef idx="3">
-            <a:schemeClr val="accent1"/>
-          </a:fillRef>
-          <a:effectRef idx="2">
-            <a:schemeClr val="accent1"/>
-          </a:effectRef>
-          <a:fontRef idx="minor">
-            <a:schemeClr val="lt1"/>
-          </a:fontRef>
-        </p:style>
-        <p:txBody>
-          <a:bodyPr rot="0" spcFirstLastPara="0" vert="horz" wrap="square" lIns="91440" tIns="45720" rIns="91440" bIns="45720" numCol="1" spcCol="0" rtlCol="0" fromWordArt="0" anchor="ctr" anchorCtr="0" forceAA="0" compatLnSpc="1">
-            <a:prstTxWarp prst="textNoShape">
-              <a:avLst/>
-            </a:prstTxWarp>
-            <a:noAutofit/>
-          </a:bodyPr>
-          <a:lstStyle/>
-          <a:p>
-            <a:endParaRPr lang="ja-JP" altLang="en-US"/>
-          </a:p>
-        </p:txBody>
-      </p:sp>
-      <p:sp>
-        <p:nvSpPr>
-          <p:cNvPr id="6" name="正方形/長方形 5"/>
-          <p:cNvSpPr/>
-          <p:nvPr/>
-        </p:nvSpPr>
-        <p:spPr>
-          <a:xfrm>
-            <a:off x="1190507" y="3636622"/>
-            <a:ext cx="3356610" cy="243205"/>
-          </a:xfrm>
-          <a:prstGeom prst="rect">
-            <a:avLst/>
-          </a:prstGeom>
-          <a:noFill/>
-          <a:ln w="19050" cmpd="sng">
-            <a:solidFill>
-              <a:srgbClr val="FF0000"/>
-            </a:solidFill>
-          </a:ln>
-        </p:spPr>
-        <p:style>
-          <a:lnRef idx="1">
-            <a:schemeClr val="accent1"/>
-          </a:lnRef>
-          <a:fillRef idx="3">
-            <a:schemeClr val="accent1"/>
-          </a:fillRef>
-          <a:effectRef idx="2">
-            <a:schemeClr val="accent1"/>
-          </a:effectRef>
-          <a:fontRef idx="minor">
-            <a:schemeClr val="lt1"/>
-          </a:fontRef>
-        </p:style>
-        <p:txBody>
-          <a:bodyPr rot="0" spcFirstLastPara="0" vert="horz" wrap="square" lIns="91440" tIns="45720" rIns="91440" bIns="45720" numCol="1" spcCol="0" rtlCol="0" fromWordArt="0" anchor="ctr" anchorCtr="0" forceAA="0" compatLnSpc="1">
-            <a:prstTxWarp prst="textNoShape">
-              <a:avLst/>
-            </a:prstTxWarp>
-            <a:noAutofit/>
-          </a:bodyPr>
-          <a:lstStyle/>
-          <a:p>
-            <a:endParaRPr lang="ja-JP" altLang="en-US"/>
-          </a:p>
-        </p:txBody>
-      </p:sp>
-      <p:sp>
-        <p:nvSpPr>
-          <p:cNvPr id="7" name="正方形/長方形 6"/>
-          <p:cNvSpPr/>
-          <p:nvPr/>
-        </p:nvSpPr>
-        <p:spPr>
-          <a:xfrm>
-            <a:off x="1191142" y="2472566"/>
-            <a:ext cx="3356610" cy="1096746"/>
-          </a:xfrm>
-          <a:prstGeom prst="rect">
-            <a:avLst/>
-          </a:prstGeom>
-          <a:noFill/>
-          <a:ln w="19050" cmpd="sng">
-            <a:solidFill>
-              <a:srgbClr val="FF0000"/>
-            </a:solidFill>
-          </a:ln>
-        </p:spPr>
-        <p:style>
-          <a:lnRef idx="1">
-            <a:schemeClr val="accent1"/>
-          </a:lnRef>
-          <a:fillRef idx="3">
-            <a:schemeClr val="accent1"/>
-          </a:fillRef>
-          <a:effectRef idx="2">
-            <a:schemeClr val="accent1"/>
-          </a:effectRef>
-          <a:fontRef idx="minor">
-            <a:schemeClr val="lt1"/>
-          </a:fontRef>
-        </p:style>
-        <p:txBody>
-          <a:bodyPr rot="0" spcFirstLastPara="0" vert="horz" wrap="square" lIns="91440" tIns="45720" rIns="91440" bIns="45720" numCol="1" spcCol="0" rtlCol="0" fromWordArt="0" anchor="ctr" anchorCtr="0" forceAA="0" compatLnSpc="1">
-            <a:prstTxWarp prst="textNoShape">
-              <a:avLst/>
-            </a:prstTxWarp>
-            <a:noAutofit/>
-          </a:bodyPr>
-          <a:lstStyle/>
-          <a:p>
-            <a:endParaRPr lang="ja-JP" altLang="en-US"/>
-          </a:p>
-        </p:txBody>
-      </p:sp>
-      <p:sp>
-        <p:nvSpPr>
-          <p:cNvPr id="8" name="正方形/長方形 7"/>
-          <p:cNvSpPr/>
-          <p:nvPr/>
-        </p:nvSpPr>
-        <p:spPr>
-          <a:xfrm>
-            <a:off x="1191142" y="3893162"/>
-            <a:ext cx="3356610" cy="598805"/>
-          </a:xfrm>
-          <a:prstGeom prst="rect">
-            <a:avLst/>
-          </a:prstGeom>
-          <a:noFill/>
-          <a:ln w="19050" cmpd="sng">
-            <a:solidFill>
-              <a:srgbClr val="FF0000"/>
-            </a:solidFill>
-          </a:ln>
-        </p:spPr>
-        <p:style>
-          <a:lnRef idx="1">
-            <a:schemeClr val="accent1"/>
-          </a:lnRef>
-          <a:fillRef idx="3">
-            <a:schemeClr val="accent1"/>
-          </a:fillRef>
-          <a:effectRef idx="2">
-            <a:schemeClr val="accent1"/>
-          </a:effectRef>
-          <a:fontRef idx="minor">
-            <a:schemeClr val="lt1"/>
-          </a:fontRef>
-        </p:style>
-        <p:txBody>
-          <a:bodyPr rot="0" spcFirstLastPara="0" vert="horz" wrap="square" lIns="91440" tIns="45720" rIns="91440" bIns="45720" numCol="1" spcCol="0" rtlCol="0" fromWordArt="0" anchor="ctr" anchorCtr="0" forceAA="0" compatLnSpc="1">
-            <a:prstTxWarp prst="textNoShape">
-              <a:avLst/>
-            </a:prstTxWarp>
-            <a:noAutofit/>
-          </a:bodyPr>
-          <a:lstStyle/>
-          <a:p>
-            <a:endParaRPr lang="ja-JP" altLang="en-US"/>
-          </a:p>
-        </p:txBody>
-      </p:sp>
-      <p:sp>
-        <p:nvSpPr>
-          <p:cNvPr id="9" name="テキスト 10"/>
-          <p:cNvSpPr txBox="1"/>
-          <p:nvPr/>
-        </p:nvSpPr>
-        <p:spPr>
-          <a:xfrm>
-            <a:off x="4734442" y="2597762"/>
-            <a:ext cx="945515" cy="381000"/>
-          </a:xfrm>
-          <a:prstGeom prst="rect">
-            <a:avLst/>
-          </a:prstGeom>
-          <a:noFill/>
-          <a:ln>
-            <a:noFill/>
-          </a:ln>
-          <a:effectLst/>
-          <a:extLst>
-            <a:ext uri="{C572A759-6A51-4108-AA02-DFA0A04FC94B}">
-              <ma14:wrappingTextBoxFlag xmlns:ma14="http://schemas.microsoft.com/office/mac/drawingml/2011/main"/>
-            </a:ext>
-          </a:extLst>
-        </p:spPr>
-        <p:style>
-          <a:lnRef idx="0">
-            <a:schemeClr val="accent1"/>
-          </a:lnRef>
-          <a:fillRef idx="0">
-            <a:schemeClr val="accent1"/>
-          </a:fillRef>
-          <a:effectRef idx="0">
-            <a:schemeClr val="accent1"/>
-          </a:effectRef>
-          <a:fontRef idx="minor">
-            <a:schemeClr val="dk1"/>
-          </a:fontRef>
-        </p:style>
-        <p:txBody>
-          <a:bodyPr rot="0" spcFirstLastPara="0" vert="horz" wrap="none" lIns="91440" tIns="45720" rIns="91440" bIns="45720" numCol="1" spcCol="0" rtlCol="0" fromWordArt="0" anchor="t" anchorCtr="0" forceAA="0" compatLnSpc="1">
-            <a:prstTxWarp prst="textNoShape">
-              <a:avLst/>
-            </a:prstTxWarp>
-            <a:noAutofit/>
-          </a:bodyPr>
-          <a:lstStyle/>
-          <a:p>
-            <a:pPr algn="just">
-              <a:spcAft>
-                <a:spcPts val="0"/>
-              </a:spcAft>
-            </a:pPr>
-            <a:r>
-              <a:rPr lang="ja-JP" sz="1000" kern="100" dirty="0">
-                <a:effectLst/>
-                <a:ea typeface="ヒラギノ角ゴ ProN W3"/>
-                <a:cs typeface="Times New Roman"/>
-              </a:rPr>
-              <a:t>ピアノロール</a:t>
-            </a:r>
-            <a:endParaRPr lang="ja-JP" sz="1200" kern="100" dirty="0">
-              <a:effectLst/>
-              <a:ea typeface="ＭＳ 明朝"/>
-              <a:cs typeface="Times New Roman"/>
-            </a:endParaRPr>
-          </a:p>
-        </p:txBody>
-      </p:sp>
-      <p:cxnSp>
-        <p:nvCxnSpPr>
-          <p:cNvPr id="10" name="直線コネクタ 9"/>
-          <p:cNvCxnSpPr/>
-          <p:nvPr/>
-        </p:nvCxnSpPr>
-        <p:spPr>
-          <a:xfrm flipH="1">
-            <a:off x="3019942" y="2742542"/>
-            <a:ext cx="1760220" cy="318135"/>
-          </a:xfrm>
-          <a:prstGeom prst="line">
-            <a:avLst/>
-          </a:prstGeom>
-        </p:spPr>
-        <p:style>
-          <a:lnRef idx="2">
-            <a:schemeClr val="accent1"/>
-          </a:lnRef>
-          <a:fillRef idx="0">
-            <a:schemeClr val="accent1"/>
-          </a:fillRef>
-          <a:effectRef idx="1">
-            <a:schemeClr val="accent1"/>
-          </a:effectRef>
-          <a:fontRef idx="minor">
-            <a:schemeClr val="tx1"/>
-          </a:fontRef>
-        </p:style>
-      </p:cxnSp>
-      <p:sp>
-        <p:nvSpPr>
-          <p:cNvPr id="11" name="テキスト 12"/>
-          <p:cNvSpPr txBox="1"/>
-          <p:nvPr/>
-        </p:nvSpPr>
-        <p:spPr>
-          <a:xfrm>
-            <a:off x="4734442" y="3569312"/>
-            <a:ext cx="818515" cy="381000"/>
-          </a:xfrm>
-          <a:prstGeom prst="rect">
-            <a:avLst/>
-          </a:prstGeom>
-          <a:noFill/>
-          <a:ln>
-            <a:noFill/>
-          </a:ln>
-          <a:effectLst/>
-          <a:extLst>
-            <a:ext uri="{C572A759-6A51-4108-AA02-DFA0A04FC94B}">
-              <ma14:wrappingTextBoxFlag xmlns:ma14="http://schemas.microsoft.com/office/mac/drawingml/2011/main"/>
-            </a:ext>
-          </a:extLst>
-        </p:spPr>
-        <p:style>
-          <a:lnRef idx="0">
-            <a:schemeClr val="accent1"/>
-          </a:lnRef>
-          <a:fillRef idx="0">
-            <a:schemeClr val="accent1"/>
-          </a:fillRef>
-          <a:effectRef idx="0">
-            <a:schemeClr val="accent1"/>
-          </a:effectRef>
-          <a:fontRef idx="minor">
-            <a:schemeClr val="dk1"/>
-          </a:fontRef>
-        </p:style>
-        <p:txBody>
-          <a:bodyPr rot="0" spcFirstLastPara="0" vert="horz" wrap="none" lIns="91440" tIns="45720" rIns="91440" bIns="45720" numCol="1" spcCol="0" rtlCol="0" fromWordArt="0" anchor="t" anchorCtr="0" forceAA="0" compatLnSpc="1">
-            <a:prstTxWarp prst="textNoShape">
-              <a:avLst/>
-            </a:prstTxWarp>
-            <a:noAutofit/>
-          </a:bodyPr>
-          <a:lstStyle/>
-          <a:p>
-            <a:pPr algn="just">
-              <a:spcAft>
-                <a:spcPts val="0"/>
-              </a:spcAft>
-            </a:pPr>
-            <a:r>
-              <a:rPr lang="ja-JP" sz="1000" kern="100">
-                <a:effectLst/>
-                <a:ea typeface="ヒラギノ角ゴ ProN W3"/>
-                <a:cs typeface="Times New Roman"/>
-              </a:rPr>
-              <a:t>波形ビュー</a:t>
-            </a:r>
-            <a:endParaRPr lang="ja-JP" sz="1200" kern="100">
-              <a:effectLst/>
-              <a:ea typeface="ＭＳ 明朝"/>
-              <a:cs typeface="Times New Roman"/>
-            </a:endParaRPr>
-          </a:p>
-        </p:txBody>
-      </p:sp>
-      <p:cxnSp>
-        <p:nvCxnSpPr>
-          <p:cNvPr id="12" name="直線コネクタ 11"/>
-          <p:cNvCxnSpPr/>
-          <p:nvPr/>
-        </p:nvCxnSpPr>
-        <p:spPr>
-          <a:xfrm flipH="1">
-            <a:off x="3774322" y="3726157"/>
-            <a:ext cx="1019175" cy="13970"/>
-          </a:xfrm>
-          <a:prstGeom prst="line">
-            <a:avLst/>
-          </a:prstGeom>
-        </p:spPr>
-        <p:style>
-          <a:lnRef idx="2">
-            <a:schemeClr val="accent1"/>
-          </a:lnRef>
-          <a:fillRef idx="0">
-            <a:schemeClr val="accent1"/>
-          </a:fillRef>
-          <a:effectRef idx="1">
-            <a:schemeClr val="accent1"/>
-          </a:effectRef>
-          <a:fontRef idx="minor">
-            <a:schemeClr val="tx1"/>
-          </a:fontRef>
-        </p:style>
-      </p:cxnSp>
-      <p:sp>
-        <p:nvSpPr>
-          <p:cNvPr id="13" name="テキスト 14"/>
-          <p:cNvSpPr txBox="1"/>
-          <p:nvPr/>
-        </p:nvSpPr>
-        <p:spPr>
-          <a:xfrm>
-            <a:off x="2619892" y="4921227"/>
-            <a:ext cx="1485900" cy="304800"/>
-          </a:xfrm>
-          <a:prstGeom prst="rect">
-            <a:avLst/>
-          </a:prstGeom>
-          <a:noFill/>
-          <a:ln>
-            <a:noFill/>
-          </a:ln>
-          <a:effectLst/>
-          <a:extLst>
-            <a:ext uri="{C572A759-6A51-4108-AA02-DFA0A04FC94B}">
-              <ma14:wrappingTextBoxFlag xmlns:ma14="http://schemas.microsoft.com/office/mac/drawingml/2011/main"/>
-            </a:ext>
-          </a:extLst>
-        </p:spPr>
-        <p:style>
-          <a:lnRef idx="0">
-            <a:schemeClr val="accent1"/>
-          </a:lnRef>
-          <a:fillRef idx="0">
-            <a:schemeClr val="accent1"/>
-          </a:fillRef>
-          <a:effectRef idx="0">
-            <a:schemeClr val="accent1"/>
-          </a:effectRef>
-          <a:fontRef idx="minor">
-            <a:schemeClr val="dk1"/>
-          </a:fontRef>
-        </p:style>
-        <p:txBody>
-          <a:bodyPr rot="0" spcFirstLastPara="0" vert="horz" wrap="square" lIns="91440" tIns="45720" rIns="91440" bIns="45720" numCol="1" spcCol="0" rtlCol="0" fromWordArt="0" anchor="t" anchorCtr="0" forceAA="0" compatLnSpc="1">
-            <a:prstTxWarp prst="textNoShape">
-              <a:avLst/>
-            </a:prstTxWarp>
-            <a:noAutofit/>
-          </a:bodyPr>
-          <a:lstStyle/>
-          <a:p>
-            <a:pPr algn="just">
-              <a:spcAft>
-                <a:spcPts val="0"/>
-              </a:spcAft>
-            </a:pPr>
-            <a:r>
-              <a:rPr lang="ja-JP" sz="1000" kern="100" dirty="0">
-                <a:effectLst/>
-                <a:ea typeface="ヒラギノ角ゴ ProN W3"/>
-                <a:cs typeface="Times New Roman"/>
-              </a:rPr>
-              <a:t>コントロールトラック</a:t>
-            </a:r>
-            <a:endParaRPr lang="ja-JP" sz="1200" kern="100" dirty="0">
-              <a:effectLst/>
-              <a:ea typeface="ＭＳ 明朝"/>
-              <a:cs typeface="Times New Roman"/>
-            </a:endParaRPr>
-          </a:p>
-        </p:txBody>
-      </p:sp>
-      <p:cxnSp>
-        <p:nvCxnSpPr>
-          <p:cNvPr id="14" name="直線コネクタ 13"/>
-          <p:cNvCxnSpPr/>
-          <p:nvPr/>
-        </p:nvCxnSpPr>
-        <p:spPr>
-          <a:xfrm flipH="1" flipV="1">
-            <a:off x="2852910" y="4216699"/>
-            <a:ext cx="167032" cy="704528"/>
-          </a:xfrm>
-          <a:prstGeom prst="line">
-            <a:avLst/>
-          </a:prstGeom>
-        </p:spPr>
-        <p:style>
-          <a:lnRef idx="2">
-            <a:schemeClr val="accent1"/>
-          </a:lnRef>
-          <a:fillRef idx="0">
-            <a:schemeClr val="accent1"/>
-          </a:fillRef>
-          <a:effectRef idx="1">
-            <a:schemeClr val="accent1"/>
-          </a:effectRef>
-          <a:fontRef idx="minor">
-            <a:schemeClr val="tx1"/>
-          </a:fontRef>
-        </p:style>
-      </p:cxnSp>
-      <p:cxnSp>
-        <p:nvCxnSpPr>
-          <p:cNvPr id="17" name="直線コネクタ 16"/>
-          <p:cNvCxnSpPr/>
-          <p:nvPr/>
-        </p:nvCxnSpPr>
-        <p:spPr>
-          <a:xfrm flipV="1">
-            <a:off x="839960" y="3467399"/>
-            <a:ext cx="0" cy="1453828"/>
-          </a:xfrm>
-          <a:prstGeom prst="line">
-            <a:avLst/>
-          </a:prstGeom>
-        </p:spPr>
-        <p:style>
-          <a:lnRef idx="2">
-            <a:schemeClr val="accent1"/>
-          </a:lnRef>
-          <a:fillRef idx="0">
-            <a:schemeClr val="accent1"/>
-          </a:fillRef>
-          <a:effectRef idx="1">
-            <a:schemeClr val="accent1"/>
-          </a:effectRef>
-          <a:fontRef idx="minor">
-            <a:schemeClr val="tx1"/>
-          </a:fontRef>
-        </p:style>
-      </p:cxnSp>
-      <p:sp>
-        <p:nvSpPr>
-          <p:cNvPr id="19" name="テキスト 14"/>
-          <p:cNvSpPr txBox="1"/>
-          <p:nvPr/>
-        </p:nvSpPr>
-        <p:spPr>
-          <a:xfrm>
-            <a:off x="488763" y="4921227"/>
-            <a:ext cx="1485900" cy="304800"/>
-          </a:xfrm>
-          <a:prstGeom prst="rect">
-            <a:avLst/>
-          </a:prstGeom>
-          <a:noFill/>
-          <a:ln>
-            <a:noFill/>
-          </a:ln>
-          <a:effectLst/>
-          <a:extLst>
-            <a:ext uri="{C572A759-6A51-4108-AA02-DFA0A04FC94B}">
-              <ma14:wrappingTextBoxFlag xmlns:ma14="http://schemas.microsoft.com/office/mac/drawingml/2011/main"/>
-            </a:ext>
-          </a:extLst>
-        </p:spPr>
-        <p:style>
-          <a:lnRef idx="0">
-            <a:schemeClr val="accent1"/>
-          </a:lnRef>
-          <a:fillRef idx="0">
-            <a:schemeClr val="accent1"/>
-          </a:fillRef>
-          <a:effectRef idx="0">
-            <a:schemeClr val="accent1"/>
-          </a:effectRef>
-          <a:fontRef idx="minor">
-            <a:schemeClr val="dk1"/>
-          </a:fontRef>
-        </p:style>
-        <p:txBody>
-          <a:bodyPr rot="0" spcFirstLastPara="0" vert="horz" wrap="square" lIns="91440" tIns="45720" rIns="91440" bIns="45720" numCol="1" spcCol="0" rtlCol="0" fromWordArt="0" anchor="t" anchorCtr="0" forceAA="0" compatLnSpc="1">
-            <a:prstTxWarp prst="textNoShape">
-              <a:avLst/>
-            </a:prstTxWarp>
-            <a:noAutofit/>
-          </a:bodyPr>
-          <a:lstStyle/>
-          <a:p>
-            <a:pPr algn="just">
-              <a:spcAft>
-                <a:spcPts val="0"/>
-              </a:spcAft>
-            </a:pPr>
-            <a:r>
-              <a:rPr lang="ja-JP" altLang="en-US" sz="1000" kern="100" dirty="0" smtClean="0">
-                <a:effectLst/>
-                <a:ea typeface="ヒラギノ角ゴ ProN W3"/>
-                <a:cs typeface="Times New Roman"/>
-              </a:rPr>
-              <a:t>プロパティエディタ</a:t>
-            </a:r>
-            <a:endParaRPr lang="ja-JP" sz="1200" kern="100" dirty="0">
-              <a:effectLst/>
-              <a:ea typeface="ＭＳ 明朝"/>
-              <a:cs typeface="Times New Roman"/>
-            </a:endParaRPr>
-          </a:p>
-        </p:txBody>
-      </p:sp>
-      <p:sp>
-        <p:nvSpPr>
-          <p:cNvPr id="23" name="正方形/長方形 22"/>
-          <p:cNvSpPr/>
-          <p:nvPr/>
-        </p:nvSpPr>
-        <p:spPr>
-          <a:xfrm>
-            <a:off x="1191142" y="2312334"/>
-            <a:ext cx="3356610" cy="134832"/>
-          </a:xfrm>
-          <a:prstGeom prst="rect">
-            <a:avLst/>
-          </a:prstGeom>
-          <a:noFill/>
-          <a:ln w="19050" cmpd="sng">
-            <a:solidFill>
-              <a:srgbClr val="FF0000"/>
-            </a:solidFill>
-          </a:ln>
-        </p:spPr>
-        <p:style>
-          <a:lnRef idx="1">
-            <a:schemeClr val="accent1"/>
-          </a:lnRef>
-          <a:fillRef idx="3">
-            <a:schemeClr val="accent1"/>
-          </a:fillRef>
-          <a:effectRef idx="2">
-            <a:schemeClr val="accent1"/>
-          </a:effectRef>
-          <a:fontRef idx="minor">
-            <a:schemeClr val="lt1"/>
-          </a:fontRef>
-        </p:style>
-        <p:txBody>
-          <a:bodyPr rot="0" spcFirstLastPara="0" vert="horz" wrap="square" lIns="91440" tIns="45720" rIns="91440" bIns="45720" numCol="1" spcCol="0" rtlCol="0" fromWordArt="0" anchor="ctr" anchorCtr="0" forceAA="0" compatLnSpc="1">
-            <a:prstTxWarp prst="textNoShape">
-              <a:avLst/>
-            </a:prstTxWarp>
-            <a:noAutofit/>
-          </a:bodyPr>
-          <a:lstStyle/>
-          <a:p>
-            <a:endParaRPr lang="ja-JP" altLang="en-US"/>
-          </a:p>
-        </p:txBody>
-      </p:sp>
-      <p:sp>
-        <p:nvSpPr>
-          <p:cNvPr id="18" name="正方形/長方形 17"/>
-          <p:cNvSpPr/>
-          <p:nvPr/>
-        </p:nvSpPr>
-        <p:spPr>
-          <a:xfrm>
-            <a:off x="487687" y="2181822"/>
-            <a:ext cx="4059429" cy="113232"/>
-          </a:xfrm>
-          <a:prstGeom prst="rect">
-            <a:avLst/>
-          </a:prstGeom>
-          <a:noFill/>
-          <a:ln w="19050" cmpd="sng">
-            <a:solidFill>
-              <a:srgbClr val="FF0000"/>
-            </a:solidFill>
-          </a:ln>
-        </p:spPr>
-        <p:style>
-          <a:lnRef idx="1">
-            <a:schemeClr val="accent1"/>
-          </a:lnRef>
-          <a:fillRef idx="3">
-            <a:schemeClr val="accent1"/>
-          </a:fillRef>
-          <a:effectRef idx="2">
-            <a:schemeClr val="accent1"/>
-          </a:effectRef>
-          <a:fontRef idx="minor">
-            <a:schemeClr val="lt1"/>
-          </a:fontRef>
-        </p:style>
-        <p:txBody>
-          <a:bodyPr rot="0" spcFirstLastPara="0" vert="horz" wrap="square" lIns="91440" tIns="45720" rIns="91440" bIns="45720" numCol="1" spcCol="0" rtlCol="0" fromWordArt="0" anchor="ctr" anchorCtr="0" forceAA="0" compatLnSpc="1">
-            <a:prstTxWarp prst="textNoShape">
-              <a:avLst/>
-            </a:prstTxWarp>
-            <a:noAutofit/>
-          </a:bodyPr>
-          <a:lstStyle/>
-          <a:p>
-            <a:endParaRPr lang="ja-JP" altLang="en-US"/>
-          </a:p>
-        </p:txBody>
-      </p:sp>
-      <p:cxnSp>
-        <p:nvCxnSpPr>
-          <p:cNvPr id="24" name="直線コネクタ 23"/>
-          <p:cNvCxnSpPr/>
-          <p:nvPr/>
-        </p:nvCxnSpPr>
-        <p:spPr>
-          <a:xfrm>
-            <a:off x="3599114" y="1820632"/>
-            <a:ext cx="1" cy="550646"/>
-          </a:xfrm>
-          <a:prstGeom prst="line">
-            <a:avLst/>
-          </a:prstGeom>
-        </p:spPr>
-        <p:style>
-          <a:lnRef idx="2">
-            <a:schemeClr val="accent1"/>
-          </a:lnRef>
-          <a:fillRef idx="0">
-            <a:schemeClr val="accent1"/>
-          </a:fillRef>
-          <a:effectRef idx="1">
-            <a:schemeClr val="accent1"/>
-          </a:effectRef>
-          <a:fontRef idx="minor">
-            <a:schemeClr val="tx1"/>
-          </a:fontRef>
-        </p:style>
-      </p:cxnSp>
-      <p:sp>
-        <p:nvSpPr>
-          <p:cNvPr id="26" name="テキスト 10"/>
-          <p:cNvSpPr txBox="1"/>
-          <p:nvPr/>
-        </p:nvSpPr>
-        <p:spPr>
-          <a:xfrm>
-            <a:off x="2758705" y="1563872"/>
-            <a:ext cx="1680818" cy="256760"/>
-          </a:xfrm>
-          <a:prstGeom prst="rect">
-            <a:avLst/>
-          </a:prstGeom>
-          <a:noFill/>
-          <a:ln>
-            <a:noFill/>
-          </a:ln>
-          <a:effectLst/>
-          <a:extLst>
-            <a:ext uri="{C572A759-6A51-4108-AA02-DFA0A04FC94B}">
-              <ma14:wrappingTextBoxFlag xmlns:ma14="http://schemas.microsoft.com/office/mac/drawingml/2011/main"/>
-            </a:ext>
-          </a:extLst>
-        </p:spPr>
-        <p:style>
-          <a:lnRef idx="0">
-            <a:schemeClr val="accent1"/>
-          </a:lnRef>
-          <a:fillRef idx="0">
-            <a:schemeClr val="accent1"/>
-          </a:fillRef>
-          <a:effectRef idx="0">
-            <a:schemeClr val="accent1"/>
-          </a:effectRef>
-          <a:fontRef idx="minor">
-            <a:schemeClr val="dk1"/>
-          </a:fontRef>
-        </p:style>
-        <p:txBody>
-          <a:bodyPr rot="0" spcFirstLastPara="0" vert="horz" wrap="none" lIns="91440" tIns="45720" rIns="91440" bIns="45720" numCol="1" spcCol="0" rtlCol="0" fromWordArt="0" anchor="t" anchorCtr="0" forceAA="0" compatLnSpc="1">
-            <a:prstTxWarp prst="textNoShape">
-              <a:avLst/>
-            </a:prstTxWarp>
-            <a:noAutofit/>
-          </a:bodyPr>
-          <a:lstStyle/>
-          <a:p>
-            <a:pPr algn="ctr">
-              <a:spcAft>
-                <a:spcPts val="0"/>
-              </a:spcAft>
-            </a:pPr>
-            <a:r>
-              <a:rPr lang="ja-JP" altLang="en-US" sz="1000" kern="100" dirty="0" smtClean="0">
-                <a:effectLst/>
-                <a:ea typeface="ヒラギノ角ゴ ProN W3"/>
-                <a:cs typeface="Times New Roman"/>
-              </a:rPr>
-              <a:t>ナビゲーション・ビュー</a:t>
-            </a:r>
-            <a:endParaRPr lang="ja-JP" sz="1200" kern="100" dirty="0">
-              <a:effectLst/>
-              <a:ea typeface="ＭＳ 明朝"/>
-              <a:cs typeface="Times New Roman"/>
-            </a:endParaRPr>
-          </a:p>
-        </p:txBody>
-      </p:sp>
-      <p:cxnSp>
-        <p:nvCxnSpPr>
-          <p:cNvPr id="20" name="直線コネクタ 19"/>
-          <p:cNvCxnSpPr/>
-          <p:nvPr/>
-        </p:nvCxnSpPr>
-        <p:spPr>
-          <a:xfrm>
-            <a:off x="1531487" y="1692252"/>
-            <a:ext cx="1" cy="550646"/>
-          </a:xfrm>
-          <a:prstGeom prst="line">
-            <a:avLst/>
-          </a:prstGeom>
-        </p:spPr>
-        <p:style>
-          <a:lnRef idx="2">
-            <a:schemeClr val="accent1"/>
-          </a:lnRef>
-          <a:fillRef idx="0">
-            <a:schemeClr val="accent1"/>
-          </a:fillRef>
-          <a:effectRef idx="1">
-            <a:schemeClr val="accent1"/>
-          </a:effectRef>
-          <a:fontRef idx="minor">
-            <a:schemeClr val="tx1"/>
-          </a:fontRef>
-        </p:style>
-      </p:cxnSp>
-      <p:sp>
-        <p:nvSpPr>
-          <p:cNvPr id="21" name="テキスト 10"/>
-          <p:cNvSpPr txBox="1"/>
-          <p:nvPr/>
-        </p:nvSpPr>
-        <p:spPr>
-          <a:xfrm>
-            <a:off x="1130597" y="1435492"/>
-            <a:ext cx="801780" cy="256760"/>
-          </a:xfrm>
-          <a:prstGeom prst="rect">
-            <a:avLst/>
-          </a:prstGeom>
-          <a:noFill/>
-          <a:ln>
-            <a:noFill/>
-          </a:ln>
-          <a:effectLst/>
-          <a:extLst>
-            <a:ext uri="{C572A759-6A51-4108-AA02-DFA0A04FC94B}">
-              <ma14:wrappingTextBoxFlag xmlns:ma14="http://schemas.microsoft.com/office/mac/drawingml/2011/main"/>
-            </a:ext>
-          </a:extLst>
-        </p:spPr>
-        <p:style>
-          <a:lnRef idx="0">
-            <a:schemeClr val="accent1"/>
-          </a:lnRef>
-          <a:fillRef idx="0">
-            <a:schemeClr val="accent1"/>
-          </a:fillRef>
-          <a:effectRef idx="0">
-            <a:schemeClr val="accent1"/>
-          </a:effectRef>
-          <a:fontRef idx="minor">
-            <a:schemeClr val="dk1"/>
-          </a:fontRef>
-        </p:style>
-        <p:txBody>
-          <a:bodyPr rot="0" spcFirstLastPara="0" vert="horz" wrap="none" lIns="91440" tIns="45720" rIns="91440" bIns="45720" numCol="1" spcCol="0" rtlCol="0" fromWordArt="0" anchor="t" anchorCtr="0" forceAA="0" compatLnSpc="1">
-            <a:prstTxWarp prst="textNoShape">
-              <a:avLst/>
-            </a:prstTxWarp>
-            <a:noAutofit/>
-          </a:bodyPr>
-          <a:lstStyle/>
-          <a:p>
-            <a:pPr algn="ctr">
-              <a:spcAft>
-                <a:spcPts val="0"/>
-              </a:spcAft>
-            </a:pPr>
-            <a:r>
-              <a:rPr lang="ja-JP" altLang="en-US" sz="1000" kern="100" dirty="0" smtClean="0">
-                <a:effectLst/>
-                <a:ea typeface="ヒラギノ角ゴ ProN W3"/>
-                <a:cs typeface="Times New Roman"/>
-              </a:rPr>
-              <a:t>ツールバー</a:t>
-            </a:r>
-            <a:endParaRPr lang="ja-JP" sz="1200" kern="100" dirty="0">
-              <a:effectLst/>
-              <a:ea typeface="ＭＳ 明朝"/>
-              <a:cs typeface="Times New Roman"/>
-            </a:endParaRPr>
-          </a:p>
-        </p:txBody>
-      </p:sp>
-      <p:pic>
-        <p:nvPicPr>
-          <p:cNvPr id="25" name="図 24" descr="スクリーンショット（2011-02-19 4.05.24）.png"/>
-          <p:cNvPicPr>
-            <a:picLocks noChangeAspect="1"/>
-          </p:cNvPicPr>
-          <p:nvPr/>
-        </p:nvPicPr>
-        <p:blipFill>
-          <a:blip r:embed="rId2">
-            <a:extLst>
-              <a:ext uri="{28A0092B-C50C-407E-A947-70E740481C1C}">
-                <a14:useLocalDpi xmlns:a14="http://schemas.microsoft.com/office/drawing/2010/main" val="0"/>
-              </a:ext>
-            </a:extLst>
-          </a:blip>
-          <a:stretch>
-            <a:fillRect/>
-          </a:stretch>
-        </p:blipFill>
-        <p:spPr>
-          <a:xfrm>
-            <a:off x="5982095" y="2569158"/>
-            <a:ext cx="2044800" cy="1278000"/>
-          </a:xfrm>
-          <a:prstGeom prst="rect">
-            <a:avLst/>
-          </a:prstGeom>
-        </p:spPr>
-      </p:pic>
-      <p:sp>
-        <p:nvSpPr>
-          <p:cNvPr id="27" name="正方形/長方形 26"/>
-          <p:cNvSpPr/>
-          <p:nvPr/>
-        </p:nvSpPr>
-        <p:spPr>
-          <a:xfrm>
-            <a:off x="5981558" y="2704942"/>
-            <a:ext cx="339090" cy="1091565"/>
-          </a:xfrm>
-          <a:prstGeom prst="rect">
-            <a:avLst/>
-          </a:prstGeom>
-          <a:noFill/>
-          <a:ln w="19050" cmpd="sng">
-            <a:solidFill>
-              <a:srgbClr val="FF0000"/>
-            </a:solidFill>
-          </a:ln>
-        </p:spPr>
-        <p:style>
-          <a:lnRef idx="1">
-            <a:schemeClr val="accent1"/>
-          </a:lnRef>
-          <a:fillRef idx="3">
-            <a:schemeClr val="accent1"/>
-          </a:fillRef>
-          <a:effectRef idx="2">
-            <a:schemeClr val="accent1"/>
-          </a:effectRef>
-          <a:fontRef idx="minor">
-            <a:schemeClr val="lt1"/>
-          </a:fontRef>
-        </p:style>
-        <p:txBody>
-          <a:bodyPr rot="0" spcFirstLastPara="0" vert="horz" wrap="square" lIns="91440" tIns="45720" rIns="91440" bIns="45720" numCol="1" spcCol="0" rtlCol="0" fromWordArt="0" anchor="ctr" anchorCtr="0" forceAA="0" compatLnSpc="1">
-            <a:prstTxWarp prst="textNoShape">
-              <a:avLst/>
-            </a:prstTxWarp>
-            <a:noAutofit/>
-          </a:bodyPr>
-          <a:lstStyle/>
-          <a:p>
-            <a:endParaRPr lang="ja-JP" altLang="en-US" sz="500"/>
-          </a:p>
-        </p:txBody>
-      </p:sp>
-      <p:sp>
-        <p:nvSpPr>
-          <p:cNvPr id="28" name="正方形/長方形 27"/>
-          <p:cNvSpPr/>
-          <p:nvPr/>
-        </p:nvSpPr>
-        <p:spPr>
-          <a:xfrm>
-            <a:off x="6332967" y="3367086"/>
-            <a:ext cx="1678305" cy="121603"/>
-          </a:xfrm>
-          <a:prstGeom prst="rect">
-            <a:avLst/>
-          </a:prstGeom>
-          <a:noFill/>
-          <a:ln w="19050" cmpd="sng">
-            <a:solidFill>
-              <a:srgbClr val="FF0000"/>
-            </a:solidFill>
-          </a:ln>
-        </p:spPr>
-        <p:style>
-          <a:lnRef idx="1">
-            <a:schemeClr val="accent1"/>
-          </a:lnRef>
-          <a:fillRef idx="3">
-            <a:schemeClr val="accent1"/>
-          </a:fillRef>
-          <a:effectRef idx="2">
-            <a:schemeClr val="accent1"/>
-          </a:effectRef>
-          <a:fontRef idx="minor">
-            <a:schemeClr val="lt1"/>
-          </a:fontRef>
-        </p:style>
-        <p:txBody>
-          <a:bodyPr rot="0" spcFirstLastPara="0" vert="horz" wrap="square" lIns="91440" tIns="45720" rIns="91440" bIns="45720" numCol="1" spcCol="0" rtlCol="0" fromWordArt="0" anchor="ctr" anchorCtr="0" forceAA="0" compatLnSpc="1">
-            <a:prstTxWarp prst="textNoShape">
-              <a:avLst/>
-            </a:prstTxWarp>
-            <a:noAutofit/>
-          </a:bodyPr>
-          <a:lstStyle/>
-          <a:p>
-            <a:endParaRPr lang="ja-JP" altLang="en-US" sz="500"/>
-          </a:p>
-        </p:txBody>
-      </p:sp>
-      <p:sp>
-        <p:nvSpPr>
-          <p:cNvPr id="29" name="正方形/長方形 28"/>
-          <p:cNvSpPr/>
-          <p:nvPr/>
-        </p:nvSpPr>
-        <p:spPr>
-          <a:xfrm>
-            <a:off x="6333285" y="2785058"/>
-            <a:ext cx="1678305" cy="548373"/>
-          </a:xfrm>
-          <a:prstGeom prst="rect">
-            <a:avLst/>
-          </a:prstGeom>
-          <a:noFill/>
-          <a:ln w="19050" cmpd="sng">
-            <a:solidFill>
-              <a:srgbClr val="FF0000"/>
-            </a:solidFill>
-          </a:ln>
-        </p:spPr>
-        <p:style>
-          <a:lnRef idx="1">
-            <a:schemeClr val="accent1"/>
-          </a:lnRef>
-          <a:fillRef idx="3">
-            <a:schemeClr val="accent1"/>
-          </a:fillRef>
-          <a:effectRef idx="2">
-            <a:schemeClr val="accent1"/>
-          </a:effectRef>
-          <a:fontRef idx="minor">
-            <a:schemeClr val="lt1"/>
-          </a:fontRef>
-        </p:style>
-        <p:txBody>
-          <a:bodyPr rot="0" spcFirstLastPara="0" vert="horz" wrap="square" lIns="91440" tIns="45720" rIns="91440" bIns="45720" numCol="1" spcCol="0" rtlCol="0" fromWordArt="0" anchor="ctr" anchorCtr="0" forceAA="0" compatLnSpc="1">
-            <a:prstTxWarp prst="textNoShape">
-              <a:avLst/>
-            </a:prstTxWarp>
-            <a:noAutofit/>
-          </a:bodyPr>
-          <a:lstStyle/>
-          <a:p>
-            <a:endParaRPr lang="ja-JP" altLang="en-US" sz="500"/>
-          </a:p>
-        </p:txBody>
-      </p:sp>
-      <p:sp>
-        <p:nvSpPr>
-          <p:cNvPr id="30" name="正方形/長方形 29"/>
-          <p:cNvSpPr/>
-          <p:nvPr/>
-        </p:nvSpPr>
-        <p:spPr>
-          <a:xfrm>
-            <a:off x="6333285" y="3495356"/>
-            <a:ext cx="1678305" cy="299403"/>
-          </a:xfrm>
-          <a:prstGeom prst="rect">
-            <a:avLst/>
-          </a:prstGeom>
-          <a:noFill/>
-          <a:ln w="19050" cmpd="sng">
-            <a:solidFill>
-              <a:srgbClr val="FF0000"/>
-            </a:solidFill>
-          </a:ln>
-        </p:spPr>
-        <p:style>
-          <a:lnRef idx="1">
-            <a:schemeClr val="accent1"/>
-          </a:lnRef>
-          <a:fillRef idx="3">
-            <a:schemeClr val="accent1"/>
-          </a:fillRef>
-          <a:effectRef idx="2">
-            <a:schemeClr val="accent1"/>
-          </a:effectRef>
-          <a:fontRef idx="minor">
-            <a:schemeClr val="lt1"/>
-          </a:fontRef>
-        </p:style>
-        <p:txBody>
-          <a:bodyPr rot="0" spcFirstLastPara="0" vert="horz" wrap="square" lIns="91440" tIns="45720" rIns="91440" bIns="45720" numCol="1" spcCol="0" rtlCol="0" fromWordArt="0" anchor="ctr" anchorCtr="0" forceAA="0" compatLnSpc="1">
-            <a:prstTxWarp prst="textNoShape">
-              <a:avLst/>
-            </a:prstTxWarp>
-            <a:noAutofit/>
-          </a:bodyPr>
-          <a:lstStyle/>
-          <a:p>
-            <a:endParaRPr lang="ja-JP" altLang="en-US" sz="500"/>
-          </a:p>
-        </p:txBody>
-      </p:sp>
-      <p:sp>
-        <p:nvSpPr>
-          <p:cNvPr id="31" name="テキスト 10"/>
-          <p:cNvSpPr txBox="1"/>
-          <p:nvPr/>
-        </p:nvSpPr>
-        <p:spPr>
-          <a:xfrm>
-            <a:off x="8104935" y="2847656"/>
-            <a:ext cx="472758" cy="190500"/>
-          </a:xfrm>
-          <a:prstGeom prst="rect">
-            <a:avLst/>
-          </a:prstGeom>
-          <a:noFill/>
-          <a:ln>
-            <a:noFill/>
-          </a:ln>
-          <a:effectLst/>
-          <a:extLst>
-            <a:ext uri="{C572A759-6A51-4108-AA02-DFA0A04FC94B}">
-              <ma14:wrappingTextBoxFlag xmlns:ma14="http://schemas.microsoft.com/office/mac/drawingml/2011/main"/>
-            </a:ext>
-          </a:extLst>
-        </p:spPr>
-        <p:style>
-          <a:lnRef idx="0">
-            <a:schemeClr val="accent1"/>
-          </a:lnRef>
-          <a:fillRef idx="0">
-            <a:schemeClr val="accent1"/>
-          </a:fillRef>
-          <a:effectRef idx="0">
-            <a:schemeClr val="accent1"/>
-          </a:effectRef>
-          <a:fontRef idx="minor">
-            <a:schemeClr val="dk1"/>
-          </a:fontRef>
-        </p:style>
-        <p:txBody>
-          <a:bodyPr rot="0" spcFirstLastPara="0" vert="horz" wrap="none" lIns="91440" tIns="45720" rIns="91440" bIns="45720" numCol="1" spcCol="0" rtlCol="0" fromWordArt="0" anchor="t" anchorCtr="0" forceAA="0" compatLnSpc="1">
-            <a:prstTxWarp prst="textNoShape">
-              <a:avLst/>
-            </a:prstTxWarp>
-            <a:noAutofit/>
-          </a:bodyPr>
-          <a:lstStyle/>
-          <a:p>
-            <a:pPr algn="just">
-              <a:spcAft>
-                <a:spcPts val="0"/>
-              </a:spcAft>
-            </a:pPr>
-            <a:r>
-              <a:rPr lang="en-US" altLang="ja-JP" sz="500" kern="100" dirty="0" smtClean="0">
-                <a:ea typeface="ヒラギノ角ゴ ProN W3"/>
-                <a:cs typeface="Times New Roman"/>
-              </a:rPr>
-              <a:t>Piano roll</a:t>
-            </a:r>
-            <a:endParaRPr lang="ja-JP" sz="500" kern="100" dirty="0">
-              <a:effectLst/>
-              <a:ea typeface="ＭＳ 明朝"/>
-              <a:cs typeface="Times New Roman"/>
-            </a:endParaRPr>
-          </a:p>
-        </p:txBody>
-      </p:sp>
-      <p:cxnSp>
-        <p:nvCxnSpPr>
-          <p:cNvPr id="32" name="直線コネクタ 31"/>
-          <p:cNvCxnSpPr/>
-          <p:nvPr/>
-        </p:nvCxnSpPr>
-        <p:spPr>
-          <a:xfrm flipH="1">
-            <a:off x="7247685" y="2920046"/>
-            <a:ext cx="880110" cy="159068"/>
-          </a:xfrm>
-          <a:prstGeom prst="line">
-            <a:avLst/>
-          </a:prstGeom>
-        </p:spPr>
-        <p:style>
-          <a:lnRef idx="2">
-            <a:schemeClr val="accent1"/>
-          </a:lnRef>
-          <a:fillRef idx="0">
-            <a:schemeClr val="accent1"/>
-          </a:fillRef>
-          <a:effectRef idx="1">
-            <a:schemeClr val="accent1"/>
-          </a:effectRef>
-          <a:fontRef idx="minor">
-            <a:schemeClr val="tx1"/>
-          </a:fontRef>
-        </p:style>
-      </p:cxnSp>
-      <p:sp>
-        <p:nvSpPr>
-          <p:cNvPr id="33" name="テキスト 12"/>
-          <p:cNvSpPr txBox="1"/>
-          <p:nvPr/>
-        </p:nvSpPr>
-        <p:spPr>
-          <a:xfrm>
-            <a:off x="8104935" y="3333431"/>
-            <a:ext cx="541432" cy="190500"/>
-          </a:xfrm>
-          <a:prstGeom prst="rect">
-            <a:avLst/>
-          </a:prstGeom>
-          <a:noFill/>
-          <a:ln>
-            <a:noFill/>
-          </a:ln>
-          <a:effectLst/>
-          <a:extLst>
-            <a:ext uri="{C572A759-6A51-4108-AA02-DFA0A04FC94B}">
-              <ma14:wrappingTextBoxFlag xmlns:ma14="http://schemas.microsoft.com/office/mac/drawingml/2011/main"/>
-            </a:ext>
-          </a:extLst>
-        </p:spPr>
-        <p:style>
-          <a:lnRef idx="0">
-            <a:schemeClr val="accent1"/>
-          </a:lnRef>
-          <a:fillRef idx="0">
-            <a:schemeClr val="accent1"/>
-          </a:fillRef>
-          <a:effectRef idx="0">
-            <a:schemeClr val="accent1"/>
-          </a:effectRef>
-          <a:fontRef idx="minor">
-            <a:schemeClr val="dk1"/>
-          </a:fontRef>
-        </p:style>
-        <p:txBody>
-          <a:bodyPr rot="0" spcFirstLastPara="0" vert="horz" wrap="none" lIns="91440" tIns="45720" rIns="91440" bIns="45720" numCol="1" spcCol="0" rtlCol="0" fromWordArt="0" anchor="t" anchorCtr="0" forceAA="0" compatLnSpc="1">
-            <a:prstTxWarp prst="textNoShape">
-              <a:avLst/>
-            </a:prstTxWarp>
-            <a:noAutofit/>
-          </a:bodyPr>
-          <a:lstStyle/>
-          <a:p>
-            <a:pPr algn="just">
-              <a:spcAft>
-                <a:spcPts val="0"/>
-              </a:spcAft>
-            </a:pPr>
-            <a:r>
-              <a:rPr lang="en-US" altLang="ja-JP" sz="500" kern="100" dirty="0" smtClean="0">
-                <a:ea typeface="ヒラギノ角ゴ ProN W3"/>
-                <a:cs typeface="Times New Roman"/>
-              </a:rPr>
-              <a:t>Waveform view</a:t>
-            </a:r>
-            <a:endParaRPr lang="ja-JP" sz="500" kern="100" dirty="0">
-              <a:effectLst/>
-              <a:ea typeface="ＭＳ 明朝"/>
-              <a:cs typeface="Times New Roman"/>
-            </a:endParaRPr>
-          </a:p>
-        </p:txBody>
-      </p:sp>
-      <p:cxnSp>
-        <p:nvCxnSpPr>
-          <p:cNvPr id="34" name="直線コネクタ 33"/>
-          <p:cNvCxnSpPr/>
-          <p:nvPr/>
-        </p:nvCxnSpPr>
-        <p:spPr>
-          <a:xfrm flipH="1">
-            <a:off x="7624875" y="3411854"/>
-            <a:ext cx="509588" cy="6985"/>
-          </a:xfrm>
-          <a:prstGeom prst="line">
-            <a:avLst/>
-          </a:prstGeom>
-        </p:spPr>
-        <p:style>
-          <a:lnRef idx="2">
-            <a:schemeClr val="accent1"/>
-          </a:lnRef>
-          <a:fillRef idx="0">
-            <a:schemeClr val="accent1"/>
-          </a:fillRef>
-          <a:effectRef idx="1">
-            <a:schemeClr val="accent1"/>
-          </a:effectRef>
-          <a:fontRef idx="minor">
-            <a:schemeClr val="tx1"/>
-          </a:fontRef>
-        </p:style>
-      </p:cxnSp>
-      <p:sp>
-        <p:nvSpPr>
-          <p:cNvPr id="35" name="テキスト 14"/>
-          <p:cNvSpPr txBox="1"/>
-          <p:nvPr/>
-        </p:nvSpPr>
-        <p:spPr>
-          <a:xfrm>
-            <a:off x="7047660" y="4009389"/>
-            <a:ext cx="742950" cy="152400"/>
-          </a:xfrm>
-          <a:prstGeom prst="rect">
-            <a:avLst/>
-          </a:prstGeom>
-          <a:noFill/>
-          <a:ln>
-            <a:noFill/>
-          </a:ln>
-          <a:effectLst/>
-          <a:extLst>
-            <a:ext uri="{C572A759-6A51-4108-AA02-DFA0A04FC94B}">
-              <ma14:wrappingTextBoxFlag xmlns:ma14="http://schemas.microsoft.com/office/mac/drawingml/2011/main"/>
-            </a:ext>
-          </a:extLst>
-        </p:spPr>
-        <p:style>
-          <a:lnRef idx="0">
-            <a:schemeClr val="accent1"/>
-          </a:lnRef>
-          <a:fillRef idx="0">
-            <a:schemeClr val="accent1"/>
-          </a:fillRef>
-          <a:effectRef idx="0">
-            <a:schemeClr val="accent1"/>
-          </a:effectRef>
-          <a:fontRef idx="minor">
-            <a:schemeClr val="dk1"/>
-          </a:fontRef>
-        </p:style>
-        <p:txBody>
-          <a:bodyPr rot="0" spcFirstLastPara="0" vert="horz" wrap="square" lIns="91440" tIns="45720" rIns="91440" bIns="45720" numCol="1" spcCol="0" rtlCol="0" fromWordArt="0" anchor="t" anchorCtr="0" forceAA="0" compatLnSpc="1">
-            <a:prstTxWarp prst="textNoShape">
-              <a:avLst/>
-            </a:prstTxWarp>
-            <a:noAutofit/>
-          </a:bodyPr>
-          <a:lstStyle/>
-          <a:p>
-            <a:pPr algn="just">
-              <a:spcAft>
-                <a:spcPts val="0"/>
-              </a:spcAft>
-            </a:pPr>
-            <a:r>
-              <a:rPr lang="en-US" altLang="ja-JP" sz="500" kern="100" dirty="0" smtClean="0">
-                <a:effectLst/>
-                <a:ea typeface="ヒラギノ角ゴ ProN W3"/>
-                <a:cs typeface="Times New Roman"/>
-              </a:rPr>
-              <a:t>Control track</a:t>
-            </a:r>
-            <a:endParaRPr lang="ja-JP" sz="500" kern="100" dirty="0">
-              <a:effectLst/>
-              <a:ea typeface="ＭＳ 明朝"/>
-              <a:cs typeface="Times New Roman"/>
-            </a:endParaRPr>
-          </a:p>
-        </p:txBody>
-      </p:sp>
-      <p:cxnSp>
-        <p:nvCxnSpPr>
-          <p:cNvPr id="36" name="直線コネクタ 35"/>
-          <p:cNvCxnSpPr/>
-          <p:nvPr/>
-        </p:nvCxnSpPr>
-        <p:spPr>
-          <a:xfrm flipH="1" flipV="1">
-            <a:off x="7164169" y="3657125"/>
-            <a:ext cx="83516" cy="352264"/>
-          </a:xfrm>
-          <a:prstGeom prst="line">
-            <a:avLst/>
-          </a:prstGeom>
-        </p:spPr>
-        <p:style>
-          <a:lnRef idx="2">
-            <a:schemeClr val="accent1"/>
-          </a:lnRef>
-          <a:fillRef idx="0">
-            <a:schemeClr val="accent1"/>
-          </a:fillRef>
-          <a:effectRef idx="1">
-            <a:schemeClr val="accent1"/>
-          </a:effectRef>
-          <a:fontRef idx="minor">
-            <a:schemeClr val="tx1"/>
-          </a:fontRef>
-        </p:style>
-      </p:cxnSp>
-      <p:cxnSp>
-        <p:nvCxnSpPr>
-          <p:cNvPr id="37" name="直線コネクタ 36"/>
-          <p:cNvCxnSpPr/>
-          <p:nvPr/>
-        </p:nvCxnSpPr>
-        <p:spPr>
-          <a:xfrm flipV="1">
-            <a:off x="6157694" y="3282475"/>
-            <a:ext cx="0" cy="726914"/>
-          </a:xfrm>
-          <a:prstGeom prst="line">
-            <a:avLst/>
-          </a:prstGeom>
-        </p:spPr>
-        <p:style>
-          <a:lnRef idx="2">
-            <a:schemeClr val="accent1"/>
-          </a:lnRef>
-          <a:fillRef idx="0">
-            <a:schemeClr val="accent1"/>
-          </a:fillRef>
-          <a:effectRef idx="1">
-            <a:schemeClr val="accent1"/>
-          </a:effectRef>
-          <a:fontRef idx="minor">
-            <a:schemeClr val="tx1"/>
-          </a:fontRef>
-        </p:style>
-      </p:cxnSp>
-      <p:sp>
-        <p:nvSpPr>
-          <p:cNvPr id="38" name="テキスト 14"/>
-          <p:cNvSpPr txBox="1"/>
-          <p:nvPr/>
-        </p:nvSpPr>
-        <p:spPr>
-          <a:xfrm>
-            <a:off x="5982095" y="4009389"/>
-            <a:ext cx="742950" cy="152400"/>
-          </a:xfrm>
-          <a:prstGeom prst="rect">
-            <a:avLst/>
-          </a:prstGeom>
-          <a:noFill/>
-          <a:ln>
-            <a:noFill/>
-          </a:ln>
-          <a:effectLst/>
-          <a:extLst>
-            <a:ext uri="{C572A759-6A51-4108-AA02-DFA0A04FC94B}">
-              <ma14:wrappingTextBoxFlag xmlns:ma14="http://schemas.microsoft.com/office/mac/drawingml/2011/main"/>
-            </a:ext>
-          </a:extLst>
-        </p:spPr>
-        <p:style>
-          <a:lnRef idx="0">
-            <a:schemeClr val="accent1"/>
-          </a:lnRef>
-          <a:fillRef idx="0">
-            <a:schemeClr val="accent1"/>
-          </a:fillRef>
-          <a:effectRef idx="0">
-            <a:schemeClr val="accent1"/>
-          </a:effectRef>
-          <a:fontRef idx="minor">
-            <a:schemeClr val="dk1"/>
-          </a:fontRef>
-        </p:style>
-        <p:txBody>
-          <a:bodyPr rot="0" spcFirstLastPara="0" vert="horz" wrap="square" lIns="91440" tIns="45720" rIns="91440" bIns="45720" numCol="1" spcCol="0" rtlCol="0" fromWordArt="0" anchor="t" anchorCtr="0" forceAA="0" compatLnSpc="1">
-            <a:prstTxWarp prst="textNoShape">
-              <a:avLst/>
-            </a:prstTxWarp>
-            <a:noAutofit/>
-          </a:bodyPr>
-          <a:lstStyle/>
-          <a:p>
-            <a:pPr algn="just">
-              <a:spcAft>
-                <a:spcPts val="0"/>
-              </a:spcAft>
-            </a:pPr>
-            <a:r>
-              <a:rPr lang="en-US" altLang="ja-JP" sz="500" kern="100" dirty="0" smtClean="0">
-                <a:ea typeface="ヒラギノ角ゴ ProN W3"/>
-                <a:cs typeface="Times New Roman"/>
-              </a:rPr>
-              <a:t>Property Editor</a:t>
-            </a:r>
-            <a:endParaRPr lang="ja-JP" sz="500" kern="100" dirty="0">
-              <a:effectLst/>
-              <a:ea typeface="ＭＳ 明朝"/>
-              <a:cs typeface="Times New Roman"/>
-            </a:endParaRPr>
-          </a:p>
-        </p:txBody>
-      </p:sp>
-      <p:sp>
-        <p:nvSpPr>
-          <p:cNvPr id="39" name="正方形/長方形 38"/>
-          <p:cNvSpPr/>
-          <p:nvPr/>
-        </p:nvSpPr>
-        <p:spPr>
-          <a:xfrm>
-            <a:off x="6333285" y="2704942"/>
-            <a:ext cx="1678305" cy="67416"/>
-          </a:xfrm>
-          <a:prstGeom prst="rect">
-            <a:avLst/>
-          </a:prstGeom>
-          <a:noFill/>
-          <a:ln w="19050" cmpd="sng">
-            <a:solidFill>
-              <a:srgbClr val="FF0000"/>
-            </a:solidFill>
-          </a:ln>
-        </p:spPr>
-        <p:style>
-          <a:lnRef idx="1">
-            <a:schemeClr val="accent1"/>
-          </a:lnRef>
-          <a:fillRef idx="3">
-            <a:schemeClr val="accent1"/>
-          </a:fillRef>
-          <a:effectRef idx="2">
-            <a:schemeClr val="accent1"/>
-          </a:effectRef>
-          <a:fontRef idx="minor">
-            <a:schemeClr val="lt1"/>
-          </a:fontRef>
-        </p:style>
-        <p:txBody>
-          <a:bodyPr rot="0" spcFirstLastPara="0" vert="horz" wrap="square" lIns="91440" tIns="45720" rIns="91440" bIns="45720" numCol="1" spcCol="0" rtlCol="0" fromWordArt="0" anchor="ctr" anchorCtr="0" forceAA="0" compatLnSpc="1">
-            <a:prstTxWarp prst="textNoShape">
-              <a:avLst/>
-            </a:prstTxWarp>
-            <a:noAutofit/>
-          </a:bodyPr>
-          <a:lstStyle/>
-          <a:p>
-            <a:endParaRPr lang="ja-JP" altLang="en-US" sz="500"/>
-          </a:p>
-        </p:txBody>
-      </p:sp>
-      <p:sp>
-        <p:nvSpPr>
-          <p:cNvPr id="40" name="正方形/長方形 39"/>
-          <p:cNvSpPr/>
-          <p:nvPr/>
-        </p:nvSpPr>
-        <p:spPr>
-          <a:xfrm>
-            <a:off x="5981557" y="2639686"/>
-            <a:ext cx="2029715" cy="56616"/>
-          </a:xfrm>
-          <a:prstGeom prst="rect">
-            <a:avLst/>
-          </a:prstGeom>
-          <a:noFill/>
-          <a:ln w="19050" cmpd="sng">
-            <a:solidFill>
-              <a:srgbClr val="FF0000"/>
-            </a:solidFill>
-          </a:ln>
-        </p:spPr>
-        <p:style>
-          <a:lnRef idx="1">
-            <a:schemeClr val="accent1"/>
-          </a:lnRef>
-          <a:fillRef idx="3">
-            <a:schemeClr val="accent1"/>
-          </a:fillRef>
-          <a:effectRef idx="2">
-            <a:schemeClr val="accent1"/>
-          </a:effectRef>
-          <a:fontRef idx="minor">
-            <a:schemeClr val="lt1"/>
-          </a:fontRef>
-        </p:style>
-        <p:txBody>
-          <a:bodyPr rot="0" spcFirstLastPara="0" vert="horz" wrap="square" lIns="91440" tIns="45720" rIns="91440" bIns="45720" numCol="1" spcCol="0" rtlCol="0" fromWordArt="0" anchor="ctr" anchorCtr="0" forceAA="0" compatLnSpc="1">
-            <a:prstTxWarp prst="textNoShape">
-              <a:avLst/>
-            </a:prstTxWarp>
-            <a:noAutofit/>
-          </a:bodyPr>
-          <a:lstStyle/>
-          <a:p>
-            <a:endParaRPr lang="ja-JP" altLang="en-US" sz="500"/>
-          </a:p>
-        </p:txBody>
-      </p:sp>
-      <p:cxnSp>
-        <p:nvCxnSpPr>
-          <p:cNvPr id="41" name="直線コネクタ 40"/>
-          <p:cNvCxnSpPr/>
-          <p:nvPr/>
-        </p:nvCxnSpPr>
-        <p:spPr>
-          <a:xfrm>
-            <a:off x="7537271" y="2459091"/>
-            <a:ext cx="1" cy="275323"/>
-          </a:xfrm>
-          <a:prstGeom prst="line">
-            <a:avLst/>
-          </a:prstGeom>
-        </p:spPr>
-        <p:style>
-          <a:lnRef idx="2">
-            <a:schemeClr val="accent1"/>
-          </a:lnRef>
-          <a:fillRef idx="0">
-            <a:schemeClr val="accent1"/>
-          </a:fillRef>
-          <a:effectRef idx="1">
-            <a:schemeClr val="accent1"/>
-          </a:effectRef>
-          <a:fontRef idx="minor">
-            <a:schemeClr val="tx1"/>
-          </a:fontRef>
-        </p:style>
-      </p:cxnSp>
-      <p:sp>
-        <p:nvSpPr>
-          <p:cNvPr id="42" name="テキスト 10"/>
-          <p:cNvSpPr txBox="1"/>
-          <p:nvPr/>
-        </p:nvSpPr>
-        <p:spPr>
-          <a:xfrm>
-            <a:off x="7117066" y="2330711"/>
-            <a:ext cx="840409" cy="128380"/>
-          </a:xfrm>
-          <a:prstGeom prst="rect">
-            <a:avLst/>
-          </a:prstGeom>
-          <a:noFill/>
-          <a:ln>
-            <a:noFill/>
-          </a:ln>
-          <a:effectLst/>
-          <a:extLst>
-            <a:ext uri="{C572A759-6A51-4108-AA02-DFA0A04FC94B}">
-              <ma14:wrappingTextBoxFlag xmlns:ma14="http://schemas.microsoft.com/office/mac/drawingml/2011/main"/>
-            </a:ext>
-          </a:extLst>
-        </p:spPr>
-        <p:style>
-          <a:lnRef idx="0">
-            <a:schemeClr val="accent1"/>
-          </a:lnRef>
-          <a:fillRef idx="0">
-            <a:schemeClr val="accent1"/>
-          </a:fillRef>
-          <a:effectRef idx="0">
-            <a:schemeClr val="accent1"/>
-          </a:effectRef>
-          <a:fontRef idx="minor">
-            <a:schemeClr val="dk1"/>
-          </a:fontRef>
-        </p:style>
-        <p:txBody>
-          <a:bodyPr rot="0" spcFirstLastPara="0" vert="horz" wrap="none" lIns="91440" tIns="45720" rIns="91440" bIns="45720" numCol="1" spcCol="0" rtlCol="0" fromWordArt="0" anchor="t" anchorCtr="0" forceAA="0" compatLnSpc="1">
-            <a:prstTxWarp prst="textNoShape">
-              <a:avLst/>
-            </a:prstTxWarp>
-            <a:noAutofit/>
-          </a:bodyPr>
-          <a:lstStyle/>
-          <a:p>
-            <a:pPr algn="ctr">
-              <a:spcAft>
-                <a:spcPts val="0"/>
-              </a:spcAft>
-            </a:pPr>
-            <a:r>
-              <a:rPr lang="en-US" altLang="ja-JP" sz="500" kern="100" dirty="0" smtClean="0">
-                <a:ea typeface="ヒラギノ角ゴ ProN W3"/>
-                <a:cs typeface="Times New Roman"/>
-              </a:rPr>
-              <a:t>Navigation view</a:t>
-            </a:r>
-            <a:endParaRPr lang="ja-JP" sz="500" kern="100" dirty="0">
-              <a:effectLst/>
-              <a:ea typeface="ＭＳ 明朝"/>
-              <a:cs typeface="Times New Roman"/>
-            </a:endParaRPr>
-          </a:p>
-        </p:txBody>
-      </p:sp>
-      <p:cxnSp>
-        <p:nvCxnSpPr>
-          <p:cNvPr id="43" name="直線コネクタ 42"/>
-          <p:cNvCxnSpPr/>
-          <p:nvPr/>
-        </p:nvCxnSpPr>
-        <p:spPr>
-          <a:xfrm>
-            <a:off x="6503457" y="2394901"/>
-            <a:ext cx="1" cy="275323"/>
-          </a:xfrm>
-          <a:prstGeom prst="line">
-            <a:avLst/>
-          </a:prstGeom>
-        </p:spPr>
-        <p:style>
-          <a:lnRef idx="2">
-            <a:schemeClr val="accent1"/>
-          </a:lnRef>
-          <a:fillRef idx="0">
-            <a:schemeClr val="accent1"/>
-          </a:fillRef>
-          <a:effectRef idx="1">
-            <a:schemeClr val="accent1"/>
-          </a:effectRef>
-          <a:fontRef idx="minor">
-            <a:schemeClr val="tx1"/>
-          </a:fontRef>
-        </p:style>
-      </p:cxnSp>
-      <p:sp>
-        <p:nvSpPr>
-          <p:cNvPr id="44" name="テキスト 10"/>
-          <p:cNvSpPr txBox="1"/>
-          <p:nvPr/>
-        </p:nvSpPr>
-        <p:spPr>
-          <a:xfrm>
-            <a:off x="6303012" y="2266521"/>
-            <a:ext cx="400890" cy="128380"/>
-          </a:xfrm>
-          <a:prstGeom prst="rect">
-            <a:avLst/>
-          </a:prstGeom>
-          <a:noFill/>
-          <a:ln>
-            <a:noFill/>
-          </a:ln>
-          <a:effectLst/>
-          <a:extLst>
-            <a:ext uri="{C572A759-6A51-4108-AA02-DFA0A04FC94B}">
-              <ma14:wrappingTextBoxFlag xmlns:ma14="http://schemas.microsoft.com/office/mac/drawingml/2011/main"/>
-            </a:ext>
-          </a:extLst>
-        </p:spPr>
-        <p:style>
-          <a:lnRef idx="0">
-            <a:schemeClr val="accent1"/>
-          </a:lnRef>
-          <a:fillRef idx="0">
-            <a:schemeClr val="accent1"/>
-          </a:fillRef>
-          <a:effectRef idx="0">
-            <a:schemeClr val="accent1"/>
-          </a:effectRef>
-          <a:fontRef idx="minor">
-            <a:schemeClr val="dk1"/>
-          </a:fontRef>
-        </p:style>
-        <p:txBody>
-          <a:bodyPr rot="0" spcFirstLastPara="0" vert="horz" wrap="none" lIns="91440" tIns="45720" rIns="91440" bIns="45720" numCol="1" spcCol="0" rtlCol="0" fromWordArt="0" anchor="t" anchorCtr="0" forceAA="0" compatLnSpc="1">
-            <a:prstTxWarp prst="textNoShape">
-              <a:avLst/>
-            </a:prstTxWarp>
-            <a:noAutofit/>
-          </a:bodyPr>
-          <a:lstStyle/>
-          <a:p>
-            <a:pPr algn="ctr">
-              <a:spcAft>
-                <a:spcPts val="0"/>
-              </a:spcAft>
-            </a:pPr>
-            <a:r>
-              <a:rPr lang="en-US" altLang="ja-JP" sz="500" kern="100" dirty="0" smtClean="0">
-                <a:effectLst/>
-                <a:ea typeface="ヒラギノ角ゴ ProN W3"/>
-                <a:cs typeface="Times New Roman"/>
-              </a:rPr>
-              <a:t>Tool bar</a:t>
-            </a:r>
-            <a:endParaRPr lang="ja-JP" sz="500" kern="100" dirty="0">
-              <a:effectLst/>
-              <a:ea typeface="ＭＳ 明朝"/>
-              <a:cs typeface="Times New Roman"/>
-            </a:endParaRPr>
-          </a:p>
-        </p:txBody>
-      </p:sp>
-    </p:spTree>
-    <p:extLst>
-      <p:ext uri="{BB962C8B-B14F-4D97-AF65-F5344CB8AC3E}">
-        <p14:creationId xmlns:p14="http://schemas.microsoft.com/office/powerpoint/2010/main" val="2052385200"/>
-      </p:ext>
-    </p:extLst>
-  </p:cSld>
-  <p:clrMapOvr>
-    <a:masterClrMapping/>
-  </p:clrMapOvr>
-</p:sld>
-</file>
-
-<file path=ppt/slides/slide20.xml><?xml version="1.0" encoding="utf-8"?>
-<p:sld xmlns:a="http://schemas.openxmlformats.org/drawingml/2006/main" xmlns:r="http://schemas.openxmlformats.org/officeDocument/2006/relationships" xmlns:p="http://schemas.openxmlformats.org/presentationml/2006/main">
-  <p:cSld>
-    <p:spTree>
-      <p:nvGrpSpPr>
-        <p:cNvPr id="1" name=""/>
-        <p:cNvGrpSpPr/>
-        <p:nvPr/>
-      </p:nvGrpSpPr>
-      <p:grpSpPr>
-        <a:xfrm>
-          <a:off x="0" y="0"/>
-          <a:ext cx="0" cy="0"/>
-          <a:chOff x="0" y="0"/>
-          <a:chExt cx="0" cy="0"/>
-        </a:xfrm>
-      </p:grpSpPr>
-      <p:sp>
-        <p:nvSpPr>
-          <p:cNvPr id="2" name="正方形/長方形 1"/>
-          <p:cNvSpPr/>
-          <p:nvPr/>
-        </p:nvSpPr>
-        <p:spPr>
-          <a:xfrm>
-            <a:off x="506624" y="2580455"/>
-            <a:ext cx="4291896" cy="569371"/>
-          </a:xfrm>
-          <a:prstGeom prst="rect">
-            <a:avLst/>
-          </a:prstGeom>
-        </p:spPr>
-        <p:style>
-          <a:lnRef idx="1">
-            <a:schemeClr val="accent1"/>
-          </a:lnRef>
-          <a:fillRef idx="3">
-            <a:schemeClr val="accent1"/>
-          </a:fillRef>
-          <a:effectRef idx="2">
-            <a:schemeClr val="accent1"/>
-          </a:effectRef>
-          <a:fontRef idx="minor">
-            <a:schemeClr val="lt1"/>
-          </a:fontRef>
-        </p:style>
-        <p:txBody>
-          <a:bodyPr rtlCol="0" anchor="ctr"/>
-          <a:lstStyle/>
-          <a:p>
-            <a:pPr algn="ctr"/>
-            <a:r>
-              <a:rPr kumimoji="1" lang="en-US" altLang="ja-JP" dirty="0" smtClean="0">
-                <a:solidFill>
-                  <a:schemeClr val="tx1"/>
-                </a:solidFill>
-              </a:rPr>
-              <a:t>Windows OS</a:t>
-            </a:r>
-            <a:endParaRPr kumimoji="1" lang="ja-JP" altLang="en-US" dirty="0">
-              <a:solidFill>
-                <a:schemeClr val="tx1"/>
-              </a:solidFill>
-            </a:endParaRPr>
-          </a:p>
-        </p:txBody>
-      </p:sp>
-      <p:sp>
-        <p:nvSpPr>
-          <p:cNvPr id="4" name="正方形/長方形 3"/>
-          <p:cNvSpPr/>
-          <p:nvPr/>
-        </p:nvSpPr>
-        <p:spPr>
-          <a:xfrm>
-            <a:off x="2740161" y="623333"/>
-            <a:ext cx="2058359" cy="1884128"/>
-          </a:xfrm>
-          <a:prstGeom prst="rect">
-            <a:avLst/>
-          </a:prstGeom>
-          <a:gradFill flip="none" rotWithShape="1">
-            <a:gsLst>
-              <a:gs pos="0">
-                <a:srgbClr val="BFBE28"/>
-              </a:gs>
-              <a:gs pos="100000">
-                <a:srgbClr val="FFFF35"/>
-              </a:gs>
-            </a:gsLst>
-            <a:lin ang="16200000" scaled="0"/>
-            <a:tileRect/>
-          </a:gradFill>
-          <a:ln>
-            <a:solidFill>
-              <a:srgbClr val="8F8F1E"/>
-            </a:solidFill>
-          </a:ln>
-        </p:spPr>
-        <p:style>
-          <a:lnRef idx="1">
-            <a:schemeClr val="accent1"/>
-          </a:lnRef>
-          <a:fillRef idx="3">
-            <a:schemeClr val="accent1"/>
-          </a:fillRef>
-          <a:effectRef idx="2">
-            <a:schemeClr val="accent1"/>
-          </a:effectRef>
-          <a:fontRef idx="minor">
-            <a:schemeClr val="lt1"/>
-          </a:fontRef>
-        </p:style>
-        <p:txBody>
-          <a:bodyPr rtlCol="0" anchor="ctr"/>
-          <a:lstStyle/>
-          <a:p>
-            <a:pPr algn="ctr"/>
-            <a:r>
-              <a:rPr lang="en-US" altLang="ja-JP" dirty="0" err="1" smtClean="0">
-                <a:solidFill>
-                  <a:srgbClr val="000000"/>
-                </a:solidFill>
-              </a:rPr>
-              <a:t>resampler</a:t>
-            </a:r>
-            <a:endParaRPr kumimoji="1" lang="ja-JP" altLang="en-US" dirty="0">
-              <a:solidFill>
-                <a:srgbClr val="000000"/>
-              </a:solidFill>
-            </a:endParaRPr>
-          </a:p>
-        </p:txBody>
-      </p:sp>
-      <p:sp>
-        <p:nvSpPr>
-          <p:cNvPr id="5" name="テキスト ボックス 4"/>
-          <p:cNvSpPr txBox="1"/>
-          <p:nvPr/>
-        </p:nvSpPr>
-        <p:spPr>
-          <a:xfrm>
-            <a:off x="536229" y="254000"/>
-            <a:ext cx="1659429" cy="369332"/>
-          </a:xfrm>
-          <a:prstGeom prst="rect">
-            <a:avLst/>
-          </a:prstGeom>
-          <a:noFill/>
-        </p:spPr>
-        <p:txBody>
-          <a:bodyPr wrap="none" rtlCol="0">
-            <a:spAutoFit/>
-          </a:bodyPr>
-          <a:lstStyle/>
-          <a:p>
-            <a:r>
-              <a:rPr lang="en-US" altLang="ja-JP" dirty="0" smtClean="0"/>
-              <a:t>UTAU</a:t>
-            </a:r>
-            <a:r>
-              <a:rPr kumimoji="1" lang="en-US" altLang="ja-JP" dirty="0" smtClean="0"/>
-              <a:t> Windows</a:t>
-            </a:r>
-            <a:endParaRPr kumimoji="1" lang="ja-JP" altLang="en-US" dirty="0"/>
-          </a:p>
-        </p:txBody>
-      </p:sp>
-      <p:sp>
-        <p:nvSpPr>
-          <p:cNvPr id="6" name="正方形/長方形 5"/>
-          <p:cNvSpPr/>
-          <p:nvPr/>
-        </p:nvSpPr>
-        <p:spPr>
-          <a:xfrm>
-            <a:off x="498550" y="616857"/>
-            <a:ext cx="2059200" cy="1890603"/>
+            <a:off x="6120456" y="3930042"/>
+            <a:ext cx="893725" cy="633354"/>
           </a:xfrm>
           <a:prstGeom prst="rect">
             <a:avLst/>
@@ -16209,14 +16506,14 @@
           <a:p>
             <a:pPr algn="ctr"/>
             <a:r>
-              <a:rPr kumimoji="1" lang="en-US" altLang="ja-JP" dirty="0" smtClean="0">
+              <a:rPr kumimoji="1" lang="en-US" altLang="ja-JP" sz="900" dirty="0" smtClean="0">
                 <a:solidFill>
                   <a:srgbClr val="000000"/>
                 </a:solidFill>
               </a:rPr>
               <a:t>Cadencii</a:t>
             </a:r>
-            <a:endParaRPr kumimoji="1" lang="ja-JP" altLang="en-US" dirty="0">
+            <a:endParaRPr kumimoji="1" lang="ja-JP" altLang="en-US" sz="900" dirty="0">
               <a:solidFill>
                 <a:srgbClr val="000000"/>
               </a:solidFill>
@@ -16226,18 +16523,381 @@
       </p:sp>
       <p:sp>
         <p:nvSpPr>
-          <p:cNvPr id="8" name="正方形/長方形 7"/>
+          <p:cNvPr id="22" name="正方形/長方形 21"/>
           <p:cNvSpPr/>
           <p:nvPr/>
         </p:nvSpPr>
         <p:spPr>
           <a:xfrm>
-            <a:off x="498551" y="4000698"/>
-            <a:ext cx="2059200" cy="1266707"/>
+            <a:off x="6077847" y="1973241"/>
+            <a:ext cx="2145948" cy="284686"/>
           </a:xfrm>
           <a:prstGeom prst="rect">
             <a:avLst/>
           </a:prstGeom>
+        </p:spPr>
+        <p:style>
+          <a:lnRef idx="1">
+            <a:schemeClr val="accent1"/>
+          </a:lnRef>
+          <a:fillRef idx="3">
+            <a:schemeClr val="accent1"/>
+          </a:fillRef>
+          <a:effectRef idx="2">
+            <a:schemeClr val="accent1"/>
+          </a:effectRef>
+          <a:fontRef idx="minor">
+            <a:schemeClr val="lt1"/>
+          </a:fontRef>
+        </p:style>
+        <p:txBody>
+          <a:bodyPr rtlCol="0" anchor="ctr"/>
+          <a:lstStyle/>
+          <a:p>
+            <a:pPr algn="ctr"/>
+            <a:r>
+              <a:rPr kumimoji="1" lang="en-US" altLang="ja-JP" sz="900" dirty="0" smtClean="0">
+                <a:solidFill>
+                  <a:schemeClr val="tx1"/>
+                </a:solidFill>
+              </a:rPr>
+              <a:t>Windows OS</a:t>
+            </a:r>
+            <a:endParaRPr kumimoji="1" lang="ja-JP" altLang="en-US" sz="900" dirty="0">
+              <a:solidFill>
+                <a:schemeClr val="tx1"/>
+              </a:solidFill>
+            </a:endParaRPr>
+          </a:p>
+        </p:txBody>
+      </p:sp>
+      <p:sp>
+        <p:nvSpPr>
+          <p:cNvPr id="23" name="正方形/長方形 3"/>
+          <p:cNvSpPr/>
+          <p:nvPr/>
+        </p:nvSpPr>
+        <p:spPr>
+          <a:xfrm>
+            <a:off x="6077847" y="991442"/>
+            <a:ext cx="2145948" cy="945302"/>
+          </a:xfrm>
+          <a:custGeom>
+            <a:avLst/>
+            <a:gdLst>
+              <a:gd name="connsiteX0" fmla="*/ 0 w 4291896"/>
+              <a:gd name="connsiteY0" fmla="*/ 0 h 1890603"/>
+              <a:gd name="connsiteX1" fmla="*/ 4291896 w 4291896"/>
+              <a:gd name="connsiteY1" fmla="*/ 0 h 1890603"/>
+              <a:gd name="connsiteX2" fmla="*/ 4291896 w 4291896"/>
+              <a:gd name="connsiteY2" fmla="*/ 1890603 h 1890603"/>
+              <a:gd name="connsiteX3" fmla="*/ 0 w 4291896"/>
+              <a:gd name="connsiteY3" fmla="*/ 1890603 h 1890603"/>
+              <a:gd name="connsiteX4" fmla="*/ 0 w 4291896"/>
+              <a:gd name="connsiteY4" fmla="*/ 0 h 1890603"/>
+              <a:gd name="connsiteX0" fmla="*/ 0 w 4291896"/>
+              <a:gd name="connsiteY0" fmla="*/ 0 h 1890603"/>
+              <a:gd name="connsiteX1" fmla="*/ 4291896 w 4291896"/>
+              <a:gd name="connsiteY1" fmla="*/ 0 h 1890603"/>
+              <a:gd name="connsiteX2" fmla="*/ 4291896 w 4291896"/>
+              <a:gd name="connsiteY2" fmla="*/ 1890603 h 1890603"/>
+              <a:gd name="connsiteX3" fmla="*/ 4262698 w 4291896"/>
+              <a:gd name="connsiteY3" fmla="*/ 1839505 h 1890603"/>
+              <a:gd name="connsiteX4" fmla="*/ 0 w 4291896"/>
+              <a:gd name="connsiteY4" fmla="*/ 1890603 h 1890603"/>
+              <a:gd name="connsiteX5" fmla="*/ 0 w 4291896"/>
+              <a:gd name="connsiteY5" fmla="*/ 0 h 1890603"/>
+              <a:gd name="connsiteX0" fmla="*/ 0 w 4291896"/>
+              <a:gd name="connsiteY0" fmla="*/ 0 h 1890603"/>
+              <a:gd name="connsiteX1" fmla="*/ 4291896 w 4291896"/>
+              <a:gd name="connsiteY1" fmla="*/ 0 h 1890603"/>
+              <a:gd name="connsiteX2" fmla="*/ 4291896 w 4291896"/>
+              <a:gd name="connsiteY2" fmla="*/ 1890603 h 1890603"/>
+              <a:gd name="connsiteX3" fmla="*/ 3138630 w 4291896"/>
+              <a:gd name="connsiteY3" fmla="*/ 1883303 h 1890603"/>
+              <a:gd name="connsiteX4" fmla="*/ 0 w 4291896"/>
+              <a:gd name="connsiteY4" fmla="*/ 1890603 h 1890603"/>
+              <a:gd name="connsiteX5" fmla="*/ 0 w 4291896"/>
+              <a:gd name="connsiteY5" fmla="*/ 0 h 1890603"/>
+              <a:gd name="connsiteX0" fmla="*/ 0 w 4291896"/>
+              <a:gd name="connsiteY0" fmla="*/ 0 h 1890603"/>
+              <a:gd name="connsiteX1" fmla="*/ 4291896 w 4291896"/>
+              <a:gd name="connsiteY1" fmla="*/ 0 h 1890603"/>
+              <a:gd name="connsiteX2" fmla="*/ 4291896 w 4291896"/>
+              <a:gd name="connsiteY2" fmla="*/ 1890603 h 1890603"/>
+              <a:gd name="connsiteX3" fmla="*/ 4262698 w 4291896"/>
+              <a:gd name="connsiteY3" fmla="*/ 1868703 h 1890603"/>
+              <a:gd name="connsiteX4" fmla="*/ 3138630 w 4291896"/>
+              <a:gd name="connsiteY4" fmla="*/ 1883303 h 1890603"/>
+              <a:gd name="connsiteX5" fmla="*/ 0 w 4291896"/>
+              <a:gd name="connsiteY5" fmla="*/ 1890603 h 1890603"/>
+              <a:gd name="connsiteX6" fmla="*/ 0 w 4291896"/>
+              <a:gd name="connsiteY6" fmla="*/ 0 h 1890603"/>
+              <a:gd name="connsiteX0" fmla="*/ 0 w 4291896"/>
+              <a:gd name="connsiteY0" fmla="*/ 0 h 1890603"/>
+              <a:gd name="connsiteX1" fmla="*/ 4291896 w 4291896"/>
+              <a:gd name="connsiteY1" fmla="*/ 0 h 1890603"/>
+              <a:gd name="connsiteX2" fmla="*/ 4291896 w 4291896"/>
+              <a:gd name="connsiteY2" fmla="*/ 1890603 h 1890603"/>
+              <a:gd name="connsiteX3" fmla="*/ 3124032 w 4291896"/>
+              <a:gd name="connsiteY3" fmla="*/ 1109542 h 1890603"/>
+              <a:gd name="connsiteX4" fmla="*/ 3138630 w 4291896"/>
+              <a:gd name="connsiteY4" fmla="*/ 1883303 h 1890603"/>
+              <a:gd name="connsiteX5" fmla="*/ 0 w 4291896"/>
+              <a:gd name="connsiteY5" fmla="*/ 1890603 h 1890603"/>
+              <a:gd name="connsiteX6" fmla="*/ 0 w 4291896"/>
+              <a:gd name="connsiteY6" fmla="*/ 0 h 1890603"/>
+              <a:gd name="connsiteX0" fmla="*/ 0 w 4291896"/>
+              <a:gd name="connsiteY0" fmla="*/ 0 h 1890603"/>
+              <a:gd name="connsiteX1" fmla="*/ 4291896 w 4291896"/>
+              <a:gd name="connsiteY1" fmla="*/ 0 h 1890603"/>
+              <a:gd name="connsiteX2" fmla="*/ 4291896 w 4291896"/>
+              <a:gd name="connsiteY2" fmla="*/ 1116842 h 1890603"/>
+              <a:gd name="connsiteX3" fmla="*/ 3124032 w 4291896"/>
+              <a:gd name="connsiteY3" fmla="*/ 1109542 h 1890603"/>
+              <a:gd name="connsiteX4" fmla="*/ 3138630 w 4291896"/>
+              <a:gd name="connsiteY4" fmla="*/ 1883303 h 1890603"/>
+              <a:gd name="connsiteX5" fmla="*/ 0 w 4291896"/>
+              <a:gd name="connsiteY5" fmla="*/ 1890603 h 1890603"/>
+              <a:gd name="connsiteX6" fmla="*/ 0 w 4291896"/>
+              <a:gd name="connsiteY6" fmla="*/ 0 h 1890603"/>
+              <a:gd name="connsiteX0" fmla="*/ 0 w 4291896"/>
+              <a:gd name="connsiteY0" fmla="*/ 0 h 1897902"/>
+              <a:gd name="connsiteX1" fmla="*/ 4291896 w 4291896"/>
+              <a:gd name="connsiteY1" fmla="*/ 0 h 1897902"/>
+              <a:gd name="connsiteX2" fmla="*/ 4291896 w 4291896"/>
+              <a:gd name="connsiteY2" fmla="*/ 1116842 h 1897902"/>
+              <a:gd name="connsiteX3" fmla="*/ 3124032 w 4291896"/>
+              <a:gd name="connsiteY3" fmla="*/ 1109542 h 1897902"/>
+              <a:gd name="connsiteX4" fmla="*/ 2145947 w 4291896"/>
+              <a:gd name="connsiteY4" fmla="*/ 1897902 h 1897902"/>
+              <a:gd name="connsiteX5" fmla="*/ 0 w 4291896"/>
+              <a:gd name="connsiteY5" fmla="*/ 1890603 h 1897902"/>
+              <a:gd name="connsiteX6" fmla="*/ 0 w 4291896"/>
+              <a:gd name="connsiteY6" fmla="*/ 0 h 1897902"/>
+              <a:gd name="connsiteX0" fmla="*/ 0 w 4291896"/>
+              <a:gd name="connsiteY0" fmla="*/ 0 h 1897902"/>
+              <a:gd name="connsiteX1" fmla="*/ 4291896 w 4291896"/>
+              <a:gd name="connsiteY1" fmla="*/ 0 h 1897902"/>
+              <a:gd name="connsiteX2" fmla="*/ 4291896 w 4291896"/>
+              <a:gd name="connsiteY2" fmla="*/ 1116842 h 1897902"/>
+              <a:gd name="connsiteX3" fmla="*/ 2175144 w 4291896"/>
+              <a:gd name="connsiteY3" fmla="*/ 1124141 h 1897902"/>
+              <a:gd name="connsiteX4" fmla="*/ 2145947 w 4291896"/>
+              <a:gd name="connsiteY4" fmla="*/ 1897902 h 1897902"/>
+              <a:gd name="connsiteX5" fmla="*/ 0 w 4291896"/>
+              <a:gd name="connsiteY5" fmla="*/ 1890603 h 1897902"/>
+              <a:gd name="connsiteX6" fmla="*/ 0 w 4291896"/>
+              <a:gd name="connsiteY6" fmla="*/ 0 h 1897902"/>
+              <a:gd name="connsiteX0" fmla="*/ 0 w 4291896"/>
+              <a:gd name="connsiteY0" fmla="*/ 0 h 1912502"/>
+              <a:gd name="connsiteX1" fmla="*/ 4291896 w 4291896"/>
+              <a:gd name="connsiteY1" fmla="*/ 0 h 1912502"/>
+              <a:gd name="connsiteX2" fmla="*/ 4291896 w 4291896"/>
+              <a:gd name="connsiteY2" fmla="*/ 1116842 h 1912502"/>
+              <a:gd name="connsiteX3" fmla="*/ 2175144 w 4291896"/>
+              <a:gd name="connsiteY3" fmla="*/ 1124141 h 1912502"/>
+              <a:gd name="connsiteX4" fmla="*/ 2189742 w 4291896"/>
+              <a:gd name="connsiteY4" fmla="*/ 1912502 h 1912502"/>
+              <a:gd name="connsiteX5" fmla="*/ 0 w 4291896"/>
+              <a:gd name="connsiteY5" fmla="*/ 1890603 h 1912502"/>
+              <a:gd name="connsiteX6" fmla="*/ 0 w 4291896"/>
+              <a:gd name="connsiteY6" fmla="*/ 0 h 1912502"/>
+              <a:gd name="connsiteX0" fmla="*/ 0 w 4291896"/>
+              <a:gd name="connsiteY0" fmla="*/ 0 h 1912502"/>
+              <a:gd name="connsiteX1" fmla="*/ 4291896 w 4291896"/>
+              <a:gd name="connsiteY1" fmla="*/ 0 h 1912502"/>
+              <a:gd name="connsiteX2" fmla="*/ 4291896 w 4291896"/>
+              <a:gd name="connsiteY2" fmla="*/ 1116842 h 1912502"/>
+              <a:gd name="connsiteX3" fmla="*/ 2175144 w 4291896"/>
+              <a:gd name="connsiteY3" fmla="*/ 1124141 h 1912502"/>
+              <a:gd name="connsiteX4" fmla="*/ 2160546 w 4291896"/>
+              <a:gd name="connsiteY4" fmla="*/ 1912502 h 1912502"/>
+              <a:gd name="connsiteX5" fmla="*/ 0 w 4291896"/>
+              <a:gd name="connsiteY5" fmla="*/ 1890603 h 1912502"/>
+              <a:gd name="connsiteX6" fmla="*/ 0 w 4291896"/>
+              <a:gd name="connsiteY6" fmla="*/ 0 h 1912502"/>
+              <a:gd name="connsiteX0" fmla="*/ 0 w 4291896"/>
+              <a:gd name="connsiteY0" fmla="*/ 0 h 1912502"/>
+              <a:gd name="connsiteX1" fmla="*/ 4291896 w 4291896"/>
+              <a:gd name="connsiteY1" fmla="*/ 0 h 1912502"/>
+              <a:gd name="connsiteX2" fmla="*/ 4291896 w 4291896"/>
+              <a:gd name="connsiteY2" fmla="*/ 1116842 h 1912502"/>
+              <a:gd name="connsiteX3" fmla="*/ 2175144 w 4291896"/>
+              <a:gd name="connsiteY3" fmla="*/ 1124141 h 1912502"/>
+              <a:gd name="connsiteX4" fmla="*/ 2160546 w 4291896"/>
+              <a:gd name="connsiteY4" fmla="*/ 1912502 h 1912502"/>
+              <a:gd name="connsiteX5" fmla="*/ 0 w 4291896"/>
+              <a:gd name="connsiteY5" fmla="*/ 1890603 h 1912502"/>
+              <a:gd name="connsiteX6" fmla="*/ 0 w 4291896"/>
+              <a:gd name="connsiteY6" fmla="*/ 0 h 1912502"/>
+              <a:gd name="connsiteX0" fmla="*/ 0 w 4291896"/>
+              <a:gd name="connsiteY0" fmla="*/ 0 h 1912502"/>
+              <a:gd name="connsiteX1" fmla="*/ 4291896 w 4291896"/>
+              <a:gd name="connsiteY1" fmla="*/ 0 h 1912502"/>
+              <a:gd name="connsiteX2" fmla="*/ 4291896 w 4291896"/>
+              <a:gd name="connsiteY2" fmla="*/ 1116842 h 1912502"/>
+              <a:gd name="connsiteX3" fmla="*/ 2145947 w 4291896"/>
+              <a:gd name="connsiteY3" fmla="*/ 1124141 h 1912502"/>
+              <a:gd name="connsiteX4" fmla="*/ 2160546 w 4291896"/>
+              <a:gd name="connsiteY4" fmla="*/ 1912502 h 1912502"/>
+              <a:gd name="connsiteX5" fmla="*/ 0 w 4291896"/>
+              <a:gd name="connsiteY5" fmla="*/ 1890603 h 1912502"/>
+              <a:gd name="connsiteX6" fmla="*/ 0 w 4291896"/>
+              <a:gd name="connsiteY6" fmla="*/ 0 h 1912502"/>
+              <a:gd name="connsiteX0" fmla="*/ 0 w 4291896"/>
+              <a:gd name="connsiteY0" fmla="*/ 0 h 1912502"/>
+              <a:gd name="connsiteX1" fmla="*/ 4291896 w 4291896"/>
+              <a:gd name="connsiteY1" fmla="*/ 0 h 1912502"/>
+              <a:gd name="connsiteX2" fmla="*/ 4291896 w 4291896"/>
+              <a:gd name="connsiteY2" fmla="*/ 1116842 h 1912502"/>
+              <a:gd name="connsiteX3" fmla="*/ 2160545 w 4291896"/>
+              <a:gd name="connsiteY3" fmla="*/ 1124141 h 1912502"/>
+              <a:gd name="connsiteX4" fmla="*/ 2160546 w 4291896"/>
+              <a:gd name="connsiteY4" fmla="*/ 1912502 h 1912502"/>
+              <a:gd name="connsiteX5" fmla="*/ 0 w 4291896"/>
+              <a:gd name="connsiteY5" fmla="*/ 1890603 h 1912502"/>
+              <a:gd name="connsiteX6" fmla="*/ 0 w 4291896"/>
+              <a:gd name="connsiteY6" fmla="*/ 0 h 1912502"/>
+              <a:gd name="connsiteX0" fmla="*/ 0 w 4291896"/>
+              <a:gd name="connsiteY0" fmla="*/ 0 h 1890603"/>
+              <a:gd name="connsiteX1" fmla="*/ 4291896 w 4291896"/>
+              <a:gd name="connsiteY1" fmla="*/ 0 h 1890603"/>
+              <a:gd name="connsiteX2" fmla="*/ 4291896 w 4291896"/>
+              <a:gd name="connsiteY2" fmla="*/ 1116842 h 1890603"/>
+              <a:gd name="connsiteX3" fmla="*/ 2160545 w 4291896"/>
+              <a:gd name="connsiteY3" fmla="*/ 1124141 h 1890603"/>
+              <a:gd name="connsiteX4" fmla="*/ 2189742 w 4291896"/>
+              <a:gd name="connsiteY4" fmla="*/ 1883303 h 1890603"/>
+              <a:gd name="connsiteX5" fmla="*/ 0 w 4291896"/>
+              <a:gd name="connsiteY5" fmla="*/ 1890603 h 1890603"/>
+              <a:gd name="connsiteX6" fmla="*/ 0 w 4291896"/>
+              <a:gd name="connsiteY6" fmla="*/ 0 h 1890603"/>
+              <a:gd name="connsiteX0" fmla="*/ 0 w 4291896"/>
+              <a:gd name="connsiteY0" fmla="*/ 0 h 1890603"/>
+              <a:gd name="connsiteX1" fmla="*/ 4291896 w 4291896"/>
+              <a:gd name="connsiteY1" fmla="*/ 0 h 1890603"/>
+              <a:gd name="connsiteX2" fmla="*/ 4291896 w 4291896"/>
+              <a:gd name="connsiteY2" fmla="*/ 1116842 h 1890603"/>
+              <a:gd name="connsiteX3" fmla="*/ 2160545 w 4291896"/>
+              <a:gd name="connsiteY3" fmla="*/ 1124141 h 1890603"/>
+              <a:gd name="connsiteX4" fmla="*/ 2175144 w 4291896"/>
+              <a:gd name="connsiteY4" fmla="*/ 1883303 h 1890603"/>
+              <a:gd name="connsiteX5" fmla="*/ 0 w 4291896"/>
+              <a:gd name="connsiteY5" fmla="*/ 1890603 h 1890603"/>
+              <a:gd name="connsiteX6" fmla="*/ 0 w 4291896"/>
+              <a:gd name="connsiteY6" fmla="*/ 0 h 1890603"/>
+              <a:gd name="connsiteX0" fmla="*/ 0 w 4291896"/>
+              <a:gd name="connsiteY0" fmla="*/ 0 h 1890603"/>
+              <a:gd name="connsiteX1" fmla="*/ 4291896 w 4291896"/>
+              <a:gd name="connsiteY1" fmla="*/ 0 h 1890603"/>
+              <a:gd name="connsiteX2" fmla="*/ 4291896 w 4291896"/>
+              <a:gd name="connsiteY2" fmla="*/ 1116842 h 1890603"/>
+              <a:gd name="connsiteX3" fmla="*/ 2189742 w 4291896"/>
+              <a:gd name="connsiteY3" fmla="*/ 1270133 h 1890603"/>
+              <a:gd name="connsiteX4" fmla="*/ 2175144 w 4291896"/>
+              <a:gd name="connsiteY4" fmla="*/ 1883303 h 1890603"/>
+              <a:gd name="connsiteX5" fmla="*/ 0 w 4291896"/>
+              <a:gd name="connsiteY5" fmla="*/ 1890603 h 1890603"/>
+              <a:gd name="connsiteX6" fmla="*/ 0 w 4291896"/>
+              <a:gd name="connsiteY6" fmla="*/ 0 h 1890603"/>
+              <a:gd name="connsiteX0" fmla="*/ 0 w 4291896"/>
+              <a:gd name="connsiteY0" fmla="*/ 0 h 1890603"/>
+              <a:gd name="connsiteX1" fmla="*/ 4291896 w 4291896"/>
+              <a:gd name="connsiteY1" fmla="*/ 0 h 1890603"/>
+              <a:gd name="connsiteX2" fmla="*/ 4291896 w 4291896"/>
+              <a:gd name="connsiteY2" fmla="*/ 1292033 h 1890603"/>
+              <a:gd name="connsiteX3" fmla="*/ 2189742 w 4291896"/>
+              <a:gd name="connsiteY3" fmla="*/ 1270133 h 1890603"/>
+              <a:gd name="connsiteX4" fmla="*/ 2175144 w 4291896"/>
+              <a:gd name="connsiteY4" fmla="*/ 1883303 h 1890603"/>
+              <a:gd name="connsiteX5" fmla="*/ 0 w 4291896"/>
+              <a:gd name="connsiteY5" fmla="*/ 1890603 h 1890603"/>
+              <a:gd name="connsiteX6" fmla="*/ 0 w 4291896"/>
+              <a:gd name="connsiteY6" fmla="*/ 0 h 1890603"/>
+              <a:gd name="connsiteX0" fmla="*/ 0 w 4291896"/>
+              <a:gd name="connsiteY0" fmla="*/ 0 h 1890603"/>
+              <a:gd name="connsiteX1" fmla="*/ 4291896 w 4291896"/>
+              <a:gd name="connsiteY1" fmla="*/ 0 h 1890603"/>
+              <a:gd name="connsiteX2" fmla="*/ 4291896 w 4291896"/>
+              <a:gd name="connsiteY2" fmla="*/ 1292033 h 1890603"/>
+              <a:gd name="connsiteX3" fmla="*/ 2175143 w 4291896"/>
+              <a:gd name="connsiteY3" fmla="*/ 1270133 h 1890603"/>
+              <a:gd name="connsiteX4" fmla="*/ 2175144 w 4291896"/>
+              <a:gd name="connsiteY4" fmla="*/ 1883303 h 1890603"/>
+              <a:gd name="connsiteX5" fmla="*/ 0 w 4291896"/>
+              <a:gd name="connsiteY5" fmla="*/ 1890603 h 1890603"/>
+              <a:gd name="connsiteX6" fmla="*/ 0 w 4291896"/>
+              <a:gd name="connsiteY6" fmla="*/ 0 h 1890603"/>
+              <a:gd name="connsiteX0" fmla="*/ 0 w 4291896"/>
+              <a:gd name="connsiteY0" fmla="*/ 0 h 1890603"/>
+              <a:gd name="connsiteX1" fmla="*/ 4291896 w 4291896"/>
+              <a:gd name="connsiteY1" fmla="*/ 0 h 1890603"/>
+              <a:gd name="connsiteX2" fmla="*/ 4291896 w 4291896"/>
+              <a:gd name="connsiteY2" fmla="*/ 1270135 h 1890603"/>
+              <a:gd name="connsiteX3" fmla="*/ 2175143 w 4291896"/>
+              <a:gd name="connsiteY3" fmla="*/ 1270133 h 1890603"/>
+              <a:gd name="connsiteX4" fmla="*/ 2175144 w 4291896"/>
+              <a:gd name="connsiteY4" fmla="*/ 1883303 h 1890603"/>
+              <a:gd name="connsiteX5" fmla="*/ 0 w 4291896"/>
+              <a:gd name="connsiteY5" fmla="*/ 1890603 h 1890603"/>
+              <a:gd name="connsiteX6" fmla="*/ 0 w 4291896"/>
+              <a:gd name="connsiteY6" fmla="*/ 0 h 1890603"/>
+            </a:gdLst>
+            <a:ahLst/>
+            <a:cxnLst>
+              <a:cxn ang="0">
+                <a:pos x="connsiteX0" y="connsiteY0"/>
+              </a:cxn>
+              <a:cxn ang="0">
+                <a:pos x="connsiteX1" y="connsiteY1"/>
+              </a:cxn>
+              <a:cxn ang="0">
+                <a:pos x="connsiteX2" y="connsiteY2"/>
+              </a:cxn>
+              <a:cxn ang="0">
+                <a:pos x="connsiteX3" y="connsiteY3"/>
+              </a:cxn>
+              <a:cxn ang="0">
+                <a:pos x="connsiteX4" y="connsiteY4"/>
+              </a:cxn>
+              <a:cxn ang="0">
+                <a:pos x="connsiteX5" y="connsiteY5"/>
+              </a:cxn>
+              <a:cxn ang="0">
+                <a:pos x="connsiteX6" y="connsiteY6"/>
+              </a:cxn>
+            </a:cxnLst>
+            <a:rect l="l" t="t" r="r" b="b"/>
+            <a:pathLst>
+              <a:path w="4291896" h="1890603">
+                <a:moveTo>
+                  <a:pt x="0" y="0"/>
+                </a:moveTo>
+                <a:lnTo>
+                  <a:pt x="4291896" y="0"/>
+                </a:lnTo>
+                <a:lnTo>
+                  <a:pt x="4291896" y="1270135"/>
+                </a:lnTo>
+                <a:lnTo>
+                  <a:pt x="2175143" y="1270133"/>
+                </a:lnTo>
+                <a:cubicBezTo>
+                  <a:pt x="2175143" y="1532920"/>
+                  <a:pt x="2175144" y="1620516"/>
+                  <a:pt x="2175144" y="1883303"/>
+                </a:cubicBezTo>
+                <a:lnTo>
+                  <a:pt x="0" y="1890603"/>
+                </a:lnTo>
+                <a:lnTo>
+                  <a:pt x="0" y="0"/>
+                </a:lnTo>
+                <a:close/>
+              </a:path>
+            </a:pathLst>
+          </a:custGeom>
           <a:gradFill>
             <a:gsLst>
               <a:gs pos="0">
@@ -16281,14 +16941,14 @@
           <a:p>
             <a:pPr algn="ctr"/>
             <a:r>
-              <a:rPr kumimoji="1" lang="en-US" altLang="ja-JP" dirty="0" smtClean="0">
+              <a:rPr lang="en-US" altLang="ja-JP" sz="900" dirty="0" smtClean="0">
                 <a:solidFill>
                   <a:srgbClr val="000000"/>
                 </a:solidFill>
               </a:rPr>
               <a:t>Cadencii</a:t>
             </a:r>
-            <a:endParaRPr kumimoji="1" lang="ja-JP" altLang="en-US" dirty="0">
+            <a:endParaRPr kumimoji="1" lang="ja-JP" altLang="en-US" sz="900" dirty="0">
               <a:solidFill>
                 <a:srgbClr val="000000"/>
               </a:solidFill>
@@ -16298,18 +16958,35 @@
       </p:sp>
       <p:sp>
         <p:nvSpPr>
-          <p:cNvPr id="9" name="正方形/長方形 8"/>
+          <p:cNvPr id="24" name="正方形/長方形 23"/>
           <p:cNvSpPr/>
           <p:nvPr/>
         </p:nvSpPr>
         <p:spPr>
           <a:xfrm>
-            <a:off x="498550" y="5964296"/>
-            <a:ext cx="4291896" cy="569371"/>
+            <a:off x="7194616" y="1663008"/>
+            <a:ext cx="1029180" cy="273736"/>
           </a:xfrm>
           <a:prstGeom prst="rect">
             <a:avLst/>
           </a:prstGeom>
+          <a:gradFill flip="none" rotWithShape="1">
+            <a:gsLst>
+              <a:gs pos="0">
+                <a:srgbClr val="BFBE28"/>
+              </a:gs>
+              <a:gs pos="100000">
+                <a:srgbClr val="FFFF35"/>
+              </a:gs>
+            </a:gsLst>
+            <a:lin ang="16200000" scaled="0"/>
+            <a:tileRect/>
+          </a:gradFill>
+          <a:ln>
+            <a:solidFill>
+              <a:srgbClr val="8F8F1E"/>
+            </a:solidFill>
+          </a:ln>
         </p:spPr>
         <p:style>
           <a:lnRef idx="1">
@@ -16331,14 +17008,102 @@
           <a:p>
             <a:pPr algn="ctr"/>
             <a:r>
-              <a:rPr kumimoji="1" lang="en-US" altLang="ja-JP" dirty="0" smtClean="0">
+              <a:rPr kumimoji="1" lang="en-US" altLang="ja-JP" sz="900" dirty="0" smtClean="0">
+                <a:solidFill>
+                  <a:srgbClr val="000000"/>
+                </a:solidFill>
+              </a:rPr>
+              <a:t>VOCALOID </a:t>
+            </a:r>
+            <a:r>
+              <a:rPr kumimoji="1" lang="en-US" altLang="ja-JP" sz="900" dirty="0" err="1" smtClean="0">
+                <a:solidFill>
+                  <a:srgbClr val="000000"/>
+                </a:solidFill>
+              </a:rPr>
+              <a:t>VSTi</a:t>
+            </a:r>
+            <a:endParaRPr kumimoji="1" lang="ja-JP" altLang="en-US" sz="900" dirty="0">
+              <a:solidFill>
+                <a:srgbClr val="000000"/>
+              </a:solidFill>
+            </a:endParaRPr>
+          </a:p>
+        </p:txBody>
+      </p:sp>
+      <p:sp>
+        <p:nvSpPr>
+          <p:cNvPr id="25" name="テキスト ボックス 24"/>
+          <p:cNvSpPr txBox="1"/>
+          <p:nvPr/>
+        </p:nvSpPr>
+        <p:spPr>
+          <a:xfrm>
+            <a:off x="6092650" y="810013"/>
+            <a:ext cx="1144965" cy="230832"/>
+          </a:xfrm>
+          <a:prstGeom prst="rect">
+            <a:avLst/>
+          </a:prstGeom>
+          <a:noFill/>
+        </p:spPr>
+        <p:txBody>
+          <a:bodyPr wrap="none" rtlCol="0">
+            <a:spAutoFit/>
+          </a:bodyPr>
+          <a:lstStyle/>
+          <a:p>
+            <a:r>
+              <a:rPr kumimoji="1" lang="en-US" altLang="ja-JP" sz="900" dirty="0" smtClean="0"/>
+              <a:t>VOCALOID Windows</a:t>
+            </a:r>
+            <a:endParaRPr kumimoji="1" lang="ja-JP" altLang="en-US" sz="900" dirty="0"/>
+          </a:p>
+        </p:txBody>
+      </p:sp>
+      <p:sp>
+        <p:nvSpPr>
+          <p:cNvPr id="26" name="正方形/長方形 25"/>
+          <p:cNvSpPr/>
+          <p:nvPr/>
+        </p:nvSpPr>
+        <p:spPr>
+          <a:xfrm>
+            <a:off x="6120455" y="4911841"/>
+            <a:ext cx="2145948" cy="284686"/>
+          </a:xfrm>
+          <a:prstGeom prst="rect">
+            <a:avLst/>
+          </a:prstGeom>
+        </p:spPr>
+        <p:style>
+          <a:lnRef idx="1">
+            <a:schemeClr val="accent1"/>
+          </a:lnRef>
+          <a:fillRef idx="3">
+            <a:schemeClr val="accent1"/>
+          </a:fillRef>
+          <a:effectRef idx="2">
+            <a:schemeClr val="accent1"/>
+          </a:effectRef>
+          <a:fontRef idx="minor">
+            <a:schemeClr val="lt1"/>
+          </a:fontRef>
+        </p:style>
+        <p:txBody>
+          <a:bodyPr rtlCol="0" anchor="ctr"/>
+          <a:lstStyle/>
+          <a:p>
+            <a:pPr algn="ctr"/>
+            <a:r>
+              <a:rPr kumimoji="1" lang="en-US" altLang="ja-JP" sz="900" dirty="0" smtClean="0">
                 <a:solidFill>
                   <a:schemeClr val="tx1"/>
                 </a:solidFill>
               </a:rPr>
               <a:t>Macintosh OS</a:t>
             </a:r>
-            <a:endParaRPr kumimoji="1" lang="ja-JP" altLang="en-US" dirty="0">
+            <a:endParaRPr kumimoji="1" lang="ja-JP" altLang="en-US" sz="900" dirty="0">
               <a:solidFill>
                 <a:schemeClr val="tx1"/>
               </a:solidFill>
@@ -16348,14 +17113,14 @@
       </p:sp>
       <p:sp>
         <p:nvSpPr>
-          <p:cNvPr id="10" name="正方形/長方形 9"/>
+          <p:cNvPr id="27" name="正方形/長方形 26"/>
           <p:cNvSpPr/>
           <p:nvPr/>
         </p:nvSpPr>
         <p:spPr>
           <a:xfrm>
-            <a:off x="498549" y="5343830"/>
-            <a:ext cx="2059200" cy="547471"/>
+            <a:off x="6120455" y="4601608"/>
+            <a:ext cx="893726" cy="273736"/>
           </a:xfrm>
           <a:prstGeom prst="rect">
             <a:avLst/>
@@ -16398,14 +17163,14 @@
           <a:p>
             <a:pPr algn="ctr"/>
             <a:r>
-              <a:rPr lang="en-US" altLang="ja-JP" dirty="0" smtClean="0">
+              <a:rPr lang="en-US" altLang="ja-JP" sz="900" dirty="0" smtClean="0">
                 <a:solidFill>
                   <a:srgbClr val="000000"/>
                 </a:solidFill>
               </a:rPr>
               <a:t>Java VM</a:t>
             </a:r>
-            <a:endParaRPr kumimoji="1" lang="ja-JP" altLang="en-US" dirty="0">
+            <a:endParaRPr kumimoji="1" lang="ja-JP" altLang="en-US" sz="900" dirty="0">
               <a:solidFill>
                 <a:srgbClr val="000000"/>
               </a:solidFill>
@@ -16415,14 +17180,14 @@
       </p:sp>
       <p:sp>
         <p:nvSpPr>
-          <p:cNvPr id="11" name="正方形/長方形 10"/>
+          <p:cNvPr id="28" name="正方形/長方形 27"/>
           <p:cNvSpPr/>
           <p:nvPr/>
         </p:nvSpPr>
         <p:spPr>
           <a:xfrm>
-            <a:off x="2740161" y="5345340"/>
-            <a:ext cx="2050285" cy="547471"/>
+            <a:off x="7372768" y="4602363"/>
+            <a:ext cx="893635" cy="273736"/>
           </a:xfrm>
           <a:prstGeom prst="rect">
             <a:avLst/>
@@ -16465,14 +17230,14 @@
           <a:p>
             <a:pPr algn="ctr"/>
             <a:r>
-              <a:rPr lang="en-US" altLang="ja-JP" dirty="0" smtClean="0">
+              <a:rPr lang="en-US" altLang="ja-JP" sz="700" dirty="0" smtClean="0">
                 <a:solidFill>
                   <a:srgbClr val="000000"/>
                 </a:solidFill>
               </a:rPr>
               <a:t>Wine</a:t>
             </a:r>
-            <a:endParaRPr kumimoji="1" lang="ja-JP" altLang="en-US" dirty="0">
+            <a:endParaRPr kumimoji="1" lang="ja-JP" altLang="en-US" sz="700" dirty="0">
               <a:solidFill>
                 <a:srgbClr val="000000"/>
               </a:solidFill>
@@ -16482,14 +17247,90 @@
       </p:sp>
       <p:sp>
         <p:nvSpPr>
-          <p:cNvPr id="16" name="テキスト ボックス 15"/>
+          <p:cNvPr id="29" name="右矢印 28"/>
+          <p:cNvSpPr/>
+          <p:nvPr/>
+        </p:nvSpPr>
+        <p:spPr>
+          <a:xfrm>
+            <a:off x="7060826" y="4154114"/>
+            <a:ext cx="265206" cy="97118"/>
+          </a:xfrm>
+          <a:prstGeom prst="rightArrow">
+            <a:avLst/>
+          </a:prstGeom>
+        </p:spPr>
+        <p:style>
+          <a:lnRef idx="1">
+            <a:schemeClr val="accent1"/>
+          </a:lnRef>
+          <a:fillRef idx="3">
+            <a:schemeClr val="accent1"/>
+          </a:fillRef>
+          <a:effectRef idx="2">
+            <a:schemeClr val="accent1"/>
+          </a:effectRef>
+          <a:fontRef idx="minor">
+            <a:schemeClr val="lt1"/>
+          </a:fontRef>
+        </p:style>
+        <p:txBody>
+          <a:bodyPr rtlCol="0" anchor="ctr"/>
+          <a:lstStyle/>
+          <a:p>
+            <a:pPr algn="ctr"/>
+            <a:endParaRPr kumimoji="1" lang="ja-JP" altLang="en-US" sz="700"/>
+          </a:p>
+        </p:txBody>
+      </p:sp>
+      <p:sp>
+        <p:nvSpPr>
+          <p:cNvPr id="30" name="右矢印 29"/>
+          <p:cNvSpPr/>
+          <p:nvPr/>
+        </p:nvSpPr>
+        <p:spPr>
+          <a:xfrm flipH="1">
+            <a:off x="7060826" y="4301286"/>
+            <a:ext cx="265206" cy="97118"/>
+          </a:xfrm>
+          <a:prstGeom prst="rightArrow">
+            <a:avLst/>
+          </a:prstGeom>
+        </p:spPr>
+        <p:style>
+          <a:lnRef idx="1">
+            <a:schemeClr val="accent1"/>
+          </a:lnRef>
+          <a:fillRef idx="3">
+            <a:schemeClr val="accent1"/>
+          </a:fillRef>
+          <a:effectRef idx="2">
+            <a:schemeClr val="accent1"/>
+          </a:effectRef>
+          <a:fontRef idx="minor">
+            <a:schemeClr val="lt1"/>
+          </a:fontRef>
+        </p:style>
+        <p:txBody>
+          <a:bodyPr rtlCol="0" anchor="ctr"/>
+          <a:lstStyle/>
+          <a:p>
+            <a:pPr algn="ctr"/>
+            <a:endParaRPr kumimoji="1" lang="ja-JP" altLang="en-US" sz="700"/>
+          </a:p>
+        </p:txBody>
+      </p:sp>
+      <p:sp>
+        <p:nvSpPr>
+          <p:cNvPr id="31" name="テキスト ボックス 30"/>
           <p:cNvSpPr txBox="1"/>
           <p:nvPr/>
         </p:nvSpPr>
         <p:spPr>
           <a:xfrm>
-            <a:off x="536229" y="3580515"/>
-            <a:ext cx="1769497" cy="369332"/>
+            <a:off x="7007112" y="4004704"/>
+            <a:ext cx="364202" cy="200055"/>
           </a:xfrm>
           <a:prstGeom prst="rect">
             <a:avLst/>
@@ -16502,28 +17343,660 @@
           </a:bodyPr>
           <a:lstStyle/>
           <a:p>
-            <a:r>
-              <a:rPr lang="en-US" altLang="ja-JP" dirty="0" smtClean="0"/>
-              <a:t>UTAU</a:t>
-            </a:r>
-            <a:r>
-              <a:rPr kumimoji="1" lang="en-US" altLang="ja-JP" dirty="0" smtClean="0"/>
-              <a:t> Macintosh</a:t>
-            </a:r>
-            <a:endParaRPr kumimoji="1" lang="ja-JP" altLang="en-US" dirty="0"/>
-          </a:p>
-        </p:txBody>
-      </p:sp>
-      <p:sp>
-        <p:nvSpPr>
-          <p:cNvPr id="19" name="正方形/長方形 18"/>
+            <a:pPr algn="ctr"/>
+            <a:r>
+              <a:rPr kumimoji="1" lang="en-US" altLang="ja-JP" sz="700" dirty="0" smtClean="0"/>
+              <a:t>MIDI</a:t>
+            </a:r>
+            <a:endParaRPr kumimoji="1" lang="ja-JP" altLang="en-US" sz="700" dirty="0"/>
+          </a:p>
+        </p:txBody>
+      </p:sp>
+      <p:sp>
+        <p:nvSpPr>
+          <p:cNvPr id="32" name="テキスト ボックス 31"/>
+          <p:cNvSpPr txBox="1"/>
+          <p:nvPr/>
+        </p:nvSpPr>
+        <p:spPr>
+          <a:xfrm>
+            <a:off x="6987814" y="4374805"/>
+            <a:ext cx="411234" cy="200055"/>
+          </a:xfrm>
+          <a:prstGeom prst="rect">
+            <a:avLst/>
+          </a:prstGeom>
+          <a:noFill/>
+        </p:spPr>
+        <p:txBody>
+          <a:bodyPr wrap="none" rtlCol="0">
+            <a:spAutoFit/>
+          </a:bodyPr>
+          <a:lstStyle/>
+          <a:p>
+            <a:pPr algn="ctr"/>
+            <a:r>
+              <a:rPr lang="en-US" altLang="ja-JP" sz="700" dirty="0" smtClean="0"/>
+              <a:t>WAVE</a:t>
+            </a:r>
+            <a:endParaRPr kumimoji="1" lang="ja-JP" altLang="en-US" sz="700" dirty="0"/>
+          </a:p>
+        </p:txBody>
+      </p:sp>
+      <p:sp>
+        <p:nvSpPr>
+          <p:cNvPr id="33" name="テキスト ボックス 32"/>
+          <p:cNvSpPr txBox="1"/>
+          <p:nvPr/>
+        </p:nvSpPr>
+        <p:spPr>
+          <a:xfrm>
+            <a:off x="6139295" y="3719951"/>
+            <a:ext cx="1201208" cy="230832"/>
+          </a:xfrm>
+          <a:prstGeom prst="rect">
+            <a:avLst/>
+          </a:prstGeom>
+          <a:noFill/>
+        </p:spPr>
+        <p:txBody>
+          <a:bodyPr wrap="none" rtlCol="0">
+            <a:spAutoFit/>
+          </a:bodyPr>
+          <a:lstStyle/>
+          <a:p>
+            <a:r>
+              <a:rPr kumimoji="1" lang="en-US" altLang="ja-JP" sz="900" dirty="0" smtClean="0"/>
+              <a:t>VOCALOID Macintosh</a:t>
+            </a:r>
+            <a:endParaRPr kumimoji="1" lang="ja-JP" altLang="en-US" sz="900" dirty="0"/>
+          </a:p>
+        </p:txBody>
+      </p:sp>
+      <p:sp>
+        <p:nvSpPr>
+          <p:cNvPr id="34" name="正方形/長方形 3"/>
           <p:cNvSpPr/>
           <p:nvPr/>
         </p:nvSpPr>
         <p:spPr>
           <a:xfrm>
-            <a:off x="2740161" y="3995822"/>
-            <a:ext cx="2050285" cy="1271583"/>
+            <a:off x="7374646" y="3930797"/>
+            <a:ext cx="895795" cy="632599"/>
+          </a:xfrm>
+          <a:custGeom>
+            <a:avLst/>
+            <a:gdLst>
+              <a:gd name="connsiteX0" fmla="*/ 0 w 4291896"/>
+              <a:gd name="connsiteY0" fmla="*/ 0 h 1890603"/>
+              <a:gd name="connsiteX1" fmla="*/ 4291896 w 4291896"/>
+              <a:gd name="connsiteY1" fmla="*/ 0 h 1890603"/>
+              <a:gd name="connsiteX2" fmla="*/ 4291896 w 4291896"/>
+              <a:gd name="connsiteY2" fmla="*/ 1890603 h 1890603"/>
+              <a:gd name="connsiteX3" fmla="*/ 0 w 4291896"/>
+              <a:gd name="connsiteY3" fmla="*/ 1890603 h 1890603"/>
+              <a:gd name="connsiteX4" fmla="*/ 0 w 4291896"/>
+              <a:gd name="connsiteY4" fmla="*/ 0 h 1890603"/>
+              <a:gd name="connsiteX0" fmla="*/ 0 w 4291896"/>
+              <a:gd name="connsiteY0" fmla="*/ 0 h 1890603"/>
+              <a:gd name="connsiteX1" fmla="*/ 4291896 w 4291896"/>
+              <a:gd name="connsiteY1" fmla="*/ 0 h 1890603"/>
+              <a:gd name="connsiteX2" fmla="*/ 4291896 w 4291896"/>
+              <a:gd name="connsiteY2" fmla="*/ 1890603 h 1890603"/>
+              <a:gd name="connsiteX3" fmla="*/ 4262698 w 4291896"/>
+              <a:gd name="connsiteY3" fmla="*/ 1839505 h 1890603"/>
+              <a:gd name="connsiteX4" fmla="*/ 0 w 4291896"/>
+              <a:gd name="connsiteY4" fmla="*/ 1890603 h 1890603"/>
+              <a:gd name="connsiteX5" fmla="*/ 0 w 4291896"/>
+              <a:gd name="connsiteY5" fmla="*/ 0 h 1890603"/>
+              <a:gd name="connsiteX0" fmla="*/ 0 w 4291896"/>
+              <a:gd name="connsiteY0" fmla="*/ 0 h 1890603"/>
+              <a:gd name="connsiteX1" fmla="*/ 4291896 w 4291896"/>
+              <a:gd name="connsiteY1" fmla="*/ 0 h 1890603"/>
+              <a:gd name="connsiteX2" fmla="*/ 4291896 w 4291896"/>
+              <a:gd name="connsiteY2" fmla="*/ 1890603 h 1890603"/>
+              <a:gd name="connsiteX3" fmla="*/ 3138630 w 4291896"/>
+              <a:gd name="connsiteY3" fmla="*/ 1883303 h 1890603"/>
+              <a:gd name="connsiteX4" fmla="*/ 0 w 4291896"/>
+              <a:gd name="connsiteY4" fmla="*/ 1890603 h 1890603"/>
+              <a:gd name="connsiteX5" fmla="*/ 0 w 4291896"/>
+              <a:gd name="connsiteY5" fmla="*/ 0 h 1890603"/>
+              <a:gd name="connsiteX0" fmla="*/ 0 w 4291896"/>
+              <a:gd name="connsiteY0" fmla="*/ 0 h 1890603"/>
+              <a:gd name="connsiteX1" fmla="*/ 4291896 w 4291896"/>
+              <a:gd name="connsiteY1" fmla="*/ 0 h 1890603"/>
+              <a:gd name="connsiteX2" fmla="*/ 4291896 w 4291896"/>
+              <a:gd name="connsiteY2" fmla="*/ 1890603 h 1890603"/>
+              <a:gd name="connsiteX3" fmla="*/ 4262698 w 4291896"/>
+              <a:gd name="connsiteY3" fmla="*/ 1868703 h 1890603"/>
+              <a:gd name="connsiteX4" fmla="*/ 3138630 w 4291896"/>
+              <a:gd name="connsiteY4" fmla="*/ 1883303 h 1890603"/>
+              <a:gd name="connsiteX5" fmla="*/ 0 w 4291896"/>
+              <a:gd name="connsiteY5" fmla="*/ 1890603 h 1890603"/>
+              <a:gd name="connsiteX6" fmla="*/ 0 w 4291896"/>
+              <a:gd name="connsiteY6" fmla="*/ 0 h 1890603"/>
+              <a:gd name="connsiteX0" fmla="*/ 0 w 4291896"/>
+              <a:gd name="connsiteY0" fmla="*/ 0 h 1890603"/>
+              <a:gd name="connsiteX1" fmla="*/ 4291896 w 4291896"/>
+              <a:gd name="connsiteY1" fmla="*/ 0 h 1890603"/>
+              <a:gd name="connsiteX2" fmla="*/ 4291896 w 4291896"/>
+              <a:gd name="connsiteY2" fmla="*/ 1890603 h 1890603"/>
+              <a:gd name="connsiteX3" fmla="*/ 3124032 w 4291896"/>
+              <a:gd name="connsiteY3" fmla="*/ 1109542 h 1890603"/>
+              <a:gd name="connsiteX4" fmla="*/ 3138630 w 4291896"/>
+              <a:gd name="connsiteY4" fmla="*/ 1883303 h 1890603"/>
+              <a:gd name="connsiteX5" fmla="*/ 0 w 4291896"/>
+              <a:gd name="connsiteY5" fmla="*/ 1890603 h 1890603"/>
+              <a:gd name="connsiteX6" fmla="*/ 0 w 4291896"/>
+              <a:gd name="connsiteY6" fmla="*/ 0 h 1890603"/>
+              <a:gd name="connsiteX0" fmla="*/ 0 w 4291896"/>
+              <a:gd name="connsiteY0" fmla="*/ 0 h 1890603"/>
+              <a:gd name="connsiteX1" fmla="*/ 4291896 w 4291896"/>
+              <a:gd name="connsiteY1" fmla="*/ 0 h 1890603"/>
+              <a:gd name="connsiteX2" fmla="*/ 4291896 w 4291896"/>
+              <a:gd name="connsiteY2" fmla="*/ 1116842 h 1890603"/>
+              <a:gd name="connsiteX3" fmla="*/ 3124032 w 4291896"/>
+              <a:gd name="connsiteY3" fmla="*/ 1109542 h 1890603"/>
+              <a:gd name="connsiteX4" fmla="*/ 3138630 w 4291896"/>
+              <a:gd name="connsiteY4" fmla="*/ 1883303 h 1890603"/>
+              <a:gd name="connsiteX5" fmla="*/ 0 w 4291896"/>
+              <a:gd name="connsiteY5" fmla="*/ 1890603 h 1890603"/>
+              <a:gd name="connsiteX6" fmla="*/ 0 w 4291896"/>
+              <a:gd name="connsiteY6" fmla="*/ 0 h 1890603"/>
+              <a:gd name="connsiteX0" fmla="*/ 0 w 4291896"/>
+              <a:gd name="connsiteY0" fmla="*/ 0 h 1897902"/>
+              <a:gd name="connsiteX1" fmla="*/ 4291896 w 4291896"/>
+              <a:gd name="connsiteY1" fmla="*/ 0 h 1897902"/>
+              <a:gd name="connsiteX2" fmla="*/ 4291896 w 4291896"/>
+              <a:gd name="connsiteY2" fmla="*/ 1116842 h 1897902"/>
+              <a:gd name="connsiteX3" fmla="*/ 3124032 w 4291896"/>
+              <a:gd name="connsiteY3" fmla="*/ 1109542 h 1897902"/>
+              <a:gd name="connsiteX4" fmla="*/ 2145947 w 4291896"/>
+              <a:gd name="connsiteY4" fmla="*/ 1897902 h 1897902"/>
+              <a:gd name="connsiteX5" fmla="*/ 0 w 4291896"/>
+              <a:gd name="connsiteY5" fmla="*/ 1890603 h 1897902"/>
+              <a:gd name="connsiteX6" fmla="*/ 0 w 4291896"/>
+              <a:gd name="connsiteY6" fmla="*/ 0 h 1897902"/>
+              <a:gd name="connsiteX0" fmla="*/ 0 w 4291896"/>
+              <a:gd name="connsiteY0" fmla="*/ 0 h 1897902"/>
+              <a:gd name="connsiteX1" fmla="*/ 4291896 w 4291896"/>
+              <a:gd name="connsiteY1" fmla="*/ 0 h 1897902"/>
+              <a:gd name="connsiteX2" fmla="*/ 4291896 w 4291896"/>
+              <a:gd name="connsiteY2" fmla="*/ 1116842 h 1897902"/>
+              <a:gd name="connsiteX3" fmla="*/ 2175144 w 4291896"/>
+              <a:gd name="connsiteY3" fmla="*/ 1124141 h 1897902"/>
+              <a:gd name="connsiteX4" fmla="*/ 2145947 w 4291896"/>
+              <a:gd name="connsiteY4" fmla="*/ 1897902 h 1897902"/>
+              <a:gd name="connsiteX5" fmla="*/ 0 w 4291896"/>
+              <a:gd name="connsiteY5" fmla="*/ 1890603 h 1897902"/>
+              <a:gd name="connsiteX6" fmla="*/ 0 w 4291896"/>
+              <a:gd name="connsiteY6" fmla="*/ 0 h 1897902"/>
+              <a:gd name="connsiteX0" fmla="*/ 0 w 4291896"/>
+              <a:gd name="connsiteY0" fmla="*/ 0 h 1912502"/>
+              <a:gd name="connsiteX1" fmla="*/ 4291896 w 4291896"/>
+              <a:gd name="connsiteY1" fmla="*/ 0 h 1912502"/>
+              <a:gd name="connsiteX2" fmla="*/ 4291896 w 4291896"/>
+              <a:gd name="connsiteY2" fmla="*/ 1116842 h 1912502"/>
+              <a:gd name="connsiteX3" fmla="*/ 2175144 w 4291896"/>
+              <a:gd name="connsiteY3" fmla="*/ 1124141 h 1912502"/>
+              <a:gd name="connsiteX4" fmla="*/ 2189742 w 4291896"/>
+              <a:gd name="connsiteY4" fmla="*/ 1912502 h 1912502"/>
+              <a:gd name="connsiteX5" fmla="*/ 0 w 4291896"/>
+              <a:gd name="connsiteY5" fmla="*/ 1890603 h 1912502"/>
+              <a:gd name="connsiteX6" fmla="*/ 0 w 4291896"/>
+              <a:gd name="connsiteY6" fmla="*/ 0 h 1912502"/>
+              <a:gd name="connsiteX0" fmla="*/ 0 w 4291896"/>
+              <a:gd name="connsiteY0" fmla="*/ 0 h 1912502"/>
+              <a:gd name="connsiteX1" fmla="*/ 4291896 w 4291896"/>
+              <a:gd name="connsiteY1" fmla="*/ 0 h 1912502"/>
+              <a:gd name="connsiteX2" fmla="*/ 4291896 w 4291896"/>
+              <a:gd name="connsiteY2" fmla="*/ 1116842 h 1912502"/>
+              <a:gd name="connsiteX3" fmla="*/ 2175144 w 4291896"/>
+              <a:gd name="connsiteY3" fmla="*/ 1124141 h 1912502"/>
+              <a:gd name="connsiteX4" fmla="*/ 2160546 w 4291896"/>
+              <a:gd name="connsiteY4" fmla="*/ 1912502 h 1912502"/>
+              <a:gd name="connsiteX5" fmla="*/ 0 w 4291896"/>
+              <a:gd name="connsiteY5" fmla="*/ 1890603 h 1912502"/>
+              <a:gd name="connsiteX6" fmla="*/ 0 w 4291896"/>
+              <a:gd name="connsiteY6" fmla="*/ 0 h 1912502"/>
+              <a:gd name="connsiteX0" fmla="*/ 0 w 4291896"/>
+              <a:gd name="connsiteY0" fmla="*/ 0 h 1912502"/>
+              <a:gd name="connsiteX1" fmla="*/ 4291896 w 4291896"/>
+              <a:gd name="connsiteY1" fmla="*/ 0 h 1912502"/>
+              <a:gd name="connsiteX2" fmla="*/ 4291896 w 4291896"/>
+              <a:gd name="connsiteY2" fmla="*/ 1116842 h 1912502"/>
+              <a:gd name="connsiteX3" fmla="*/ 2175144 w 4291896"/>
+              <a:gd name="connsiteY3" fmla="*/ 1124141 h 1912502"/>
+              <a:gd name="connsiteX4" fmla="*/ 2160546 w 4291896"/>
+              <a:gd name="connsiteY4" fmla="*/ 1912502 h 1912502"/>
+              <a:gd name="connsiteX5" fmla="*/ 0 w 4291896"/>
+              <a:gd name="connsiteY5" fmla="*/ 1890603 h 1912502"/>
+              <a:gd name="connsiteX6" fmla="*/ 0 w 4291896"/>
+              <a:gd name="connsiteY6" fmla="*/ 0 h 1912502"/>
+              <a:gd name="connsiteX0" fmla="*/ 0 w 4291896"/>
+              <a:gd name="connsiteY0" fmla="*/ 0 h 1912502"/>
+              <a:gd name="connsiteX1" fmla="*/ 4291896 w 4291896"/>
+              <a:gd name="connsiteY1" fmla="*/ 0 h 1912502"/>
+              <a:gd name="connsiteX2" fmla="*/ 4291896 w 4291896"/>
+              <a:gd name="connsiteY2" fmla="*/ 1116842 h 1912502"/>
+              <a:gd name="connsiteX3" fmla="*/ 2145947 w 4291896"/>
+              <a:gd name="connsiteY3" fmla="*/ 1124141 h 1912502"/>
+              <a:gd name="connsiteX4" fmla="*/ 2160546 w 4291896"/>
+              <a:gd name="connsiteY4" fmla="*/ 1912502 h 1912502"/>
+              <a:gd name="connsiteX5" fmla="*/ 0 w 4291896"/>
+              <a:gd name="connsiteY5" fmla="*/ 1890603 h 1912502"/>
+              <a:gd name="connsiteX6" fmla="*/ 0 w 4291896"/>
+              <a:gd name="connsiteY6" fmla="*/ 0 h 1912502"/>
+              <a:gd name="connsiteX0" fmla="*/ 0 w 4291896"/>
+              <a:gd name="connsiteY0" fmla="*/ 0 h 1912502"/>
+              <a:gd name="connsiteX1" fmla="*/ 4291896 w 4291896"/>
+              <a:gd name="connsiteY1" fmla="*/ 0 h 1912502"/>
+              <a:gd name="connsiteX2" fmla="*/ 4291896 w 4291896"/>
+              <a:gd name="connsiteY2" fmla="*/ 1116842 h 1912502"/>
+              <a:gd name="connsiteX3" fmla="*/ 2160545 w 4291896"/>
+              <a:gd name="connsiteY3" fmla="*/ 1124141 h 1912502"/>
+              <a:gd name="connsiteX4" fmla="*/ 2160546 w 4291896"/>
+              <a:gd name="connsiteY4" fmla="*/ 1912502 h 1912502"/>
+              <a:gd name="connsiteX5" fmla="*/ 0 w 4291896"/>
+              <a:gd name="connsiteY5" fmla="*/ 1890603 h 1912502"/>
+              <a:gd name="connsiteX6" fmla="*/ 0 w 4291896"/>
+              <a:gd name="connsiteY6" fmla="*/ 0 h 1912502"/>
+              <a:gd name="connsiteX0" fmla="*/ 0 w 4291896"/>
+              <a:gd name="connsiteY0" fmla="*/ 0 h 1890603"/>
+              <a:gd name="connsiteX1" fmla="*/ 4291896 w 4291896"/>
+              <a:gd name="connsiteY1" fmla="*/ 0 h 1890603"/>
+              <a:gd name="connsiteX2" fmla="*/ 4291896 w 4291896"/>
+              <a:gd name="connsiteY2" fmla="*/ 1116842 h 1890603"/>
+              <a:gd name="connsiteX3" fmla="*/ 2160545 w 4291896"/>
+              <a:gd name="connsiteY3" fmla="*/ 1124141 h 1890603"/>
+              <a:gd name="connsiteX4" fmla="*/ 2189742 w 4291896"/>
+              <a:gd name="connsiteY4" fmla="*/ 1883303 h 1890603"/>
+              <a:gd name="connsiteX5" fmla="*/ 0 w 4291896"/>
+              <a:gd name="connsiteY5" fmla="*/ 1890603 h 1890603"/>
+              <a:gd name="connsiteX6" fmla="*/ 0 w 4291896"/>
+              <a:gd name="connsiteY6" fmla="*/ 0 h 1890603"/>
+              <a:gd name="connsiteX0" fmla="*/ 0 w 4291896"/>
+              <a:gd name="connsiteY0" fmla="*/ 0 h 1890603"/>
+              <a:gd name="connsiteX1" fmla="*/ 4291896 w 4291896"/>
+              <a:gd name="connsiteY1" fmla="*/ 0 h 1890603"/>
+              <a:gd name="connsiteX2" fmla="*/ 4291896 w 4291896"/>
+              <a:gd name="connsiteY2" fmla="*/ 1116842 h 1890603"/>
+              <a:gd name="connsiteX3" fmla="*/ 2160545 w 4291896"/>
+              <a:gd name="connsiteY3" fmla="*/ 1124141 h 1890603"/>
+              <a:gd name="connsiteX4" fmla="*/ 2175144 w 4291896"/>
+              <a:gd name="connsiteY4" fmla="*/ 1883303 h 1890603"/>
+              <a:gd name="connsiteX5" fmla="*/ 0 w 4291896"/>
+              <a:gd name="connsiteY5" fmla="*/ 1890603 h 1890603"/>
+              <a:gd name="connsiteX6" fmla="*/ 0 w 4291896"/>
+              <a:gd name="connsiteY6" fmla="*/ 0 h 1890603"/>
+              <a:gd name="connsiteX0" fmla="*/ 0 w 4291896"/>
+              <a:gd name="connsiteY0" fmla="*/ 0 h 1890603"/>
+              <a:gd name="connsiteX1" fmla="*/ 4291896 w 4291896"/>
+              <a:gd name="connsiteY1" fmla="*/ 0 h 1890603"/>
+              <a:gd name="connsiteX2" fmla="*/ 4291896 w 4291896"/>
+              <a:gd name="connsiteY2" fmla="*/ 1116842 h 1890603"/>
+              <a:gd name="connsiteX3" fmla="*/ 2189742 w 4291896"/>
+              <a:gd name="connsiteY3" fmla="*/ 1270133 h 1890603"/>
+              <a:gd name="connsiteX4" fmla="*/ 2175144 w 4291896"/>
+              <a:gd name="connsiteY4" fmla="*/ 1883303 h 1890603"/>
+              <a:gd name="connsiteX5" fmla="*/ 0 w 4291896"/>
+              <a:gd name="connsiteY5" fmla="*/ 1890603 h 1890603"/>
+              <a:gd name="connsiteX6" fmla="*/ 0 w 4291896"/>
+              <a:gd name="connsiteY6" fmla="*/ 0 h 1890603"/>
+              <a:gd name="connsiteX0" fmla="*/ 0 w 4291896"/>
+              <a:gd name="connsiteY0" fmla="*/ 0 h 1890603"/>
+              <a:gd name="connsiteX1" fmla="*/ 4291896 w 4291896"/>
+              <a:gd name="connsiteY1" fmla="*/ 0 h 1890603"/>
+              <a:gd name="connsiteX2" fmla="*/ 4291896 w 4291896"/>
+              <a:gd name="connsiteY2" fmla="*/ 1292033 h 1890603"/>
+              <a:gd name="connsiteX3" fmla="*/ 2189742 w 4291896"/>
+              <a:gd name="connsiteY3" fmla="*/ 1270133 h 1890603"/>
+              <a:gd name="connsiteX4" fmla="*/ 2175144 w 4291896"/>
+              <a:gd name="connsiteY4" fmla="*/ 1883303 h 1890603"/>
+              <a:gd name="connsiteX5" fmla="*/ 0 w 4291896"/>
+              <a:gd name="connsiteY5" fmla="*/ 1890603 h 1890603"/>
+              <a:gd name="connsiteX6" fmla="*/ 0 w 4291896"/>
+              <a:gd name="connsiteY6" fmla="*/ 0 h 1890603"/>
+              <a:gd name="connsiteX0" fmla="*/ 0 w 4291896"/>
+              <a:gd name="connsiteY0" fmla="*/ 0 h 1890603"/>
+              <a:gd name="connsiteX1" fmla="*/ 4291896 w 4291896"/>
+              <a:gd name="connsiteY1" fmla="*/ 0 h 1890603"/>
+              <a:gd name="connsiteX2" fmla="*/ 4291896 w 4291896"/>
+              <a:gd name="connsiteY2" fmla="*/ 1292033 h 1890603"/>
+              <a:gd name="connsiteX3" fmla="*/ 2175143 w 4291896"/>
+              <a:gd name="connsiteY3" fmla="*/ 1270133 h 1890603"/>
+              <a:gd name="connsiteX4" fmla="*/ 2175144 w 4291896"/>
+              <a:gd name="connsiteY4" fmla="*/ 1883303 h 1890603"/>
+              <a:gd name="connsiteX5" fmla="*/ 0 w 4291896"/>
+              <a:gd name="connsiteY5" fmla="*/ 1890603 h 1890603"/>
+              <a:gd name="connsiteX6" fmla="*/ 0 w 4291896"/>
+              <a:gd name="connsiteY6" fmla="*/ 0 h 1890603"/>
+              <a:gd name="connsiteX0" fmla="*/ 0 w 4291896"/>
+              <a:gd name="connsiteY0" fmla="*/ 0 h 1890603"/>
+              <a:gd name="connsiteX1" fmla="*/ 4291896 w 4291896"/>
+              <a:gd name="connsiteY1" fmla="*/ 0 h 1890603"/>
+              <a:gd name="connsiteX2" fmla="*/ 4291896 w 4291896"/>
+              <a:gd name="connsiteY2" fmla="*/ 1270135 h 1890603"/>
+              <a:gd name="connsiteX3" fmla="*/ 2175143 w 4291896"/>
+              <a:gd name="connsiteY3" fmla="*/ 1270133 h 1890603"/>
+              <a:gd name="connsiteX4" fmla="*/ 2175144 w 4291896"/>
+              <a:gd name="connsiteY4" fmla="*/ 1883303 h 1890603"/>
+              <a:gd name="connsiteX5" fmla="*/ 0 w 4291896"/>
+              <a:gd name="connsiteY5" fmla="*/ 1890603 h 1890603"/>
+              <a:gd name="connsiteX6" fmla="*/ 0 w 4291896"/>
+              <a:gd name="connsiteY6" fmla="*/ 0 h 1890603"/>
+              <a:gd name="connsiteX0" fmla="*/ 0 w 4291896"/>
+              <a:gd name="connsiteY0" fmla="*/ 0 h 1890603"/>
+              <a:gd name="connsiteX1" fmla="*/ 4291896 w 4291896"/>
+              <a:gd name="connsiteY1" fmla="*/ 0 h 1890603"/>
+              <a:gd name="connsiteX2" fmla="*/ 4291896 w 4291896"/>
+              <a:gd name="connsiteY2" fmla="*/ 1270135 h 1890603"/>
+              <a:gd name="connsiteX3" fmla="*/ 2175143 w 4291896"/>
+              <a:gd name="connsiteY3" fmla="*/ 1270133 h 1890603"/>
+              <a:gd name="connsiteX4" fmla="*/ 2123278 w 4291896"/>
+              <a:gd name="connsiteY4" fmla="*/ 1883303 h 1890603"/>
+              <a:gd name="connsiteX5" fmla="*/ 0 w 4291896"/>
+              <a:gd name="connsiteY5" fmla="*/ 1890603 h 1890603"/>
+              <a:gd name="connsiteX6" fmla="*/ 0 w 4291896"/>
+              <a:gd name="connsiteY6" fmla="*/ 0 h 1890603"/>
+              <a:gd name="connsiteX0" fmla="*/ 0 w 4291896"/>
+              <a:gd name="connsiteY0" fmla="*/ 0 h 1890603"/>
+              <a:gd name="connsiteX1" fmla="*/ 4291896 w 4291896"/>
+              <a:gd name="connsiteY1" fmla="*/ 0 h 1890603"/>
+              <a:gd name="connsiteX2" fmla="*/ 4291896 w 4291896"/>
+              <a:gd name="connsiteY2" fmla="*/ 1270135 h 1890603"/>
+              <a:gd name="connsiteX3" fmla="*/ 2112902 w 4291896"/>
+              <a:gd name="connsiteY3" fmla="*/ 895748 h 1890603"/>
+              <a:gd name="connsiteX4" fmla="*/ 2123278 w 4291896"/>
+              <a:gd name="connsiteY4" fmla="*/ 1883303 h 1890603"/>
+              <a:gd name="connsiteX5" fmla="*/ 0 w 4291896"/>
+              <a:gd name="connsiteY5" fmla="*/ 1890603 h 1890603"/>
+              <a:gd name="connsiteX6" fmla="*/ 0 w 4291896"/>
+              <a:gd name="connsiteY6" fmla="*/ 0 h 1890603"/>
+              <a:gd name="connsiteX0" fmla="*/ 0 w 4291896"/>
+              <a:gd name="connsiteY0" fmla="*/ 0 h 1890603"/>
+              <a:gd name="connsiteX1" fmla="*/ 4291896 w 4291896"/>
+              <a:gd name="connsiteY1" fmla="*/ 0 h 1890603"/>
+              <a:gd name="connsiteX2" fmla="*/ 4291896 w 4291896"/>
+              <a:gd name="connsiteY2" fmla="*/ 1270135 h 1890603"/>
+              <a:gd name="connsiteX3" fmla="*/ 2112902 w 4291896"/>
+              <a:gd name="connsiteY3" fmla="*/ 1011937 h 1890603"/>
+              <a:gd name="connsiteX4" fmla="*/ 2123278 w 4291896"/>
+              <a:gd name="connsiteY4" fmla="*/ 1883303 h 1890603"/>
+              <a:gd name="connsiteX5" fmla="*/ 0 w 4291896"/>
+              <a:gd name="connsiteY5" fmla="*/ 1890603 h 1890603"/>
+              <a:gd name="connsiteX6" fmla="*/ 0 w 4291896"/>
+              <a:gd name="connsiteY6" fmla="*/ 0 h 1890603"/>
+              <a:gd name="connsiteX0" fmla="*/ 0 w 4291896"/>
+              <a:gd name="connsiteY0" fmla="*/ 0 h 1890603"/>
+              <a:gd name="connsiteX1" fmla="*/ 4291896 w 4291896"/>
+              <a:gd name="connsiteY1" fmla="*/ 0 h 1890603"/>
+              <a:gd name="connsiteX2" fmla="*/ 4291896 w 4291896"/>
+              <a:gd name="connsiteY2" fmla="*/ 999027 h 1890603"/>
+              <a:gd name="connsiteX3" fmla="*/ 2112902 w 4291896"/>
+              <a:gd name="connsiteY3" fmla="*/ 1011937 h 1890603"/>
+              <a:gd name="connsiteX4" fmla="*/ 2123278 w 4291896"/>
+              <a:gd name="connsiteY4" fmla="*/ 1883303 h 1890603"/>
+              <a:gd name="connsiteX5" fmla="*/ 0 w 4291896"/>
+              <a:gd name="connsiteY5" fmla="*/ 1890603 h 1890603"/>
+              <a:gd name="connsiteX6" fmla="*/ 0 w 4291896"/>
+              <a:gd name="connsiteY6" fmla="*/ 0 h 1890603"/>
+              <a:gd name="connsiteX0" fmla="*/ 0 w 4291896"/>
+              <a:gd name="connsiteY0" fmla="*/ 0 h 1890603"/>
+              <a:gd name="connsiteX1" fmla="*/ 4291896 w 4291896"/>
+              <a:gd name="connsiteY1" fmla="*/ 0 h 1890603"/>
+              <a:gd name="connsiteX2" fmla="*/ 4291896 w 4291896"/>
+              <a:gd name="connsiteY2" fmla="*/ 1018392 h 1890603"/>
+              <a:gd name="connsiteX3" fmla="*/ 2112902 w 4291896"/>
+              <a:gd name="connsiteY3" fmla="*/ 1011937 h 1890603"/>
+              <a:gd name="connsiteX4" fmla="*/ 2123278 w 4291896"/>
+              <a:gd name="connsiteY4" fmla="*/ 1883303 h 1890603"/>
+              <a:gd name="connsiteX5" fmla="*/ 0 w 4291896"/>
+              <a:gd name="connsiteY5" fmla="*/ 1890603 h 1890603"/>
+              <a:gd name="connsiteX6" fmla="*/ 0 w 4291896"/>
+              <a:gd name="connsiteY6" fmla="*/ 0 h 1890603"/>
+              <a:gd name="connsiteX0" fmla="*/ 0 w 4302270"/>
+              <a:gd name="connsiteY0" fmla="*/ 0 h 1890603"/>
+              <a:gd name="connsiteX1" fmla="*/ 4291896 w 4302270"/>
+              <a:gd name="connsiteY1" fmla="*/ 0 h 1890603"/>
+              <a:gd name="connsiteX2" fmla="*/ 4302270 w 4302270"/>
+              <a:gd name="connsiteY2" fmla="*/ 1147491 h 1890603"/>
+              <a:gd name="connsiteX3" fmla="*/ 2112902 w 4302270"/>
+              <a:gd name="connsiteY3" fmla="*/ 1011937 h 1890603"/>
+              <a:gd name="connsiteX4" fmla="*/ 2123278 w 4302270"/>
+              <a:gd name="connsiteY4" fmla="*/ 1883303 h 1890603"/>
+              <a:gd name="connsiteX5" fmla="*/ 0 w 4302270"/>
+              <a:gd name="connsiteY5" fmla="*/ 1890603 h 1890603"/>
+              <a:gd name="connsiteX6" fmla="*/ 0 w 4302270"/>
+              <a:gd name="connsiteY6" fmla="*/ 0 h 1890603"/>
+              <a:gd name="connsiteX0" fmla="*/ 0 w 4302270"/>
+              <a:gd name="connsiteY0" fmla="*/ 0 h 1890603"/>
+              <a:gd name="connsiteX1" fmla="*/ 4291896 w 4302270"/>
+              <a:gd name="connsiteY1" fmla="*/ 0 h 1890603"/>
+              <a:gd name="connsiteX2" fmla="*/ 4302270 w 4302270"/>
+              <a:gd name="connsiteY2" fmla="*/ 1147491 h 1890603"/>
+              <a:gd name="connsiteX3" fmla="*/ 2123275 w 4302270"/>
+              <a:gd name="connsiteY3" fmla="*/ 1141035 h 1890603"/>
+              <a:gd name="connsiteX4" fmla="*/ 2123278 w 4302270"/>
+              <a:gd name="connsiteY4" fmla="*/ 1883303 h 1890603"/>
+              <a:gd name="connsiteX5" fmla="*/ 0 w 4302270"/>
+              <a:gd name="connsiteY5" fmla="*/ 1890603 h 1890603"/>
+              <a:gd name="connsiteX6" fmla="*/ 0 w 4302270"/>
+              <a:gd name="connsiteY6" fmla="*/ 0 h 1890603"/>
+              <a:gd name="connsiteX0" fmla="*/ 0 w 4302270"/>
+              <a:gd name="connsiteY0" fmla="*/ 0 h 1890603"/>
+              <a:gd name="connsiteX1" fmla="*/ 4291896 w 4302270"/>
+              <a:gd name="connsiteY1" fmla="*/ 0 h 1890603"/>
+              <a:gd name="connsiteX2" fmla="*/ 4302270 w 4302270"/>
+              <a:gd name="connsiteY2" fmla="*/ 1147491 h 1890603"/>
+              <a:gd name="connsiteX3" fmla="*/ 2123275 w 4302270"/>
+              <a:gd name="connsiteY3" fmla="*/ 1141035 h 1890603"/>
+              <a:gd name="connsiteX4" fmla="*/ 888829 w 4302270"/>
+              <a:gd name="connsiteY4" fmla="*/ 1883303 h 1890603"/>
+              <a:gd name="connsiteX5" fmla="*/ 0 w 4302270"/>
+              <a:gd name="connsiteY5" fmla="*/ 1890603 h 1890603"/>
+              <a:gd name="connsiteX6" fmla="*/ 0 w 4302270"/>
+              <a:gd name="connsiteY6" fmla="*/ 0 h 1890603"/>
+              <a:gd name="connsiteX0" fmla="*/ 0 w 4302270"/>
+              <a:gd name="connsiteY0" fmla="*/ 0 h 1890603"/>
+              <a:gd name="connsiteX1" fmla="*/ 4291896 w 4302270"/>
+              <a:gd name="connsiteY1" fmla="*/ 0 h 1890603"/>
+              <a:gd name="connsiteX2" fmla="*/ 4302270 w 4302270"/>
+              <a:gd name="connsiteY2" fmla="*/ 1147491 h 1890603"/>
+              <a:gd name="connsiteX3" fmla="*/ 888827 w 4302270"/>
+              <a:gd name="connsiteY3" fmla="*/ 1166855 h 1890603"/>
+              <a:gd name="connsiteX4" fmla="*/ 888829 w 4302270"/>
+              <a:gd name="connsiteY4" fmla="*/ 1883303 h 1890603"/>
+              <a:gd name="connsiteX5" fmla="*/ 0 w 4302270"/>
+              <a:gd name="connsiteY5" fmla="*/ 1890603 h 1890603"/>
+              <a:gd name="connsiteX6" fmla="*/ 0 w 4302270"/>
+              <a:gd name="connsiteY6" fmla="*/ 0 h 1890603"/>
+              <a:gd name="connsiteX0" fmla="*/ 0 w 4302270"/>
+              <a:gd name="connsiteY0" fmla="*/ 0 h 1890603"/>
+              <a:gd name="connsiteX1" fmla="*/ 4291896 w 4302270"/>
+              <a:gd name="connsiteY1" fmla="*/ 0 h 1890603"/>
+              <a:gd name="connsiteX2" fmla="*/ 4302270 w 4302270"/>
+              <a:gd name="connsiteY2" fmla="*/ 1147491 h 1890603"/>
+              <a:gd name="connsiteX3" fmla="*/ 1075550 w 4302270"/>
+              <a:gd name="connsiteY3" fmla="*/ 1153945 h 1890603"/>
+              <a:gd name="connsiteX4" fmla="*/ 888829 w 4302270"/>
+              <a:gd name="connsiteY4" fmla="*/ 1883303 h 1890603"/>
+              <a:gd name="connsiteX5" fmla="*/ 0 w 4302270"/>
+              <a:gd name="connsiteY5" fmla="*/ 1890603 h 1890603"/>
+              <a:gd name="connsiteX6" fmla="*/ 0 w 4302270"/>
+              <a:gd name="connsiteY6" fmla="*/ 0 h 1890603"/>
+              <a:gd name="connsiteX0" fmla="*/ 0 w 4302270"/>
+              <a:gd name="connsiteY0" fmla="*/ 0 h 1890603"/>
+              <a:gd name="connsiteX1" fmla="*/ 4291896 w 4302270"/>
+              <a:gd name="connsiteY1" fmla="*/ 0 h 1890603"/>
+              <a:gd name="connsiteX2" fmla="*/ 4302270 w 4302270"/>
+              <a:gd name="connsiteY2" fmla="*/ 1147491 h 1890603"/>
+              <a:gd name="connsiteX3" fmla="*/ 1075550 w 4302270"/>
+              <a:gd name="connsiteY3" fmla="*/ 1153945 h 1890603"/>
+              <a:gd name="connsiteX4" fmla="*/ 1085926 w 4302270"/>
+              <a:gd name="connsiteY4" fmla="*/ 1883303 h 1890603"/>
+              <a:gd name="connsiteX5" fmla="*/ 0 w 4302270"/>
+              <a:gd name="connsiteY5" fmla="*/ 1890603 h 1890603"/>
+              <a:gd name="connsiteX6" fmla="*/ 0 w 4302270"/>
+              <a:gd name="connsiteY6" fmla="*/ 0 h 1890603"/>
+              <a:gd name="connsiteX0" fmla="*/ 0 w 4302270"/>
+              <a:gd name="connsiteY0" fmla="*/ 0 h 1890603"/>
+              <a:gd name="connsiteX1" fmla="*/ 4291896 w 4302270"/>
+              <a:gd name="connsiteY1" fmla="*/ 0 h 1890603"/>
+              <a:gd name="connsiteX2" fmla="*/ 4302270 w 4302270"/>
+              <a:gd name="connsiteY2" fmla="*/ 1147491 h 1890603"/>
+              <a:gd name="connsiteX3" fmla="*/ 1075550 w 4302270"/>
+              <a:gd name="connsiteY3" fmla="*/ 1153945 h 1890603"/>
+              <a:gd name="connsiteX4" fmla="*/ 1085926 w 4302270"/>
+              <a:gd name="connsiteY4" fmla="*/ 1889759 h 1890603"/>
+              <a:gd name="connsiteX5" fmla="*/ 0 w 4302270"/>
+              <a:gd name="connsiteY5" fmla="*/ 1890603 h 1890603"/>
+              <a:gd name="connsiteX6" fmla="*/ 0 w 4302270"/>
+              <a:gd name="connsiteY6" fmla="*/ 0 h 1890603"/>
+              <a:gd name="connsiteX0" fmla="*/ 0 w 4302270"/>
+              <a:gd name="connsiteY0" fmla="*/ 0 h 1890603"/>
+              <a:gd name="connsiteX1" fmla="*/ 4291896 w 4302270"/>
+              <a:gd name="connsiteY1" fmla="*/ 0 h 1890603"/>
+              <a:gd name="connsiteX2" fmla="*/ 4302270 w 4302270"/>
+              <a:gd name="connsiteY2" fmla="*/ 1147491 h 1890603"/>
+              <a:gd name="connsiteX3" fmla="*/ 1096298 w 4302270"/>
+              <a:gd name="connsiteY3" fmla="*/ 1134580 h 1890603"/>
+              <a:gd name="connsiteX4" fmla="*/ 1085926 w 4302270"/>
+              <a:gd name="connsiteY4" fmla="*/ 1889759 h 1890603"/>
+              <a:gd name="connsiteX5" fmla="*/ 0 w 4302270"/>
+              <a:gd name="connsiteY5" fmla="*/ 1890603 h 1890603"/>
+              <a:gd name="connsiteX6" fmla="*/ 0 w 4302270"/>
+              <a:gd name="connsiteY6" fmla="*/ 0 h 1890603"/>
+              <a:gd name="connsiteX0" fmla="*/ 0 w 4302270"/>
+              <a:gd name="connsiteY0" fmla="*/ 0 h 1890603"/>
+              <a:gd name="connsiteX1" fmla="*/ 4291896 w 4302270"/>
+              <a:gd name="connsiteY1" fmla="*/ 0 h 1890603"/>
+              <a:gd name="connsiteX2" fmla="*/ 4302270 w 4302270"/>
+              <a:gd name="connsiteY2" fmla="*/ 1147491 h 1890603"/>
+              <a:gd name="connsiteX3" fmla="*/ 1096298 w 4302270"/>
+              <a:gd name="connsiteY3" fmla="*/ 1147489 h 1890603"/>
+              <a:gd name="connsiteX4" fmla="*/ 1085926 w 4302270"/>
+              <a:gd name="connsiteY4" fmla="*/ 1889759 h 1890603"/>
+              <a:gd name="connsiteX5" fmla="*/ 0 w 4302270"/>
+              <a:gd name="connsiteY5" fmla="*/ 1890603 h 1890603"/>
+              <a:gd name="connsiteX6" fmla="*/ 0 w 4302270"/>
+              <a:gd name="connsiteY6" fmla="*/ 0 h 1890603"/>
+            </a:gdLst>
+            <a:ahLst/>
+            <a:cxnLst>
+              <a:cxn ang="0">
+                <a:pos x="connsiteX0" y="connsiteY0"/>
+              </a:cxn>
+              <a:cxn ang="0">
+                <a:pos x="connsiteX1" y="connsiteY1"/>
+              </a:cxn>
+              <a:cxn ang="0">
+                <a:pos x="connsiteX2" y="connsiteY2"/>
+              </a:cxn>
+              <a:cxn ang="0">
+                <a:pos x="connsiteX3" y="connsiteY3"/>
+              </a:cxn>
+              <a:cxn ang="0">
+                <a:pos x="connsiteX4" y="connsiteY4"/>
+              </a:cxn>
+              <a:cxn ang="0">
+                <a:pos x="connsiteX5" y="connsiteY5"/>
+              </a:cxn>
+              <a:cxn ang="0">
+                <a:pos x="connsiteX6" y="connsiteY6"/>
+              </a:cxn>
+            </a:cxnLst>
+            <a:rect l="l" t="t" r="r" b="b"/>
+            <a:pathLst>
+              <a:path w="4302270" h="1890603">
+                <a:moveTo>
+                  <a:pt x="0" y="0"/>
+                </a:moveTo>
+                <a:lnTo>
+                  <a:pt x="4291896" y="0"/>
+                </a:lnTo>
+                <a:lnTo>
+                  <a:pt x="4302270" y="1147491"/>
+                </a:lnTo>
+                <a:lnTo>
+                  <a:pt x="1096298" y="1147489"/>
+                </a:lnTo>
+                <a:cubicBezTo>
+                  <a:pt x="1096298" y="1410276"/>
+                  <a:pt x="1085926" y="1626972"/>
+                  <a:pt x="1085926" y="1889759"/>
+                </a:cubicBezTo>
+                <a:lnTo>
+                  <a:pt x="0" y="1890603"/>
+                </a:lnTo>
+                <a:lnTo>
+                  <a:pt x="0" y="0"/>
+                </a:lnTo>
+                <a:close/>
+              </a:path>
+            </a:pathLst>
+          </a:custGeom>
+          <a:gradFill>
+            <a:gsLst>
+              <a:gs pos="0">
+                <a:srgbClr val="BFBE28"/>
+              </a:gs>
+              <a:gs pos="100000">
+                <a:srgbClr val="FFFF35"/>
+              </a:gs>
+            </a:gsLst>
+          </a:gradFill>
+          <a:ln>
+            <a:solidFill>
+              <a:srgbClr val="8F8F1E"/>
+            </a:solidFill>
+          </a:ln>
+        </p:spPr>
+        <p:style>
+          <a:lnRef idx="1">
+            <a:schemeClr val="accent1"/>
+          </a:lnRef>
+          <a:fillRef idx="3">
+            <a:schemeClr val="accent1"/>
+          </a:fillRef>
+          <a:effectRef idx="2">
+            <a:schemeClr val="accent1"/>
+          </a:effectRef>
+          <a:fontRef idx="minor">
+            <a:schemeClr val="lt1"/>
+          </a:fontRef>
+        </p:style>
+        <p:txBody>
+          <a:bodyPr rtlCol="0" anchor="ctr"/>
+          <a:lstStyle/>
+          <a:p>
+            <a:pPr algn="ctr"/>
+            <a:r>
+              <a:rPr lang="en-US" altLang="ja-JP" sz="700" dirty="0" smtClean="0">
+                <a:solidFill>
+                  <a:srgbClr val="000000"/>
+                </a:solidFill>
+              </a:rPr>
+              <a:t>helper process</a:t>
+            </a:r>
+            <a:endParaRPr kumimoji="1" lang="ja-JP" altLang="en-US" sz="700" dirty="0">
+              <a:solidFill>
+                <a:srgbClr val="000000"/>
+              </a:solidFill>
+            </a:endParaRPr>
+          </a:p>
+        </p:txBody>
+      </p:sp>
+      <p:sp>
+        <p:nvSpPr>
+          <p:cNvPr id="35" name="正方形/長方形 34"/>
+          <p:cNvSpPr/>
+          <p:nvPr/>
+        </p:nvSpPr>
+        <p:spPr>
+          <a:xfrm>
+            <a:off x="7623052" y="4354372"/>
+            <a:ext cx="645229" cy="209024"/>
           </a:xfrm>
           <a:prstGeom prst="rect">
             <a:avLst/>
@@ -16566,14 +18039,22 @@
           <a:p>
             <a:pPr algn="ctr"/>
             <a:r>
-              <a:rPr lang="en-US" altLang="ja-JP" dirty="0" err="1" smtClean="0">
+              <a:rPr kumimoji="1" lang="en-US" altLang="ja-JP" sz="700" dirty="0" smtClean="0">
                 <a:solidFill>
                   <a:srgbClr val="000000"/>
                 </a:solidFill>
               </a:rPr>
-              <a:t>resampler</a:t>
-            </a:r>
-            <a:endParaRPr kumimoji="1" lang="ja-JP" altLang="en-US" dirty="0">
+              <a:t>VOCALOID </a:t>
+            </a:r>
+            <a:r>
+              <a:rPr kumimoji="1" lang="en-US" altLang="ja-JP" sz="700" dirty="0" err="1" smtClean="0">
+                <a:solidFill>
+                  <a:srgbClr val="000000"/>
+                </a:solidFill>
+              </a:rPr>
+              <a:t>VSTi</a:t>
+            </a:r>
+            <a:endParaRPr kumimoji="1" lang="ja-JP" altLang="en-US" sz="700" dirty="0">
               <a:solidFill>
                 <a:srgbClr val="000000"/>
               </a:solidFill>
@@ -16584,7 +18065,7 @@
     </p:spTree>
     <p:extLst>
       <p:ext uri="{BB962C8B-B14F-4D97-AF65-F5344CB8AC3E}">
-        <p14:creationId xmlns:p14="http://schemas.microsoft.com/office/powerpoint/2010/main" val="2901516324"/>
+        <p14:creationId xmlns:p14="http://schemas.microsoft.com/office/powerpoint/2010/main" val="3858452704"/>
       </p:ext>
     </p:extLst>
   </p:cSld>
@@ -16663,133 +18144,7 @@
       </p:sp>
       <p:sp>
         <p:nvSpPr>
-          <p:cNvPr id="4" name="テキスト ボックス 3"/>
-          <p:cNvSpPr txBox="1"/>
-          <p:nvPr/>
-        </p:nvSpPr>
-        <p:spPr>
-          <a:xfrm>
-            <a:off x="536229" y="254000"/>
-            <a:ext cx="2710999" cy="369332"/>
-          </a:xfrm>
-          <a:prstGeom prst="rect">
-            <a:avLst/>
-          </a:prstGeom>
-          <a:noFill/>
-        </p:spPr>
-        <p:txBody>
-          <a:bodyPr wrap="none" rtlCol="0">
-            <a:spAutoFit/>
-          </a:bodyPr>
-          <a:lstStyle/>
-          <a:p>
-            <a:r>
-              <a:rPr lang="en-US" altLang="ja-JP" dirty="0" err="1" smtClean="0"/>
-              <a:t>vConnect</a:t>
-            </a:r>
-            <a:r>
-              <a:rPr lang="en-US" altLang="ja-JP" dirty="0" smtClean="0"/>
-              <a:t>-STAND</a:t>
-            </a:r>
-            <a:r>
-              <a:rPr kumimoji="1" lang="en-US" altLang="ja-JP" dirty="0" smtClean="0"/>
-              <a:t> Windows</a:t>
-            </a:r>
-            <a:endParaRPr kumimoji="1" lang="ja-JP" altLang="en-US" dirty="0"/>
-          </a:p>
-        </p:txBody>
-      </p:sp>
-      <p:sp>
-        <p:nvSpPr>
-          <p:cNvPr id="7" name="正方形/長方形 6"/>
-          <p:cNvSpPr/>
-          <p:nvPr/>
-        </p:nvSpPr>
-        <p:spPr>
-          <a:xfrm>
-            <a:off x="498550" y="5964296"/>
-            <a:ext cx="4291896" cy="569371"/>
-          </a:xfrm>
-          <a:prstGeom prst="rect">
-            <a:avLst/>
-          </a:prstGeom>
-        </p:spPr>
-        <p:style>
-          <a:lnRef idx="1">
-            <a:schemeClr val="accent1"/>
-          </a:lnRef>
-          <a:fillRef idx="3">
-            <a:schemeClr val="accent1"/>
-          </a:fillRef>
-          <a:effectRef idx="2">
-            <a:schemeClr val="accent1"/>
-          </a:effectRef>
-          <a:fontRef idx="minor">
-            <a:schemeClr val="lt1"/>
-          </a:fontRef>
-        </p:style>
-        <p:txBody>
-          <a:bodyPr rtlCol="0" anchor="ctr"/>
-          <a:lstStyle/>
-          <a:p>
-            <a:pPr algn="ctr"/>
-            <a:r>
-              <a:rPr kumimoji="1" lang="en-US" altLang="ja-JP" dirty="0" smtClean="0">
-                <a:solidFill>
-                  <a:schemeClr val="tx1"/>
-                </a:solidFill>
-              </a:rPr>
-              <a:t>Macintosh OS</a:t>
-            </a:r>
-            <a:endParaRPr kumimoji="1" lang="ja-JP" altLang="en-US" dirty="0">
-              <a:solidFill>
-                <a:schemeClr val="tx1"/>
-              </a:solidFill>
-            </a:endParaRPr>
-          </a:p>
-        </p:txBody>
-      </p:sp>
-      <p:sp>
-        <p:nvSpPr>
-          <p:cNvPr id="10" name="テキスト ボックス 9"/>
-          <p:cNvSpPr txBox="1"/>
-          <p:nvPr/>
-        </p:nvSpPr>
-        <p:spPr>
-          <a:xfrm>
-            <a:off x="536229" y="3580515"/>
-            <a:ext cx="2822445" cy="369332"/>
-          </a:xfrm>
-          <a:prstGeom prst="rect">
-            <a:avLst/>
-          </a:prstGeom>
-          <a:noFill/>
-        </p:spPr>
-        <p:txBody>
-          <a:bodyPr wrap="none" rtlCol="0">
-            <a:spAutoFit/>
-          </a:bodyPr>
-          <a:lstStyle/>
-          <a:p>
-            <a:r>
-              <a:rPr lang="en-US" altLang="ja-JP" dirty="0" err="1" smtClean="0"/>
-              <a:t>vConnect</a:t>
-            </a:r>
-            <a:r>
-              <a:rPr lang="en-US" altLang="ja-JP" dirty="0" smtClean="0"/>
-              <a:t>-STAND</a:t>
-            </a:r>
-            <a:r>
-              <a:rPr kumimoji="1" lang="en-US" altLang="ja-JP" dirty="0" smtClean="0"/>
-              <a:t> Macintosh</a:t>
-            </a:r>
-            <a:endParaRPr kumimoji="1" lang="ja-JP" altLang="en-US" dirty="0"/>
-          </a:p>
-        </p:txBody>
-      </p:sp>
-      <p:sp>
-        <p:nvSpPr>
-          <p:cNvPr id="12" name="正方形/長方形 11"/>
+          <p:cNvPr id="4" name="正方形/長方形 3"/>
           <p:cNvSpPr/>
           <p:nvPr/>
         </p:nvSpPr>
@@ -16844,15 +18199,7 @@
                   <a:srgbClr val="000000"/>
                 </a:solidFill>
               </a:rPr>
-              <a:t>vConnect</a:t>
-            </a:r>
-            <a:r>
-              <a:rPr lang="en-US" altLang="ja-JP" dirty="0" smtClean="0">
-                <a:solidFill>
-                  <a:srgbClr val="000000"/>
-                </a:solidFill>
-              </a:rPr>
-              <a:t>-STAND</a:t>
+              <a:t>resampler</a:t>
             </a:r>
             <a:endParaRPr kumimoji="1" lang="ja-JP" altLang="en-US" dirty="0">
               <a:solidFill>
@@ -16864,7 +18211,41 @@
       </p:sp>
       <p:sp>
         <p:nvSpPr>
-          <p:cNvPr id="13" name="正方形/長方形 12"/>
+          <p:cNvPr id="5" name="テキスト ボックス 4"/>
+          <p:cNvSpPr txBox="1"/>
+          <p:nvPr/>
+        </p:nvSpPr>
+        <p:spPr>
+          <a:xfrm>
+            <a:off x="536229" y="254000"/>
+            <a:ext cx="1659429" cy="369332"/>
+          </a:xfrm>
+          <a:prstGeom prst="rect">
+            <a:avLst/>
+          </a:prstGeom>
+          <a:noFill/>
+        </p:spPr>
+        <p:txBody>
+          <a:bodyPr wrap="none" rtlCol="0">
+            <a:spAutoFit/>
+          </a:bodyPr>
+          <a:lstStyle/>
+          <a:p>
+            <a:r>
+              <a:rPr lang="en-US" altLang="ja-JP" dirty="0" smtClean="0"/>
+              <a:t>UTAU</a:t>
+            </a:r>
+            <a:r>
+              <a:rPr kumimoji="1" lang="en-US" altLang="ja-JP" dirty="0" smtClean="0"/>
+              <a:t> Windows</a:t>
+            </a:r>
+            <a:endParaRPr kumimoji="1" lang="ja-JP" altLang="en-US" dirty="0"/>
+          </a:p>
+        </p:txBody>
+      </p:sp>
+      <p:sp>
+        <p:nvSpPr>
+          <p:cNvPr id="6" name="正方形/長方形 5"/>
           <p:cNvSpPr/>
           <p:nvPr/>
         </p:nvSpPr>
@@ -16936,7 +18317,7 @@
       </p:sp>
       <p:sp>
         <p:nvSpPr>
-          <p:cNvPr id="14" name="正方形/長方形 13"/>
+          <p:cNvPr id="8" name="正方形/長方形 7"/>
           <p:cNvSpPr/>
           <p:nvPr/>
         </p:nvSpPr>
@@ -17008,7 +18389,57 @@
       </p:sp>
       <p:sp>
         <p:nvSpPr>
-          <p:cNvPr id="15" name="正方形/長方形 14"/>
+          <p:cNvPr id="9" name="正方形/長方形 8"/>
+          <p:cNvSpPr/>
+          <p:nvPr/>
+        </p:nvSpPr>
+        <p:spPr>
+          <a:xfrm>
+            <a:off x="498550" y="5964296"/>
+            <a:ext cx="4291896" cy="569371"/>
+          </a:xfrm>
+          <a:prstGeom prst="rect">
+            <a:avLst/>
+          </a:prstGeom>
+        </p:spPr>
+        <p:style>
+          <a:lnRef idx="1">
+            <a:schemeClr val="accent1"/>
+          </a:lnRef>
+          <a:fillRef idx="3">
+            <a:schemeClr val="accent1"/>
+          </a:fillRef>
+          <a:effectRef idx="2">
+            <a:schemeClr val="accent1"/>
+          </a:effectRef>
+          <a:fontRef idx="minor">
+            <a:schemeClr val="lt1"/>
+          </a:fontRef>
+        </p:style>
+        <p:txBody>
+          <a:bodyPr rtlCol="0" anchor="ctr"/>
+          <a:lstStyle/>
+          <a:p>
+            <a:pPr algn="ctr"/>
+            <a:r>
+              <a:rPr kumimoji="1" lang="en-US" altLang="ja-JP" dirty="0" smtClean="0">
+                <a:solidFill>
+                  <a:schemeClr val="tx1"/>
+                </a:solidFill>
+              </a:rPr>
+              <a:t>Macintosh OS</a:t>
+            </a:r>
+            <a:endParaRPr kumimoji="1" lang="ja-JP" altLang="en-US" dirty="0">
+              <a:solidFill>
+                <a:schemeClr val="tx1"/>
+              </a:solidFill>
+            </a:endParaRPr>
+          </a:p>
+        </p:txBody>
+      </p:sp>
+      <p:sp>
+        <p:nvSpPr>
+          <p:cNvPr id="10" name="正方形/長方形 9"/>
           <p:cNvSpPr/>
           <p:nvPr/>
         </p:nvSpPr>
@@ -17075,14 +18506,14 @@
       </p:sp>
       <p:sp>
         <p:nvSpPr>
-          <p:cNvPr id="17" name="正方形/長方形 16"/>
+          <p:cNvPr id="11" name="正方形/長方形 10"/>
           <p:cNvSpPr/>
           <p:nvPr/>
         </p:nvSpPr>
         <p:spPr>
           <a:xfrm>
-            <a:off x="2740161" y="3995822"/>
-            <a:ext cx="2050285" cy="1895479"/>
+            <a:off x="2740161" y="5345340"/>
+            <a:ext cx="2050285" cy="547471"/>
           </a:xfrm>
           <a:prstGeom prst="rect">
             <a:avLst/>
@@ -17125,20 +18556,113 @@
           <a:p>
             <a:pPr algn="ctr"/>
             <a:r>
+              <a:rPr lang="en-US" altLang="ja-JP" dirty="0" smtClean="0">
+                <a:solidFill>
+                  <a:srgbClr val="000000"/>
+                </a:solidFill>
+              </a:rPr>
+              <a:t>Wine</a:t>
+            </a:r>
+            <a:endParaRPr kumimoji="1" lang="ja-JP" altLang="en-US" dirty="0">
+              <a:solidFill>
+                <a:srgbClr val="000000"/>
+              </a:solidFill>
+            </a:endParaRPr>
+          </a:p>
+        </p:txBody>
+      </p:sp>
+      <p:sp>
+        <p:nvSpPr>
+          <p:cNvPr id="16" name="テキスト ボックス 15"/>
+          <p:cNvSpPr txBox="1"/>
+          <p:nvPr/>
+        </p:nvSpPr>
+        <p:spPr>
+          <a:xfrm>
+            <a:off x="536229" y="3580515"/>
+            <a:ext cx="1769497" cy="369332"/>
+          </a:xfrm>
+          <a:prstGeom prst="rect">
+            <a:avLst/>
+          </a:prstGeom>
+          <a:noFill/>
+        </p:spPr>
+        <p:txBody>
+          <a:bodyPr wrap="none" rtlCol="0">
+            <a:spAutoFit/>
+          </a:bodyPr>
+          <a:lstStyle/>
+          <a:p>
+            <a:r>
+              <a:rPr lang="en-US" altLang="ja-JP" dirty="0" smtClean="0"/>
+              <a:t>UTAU</a:t>
+            </a:r>
+            <a:r>
+              <a:rPr kumimoji="1" lang="en-US" altLang="ja-JP" dirty="0" smtClean="0"/>
+              <a:t> Macintosh</a:t>
+            </a:r>
+            <a:endParaRPr kumimoji="1" lang="ja-JP" altLang="en-US" dirty="0"/>
+          </a:p>
+        </p:txBody>
+      </p:sp>
+      <p:sp>
+        <p:nvSpPr>
+          <p:cNvPr id="19" name="正方形/長方形 18"/>
+          <p:cNvSpPr/>
+          <p:nvPr/>
+        </p:nvSpPr>
+        <p:spPr>
+          <a:xfrm>
+            <a:off x="2740161" y="3995822"/>
+            <a:ext cx="2050285" cy="1271583"/>
+          </a:xfrm>
+          <a:prstGeom prst="rect">
+            <a:avLst/>
+          </a:prstGeom>
+          <a:gradFill flip="none" rotWithShape="1">
+            <a:gsLst>
+              <a:gs pos="0">
+                <a:srgbClr val="BFBE28"/>
+              </a:gs>
+              <a:gs pos="100000">
+                <a:srgbClr val="FFFF35"/>
+              </a:gs>
+            </a:gsLst>
+            <a:lin ang="16200000" scaled="0"/>
+            <a:tileRect/>
+          </a:gradFill>
+          <a:ln>
+            <a:solidFill>
+              <a:srgbClr val="8F8F1E"/>
+            </a:solidFill>
+          </a:ln>
+        </p:spPr>
+        <p:style>
+          <a:lnRef idx="1">
+            <a:schemeClr val="accent1"/>
+          </a:lnRef>
+          <a:fillRef idx="3">
+            <a:schemeClr val="accent1"/>
+          </a:fillRef>
+          <a:effectRef idx="2">
+            <a:schemeClr val="accent1"/>
+          </a:effectRef>
+          <a:fontRef idx="minor">
+            <a:schemeClr val="lt1"/>
+          </a:fontRef>
+        </p:style>
+        <p:txBody>
+          <a:bodyPr rtlCol="0" anchor="ctr"/>
+          <a:lstStyle/>
+          <a:p>
+            <a:pPr algn="ctr"/>
+            <a:r>
               <a:rPr lang="en-US" altLang="ja-JP" dirty="0" err="1" smtClean="0">
                 <a:solidFill>
                   <a:srgbClr val="000000"/>
                 </a:solidFill>
               </a:rPr>
-              <a:t>vConnect</a:t>
-            </a:r>
-            <a:r>
-              <a:rPr lang="en-US" altLang="ja-JP" dirty="0" smtClean="0">
-                <a:solidFill>
-                  <a:srgbClr val="000000"/>
-                </a:solidFill>
-              </a:rPr>
-              <a:t>-STAND</a:t>
+              <a:t>resampler</a:t>
             </a:r>
             <a:endParaRPr kumimoji="1" lang="ja-JP" altLang="en-US" dirty="0">
               <a:solidFill>
@@ -17148,10 +18672,590 @@
           </a:p>
         </p:txBody>
       </p:sp>
+      <p:sp>
+        <p:nvSpPr>
+          <p:cNvPr id="12" name="正方形/長方形 11"/>
+          <p:cNvSpPr/>
+          <p:nvPr/>
+        </p:nvSpPr>
+        <p:spPr>
+          <a:xfrm>
+            <a:off x="5992671" y="2616953"/>
+            <a:ext cx="2145948" cy="284686"/>
+          </a:xfrm>
+          <a:prstGeom prst="rect">
+            <a:avLst/>
+          </a:prstGeom>
+        </p:spPr>
+        <p:style>
+          <a:lnRef idx="1">
+            <a:schemeClr val="accent1"/>
+          </a:lnRef>
+          <a:fillRef idx="3">
+            <a:schemeClr val="accent1"/>
+          </a:fillRef>
+          <a:effectRef idx="2">
+            <a:schemeClr val="accent1"/>
+          </a:effectRef>
+          <a:fontRef idx="minor">
+            <a:schemeClr val="lt1"/>
+          </a:fontRef>
+        </p:style>
+        <p:txBody>
+          <a:bodyPr rtlCol="0" anchor="ctr"/>
+          <a:lstStyle/>
+          <a:p>
+            <a:pPr algn="ctr"/>
+            <a:r>
+              <a:rPr kumimoji="1" lang="en-US" altLang="ja-JP" sz="900" dirty="0" smtClean="0">
+                <a:solidFill>
+                  <a:schemeClr val="tx1"/>
+                </a:solidFill>
+              </a:rPr>
+              <a:t>Windows OS</a:t>
+            </a:r>
+            <a:endParaRPr kumimoji="1" lang="ja-JP" altLang="en-US" sz="900" dirty="0">
+              <a:solidFill>
+                <a:schemeClr val="tx1"/>
+              </a:solidFill>
+            </a:endParaRPr>
+          </a:p>
+        </p:txBody>
+      </p:sp>
+      <p:sp>
+        <p:nvSpPr>
+          <p:cNvPr id="13" name="正方形/長方形 12"/>
+          <p:cNvSpPr/>
+          <p:nvPr/>
+        </p:nvSpPr>
+        <p:spPr>
+          <a:xfrm>
+            <a:off x="7109439" y="1638392"/>
+            <a:ext cx="1029180" cy="942064"/>
+          </a:xfrm>
+          <a:prstGeom prst="rect">
+            <a:avLst/>
+          </a:prstGeom>
+          <a:gradFill flip="none" rotWithShape="1">
+            <a:gsLst>
+              <a:gs pos="0">
+                <a:srgbClr val="BFBE28"/>
+              </a:gs>
+              <a:gs pos="100000">
+                <a:srgbClr val="FFFF35"/>
+              </a:gs>
+            </a:gsLst>
+            <a:lin ang="16200000" scaled="0"/>
+            <a:tileRect/>
+          </a:gradFill>
+          <a:ln>
+            <a:solidFill>
+              <a:srgbClr val="8F8F1E"/>
+            </a:solidFill>
+          </a:ln>
+        </p:spPr>
+        <p:style>
+          <a:lnRef idx="1">
+            <a:schemeClr val="accent1"/>
+          </a:lnRef>
+          <a:fillRef idx="3">
+            <a:schemeClr val="accent1"/>
+          </a:fillRef>
+          <a:effectRef idx="2">
+            <a:schemeClr val="accent1"/>
+          </a:effectRef>
+          <a:fontRef idx="minor">
+            <a:schemeClr val="lt1"/>
+          </a:fontRef>
+        </p:style>
+        <p:txBody>
+          <a:bodyPr rtlCol="0" anchor="ctr"/>
+          <a:lstStyle/>
+          <a:p>
+            <a:pPr algn="ctr"/>
+            <a:r>
+              <a:rPr lang="en-US" altLang="ja-JP" sz="900" dirty="0" err="1" smtClean="0">
+                <a:solidFill>
+                  <a:srgbClr val="000000"/>
+                </a:solidFill>
+              </a:rPr>
+              <a:t>resampler</a:t>
+            </a:r>
+            <a:endParaRPr kumimoji="1" lang="ja-JP" altLang="en-US" sz="900" dirty="0">
+              <a:solidFill>
+                <a:srgbClr val="000000"/>
+              </a:solidFill>
+            </a:endParaRPr>
+          </a:p>
+        </p:txBody>
+      </p:sp>
+      <p:sp>
+        <p:nvSpPr>
+          <p:cNvPr id="14" name="テキスト ボックス 13"/>
+          <p:cNvSpPr txBox="1"/>
+          <p:nvPr/>
+        </p:nvSpPr>
+        <p:spPr>
+          <a:xfrm>
+            <a:off x="6007473" y="1453725"/>
+            <a:ext cx="920839" cy="230832"/>
+          </a:xfrm>
+          <a:prstGeom prst="rect">
+            <a:avLst/>
+          </a:prstGeom>
+          <a:noFill/>
+        </p:spPr>
+        <p:txBody>
+          <a:bodyPr wrap="none" rtlCol="0">
+            <a:spAutoFit/>
+          </a:bodyPr>
+          <a:lstStyle/>
+          <a:p>
+            <a:r>
+              <a:rPr lang="en-US" altLang="ja-JP" sz="900" dirty="0" smtClean="0"/>
+              <a:t>UTAU</a:t>
+            </a:r>
+            <a:r>
+              <a:rPr kumimoji="1" lang="en-US" altLang="ja-JP" sz="900" dirty="0" smtClean="0"/>
+              <a:t> Windows</a:t>
+            </a:r>
+            <a:endParaRPr kumimoji="1" lang="ja-JP" altLang="en-US" sz="900" dirty="0"/>
+          </a:p>
+        </p:txBody>
+      </p:sp>
+      <p:sp>
+        <p:nvSpPr>
+          <p:cNvPr id="15" name="正方形/長方形 14"/>
+          <p:cNvSpPr/>
+          <p:nvPr/>
+        </p:nvSpPr>
+        <p:spPr>
+          <a:xfrm>
+            <a:off x="5988634" y="1635154"/>
+            <a:ext cx="1029600" cy="945302"/>
+          </a:xfrm>
+          <a:prstGeom prst="rect">
+            <a:avLst/>
+          </a:prstGeom>
+          <a:gradFill>
+            <a:gsLst>
+              <a:gs pos="0">
+                <a:schemeClr val="accent3">
+                  <a:lumMod val="75000"/>
+                </a:schemeClr>
+              </a:gs>
+              <a:gs pos="100000">
+                <a:schemeClr val="accent3">
+                  <a:lumMod val="40000"/>
+                  <a:lumOff val="60000"/>
+                </a:schemeClr>
+              </a:gs>
+            </a:gsLst>
+          </a:gradFill>
+          <a:ln>
+            <a:solidFill>
+              <a:schemeClr val="accent3">
+                <a:lumMod val="50000"/>
+              </a:schemeClr>
+            </a:solidFill>
+          </a:ln>
+        </p:spPr>
+        <p:style>
+          <a:lnRef idx="1">
+            <a:schemeClr val="accent1"/>
+          </a:lnRef>
+          <a:fillRef idx="3">
+            <a:schemeClr val="accent1"/>
+          </a:fillRef>
+          <a:effectRef idx="2">
+            <a:schemeClr val="accent1"/>
+          </a:effectRef>
+          <a:fontRef idx="minor">
+            <a:schemeClr val="lt1"/>
+          </a:fontRef>
+        </p:style>
+        <p:txBody>
+          <a:bodyPr rtlCol="0" anchor="ctr"/>
+          <a:lstStyle/>
+          <a:p>
+            <a:pPr algn="ctr"/>
+            <a:r>
+              <a:rPr kumimoji="1" lang="en-US" altLang="ja-JP" sz="900" dirty="0" smtClean="0">
+                <a:solidFill>
+                  <a:srgbClr val="000000"/>
+                </a:solidFill>
+              </a:rPr>
+              <a:t>Cadencii</a:t>
+            </a:r>
+            <a:endParaRPr kumimoji="1" lang="ja-JP" altLang="en-US" sz="900" dirty="0">
+              <a:solidFill>
+                <a:srgbClr val="000000"/>
+              </a:solidFill>
+            </a:endParaRPr>
+          </a:p>
+        </p:txBody>
+      </p:sp>
+      <p:sp>
+        <p:nvSpPr>
+          <p:cNvPr id="17" name="正方形/長方形 16"/>
+          <p:cNvSpPr/>
+          <p:nvPr/>
+        </p:nvSpPr>
+        <p:spPr>
+          <a:xfrm>
+            <a:off x="5988634" y="3327074"/>
+            <a:ext cx="1029600" cy="633354"/>
+          </a:xfrm>
+          <a:prstGeom prst="rect">
+            <a:avLst/>
+          </a:prstGeom>
+          <a:gradFill>
+            <a:gsLst>
+              <a:gs pos="0">
+                <a:schemeClr val="accent3">
+                  <a:lumMod val="75000"/>
+                </a:schemeClr>
+              </a:gs>
+              <a:gs pos="100000">
+                <a:schemeClr val="accent3">
+                  <a:lumMod val="40000"/>
+                  <a:lumOff val="60000"/>
+                </a:schemeClr>
+              </a:gs>
+            </a:gsLst>
+          </a:gradFill>
+          <a:ln>
+            <a:solidFill>
+              <a:schemeClr val="accent3">
+                <a:lumMod val="50000"/>
+              </a:schemeClr>
+            </a:solidFill>
+          </a:ln>
+        </p:spPr>
+        <p:style>
+          <a:lnRef idx="1">
+            <a:schemeClr val="accent1"/>
+          </a:lnRef>
+          <a:fillRef idx="3">
+            <a:schemeClr val="accent1"/>
+          </a:fillRef>
+          <a:effectRef idx="2">
+            <a:schemeClr val="accent1"/>
+          </a:effectRef>
+          <a:fontRef idx="minor">
+            <a:schemeClr val="lt1"/>
+          </a:fontRef>
+        </p:style>
+        <p:txBody>
+          <a:bodyPr rtlCol="0" anchor="ctr"/>
+          <a:lstStyle/>
+          <a:p>
+            <a:pPr algn="ctr"/>
+            <a:r>
+              <a:rPr kumimoji="1" lang="en-US" altLang="ja-JP" sz="900" dirty="0" smtClean="0">
+                <a:solidFill>
+                  <a:srgbClr val="000000"/>
+                </a:solidFill>
+              </a:rPr>
+              <a:t>Cadencii</a:t>
+            </a:r>
+            <a:endParaRPr kumimoji="1" lang="ja-JP" altLang="en-US" sz="900" dirty="0">
+              <a:solidFill>
+                <a:srgbClr val="000000"/>
+              </a:solidFill>
+            </a:endParaRPr>
+          </a:p>
+        </p:txBody>
+      </p:sp>
+      <p:sp>
+        <p:nvSpPr>
+          <p:cNvPr id="18" name="正方形/長方形 17"/>
+          <p:cNvSpPr/>
+          <p:nvPr/>
+        </p:nvSpPr>
+        <p:spPr>
+          <a:xfrm>
+            <a:off x="5988634" y="4308873"/>
+            <a:ext cx="2145948" cy="284686"/>
+          </a:xfrm>
+          <a:prstGeom prst="rect">
+            <a:avLst/>
+          </a:prstGeom>
+        </p:spPr>
+        <p:style>
+          <a:lnRef idx="1">
+            <a:schemeClr val="accent1"/>
+          </a:lnRef>
+          <a:fillRef idx="3">
+            <a:schemeClr val="accent1"/>
+          </a:fillRef>
+          <a:effectRef idx="2">
+            <a:schemeClr val="accent1"/>
+          </a:effectRef>
+          <a:fontRef idx="minor">
+            <a:schemeClr val="lt1"/>
+          </a:fontRef>
+        </p:style>
+        <p:txBody>
+          <a:bodyPr rtlCol="0" anchor="ctr"/>
+          <a:lstStyle/>
+          <a:p>
+            <a:pPr algn="ctr"/>
+            <a:r>
+              <a:rPr kumimoji="1" lang="en-US" altLang="ja-JP" sz="900" dirty="0" smtClean="0">
+                <a:solidFill>
+                  <a:schemeClr val="tx1"/>
+                </a:solidFill>
+              </a:rPr>
+              <a:t>Macintosh OS</a:t>
+            </a:r>
+            <a:endParaRPr kumimoji="1" lang="ja-JP" altLang="en-US" sz="900" dirty="0">
+              <a:solidFill>
+                <a:schemeClr val="tx1"/>
+              </a:solidFill>
+            </a:endParaRPr>
+          </a:p>
+        </p:txBody>
+      </p:sp>
+      <p:sp>
+        <p:nvSpPr>
+          <p:cNvPr id="20" name="正方形/長方形 19"/>
+          <p:cNvSpPr/>
+          <p:nvPr/>
+        </p:nvSpPr>
+        <p:spPr>
+          <a:xfrm>
+            <a:off x="5988633" y="3998640"/>
+            <a:ext cx="1029600" cy="273736"/>
+          </a:xfrm>
+          <a:prstGeom prst="rect">
+            <a:avLst/>
+          </a:prstGeom>
+          <a:gradFill flip="none" rotWithShape="1">
+            <a:gsLst>
+              <a:gs pos="0">
+                <a:srgbClr val="AC4323"/>
+              </a:gs>
+              <a:gs pos="100000">
+                <a:srgbClr val="FF6334"/>
+              </a:gs>
+            </a:gsLst>
+            <a:lin ang="16200000" scaled="0"/>
+            <a:tileRect/>
+          </a:gradFill>
+          <a:ln>
+            <a:solidFill>
+              <a:srgbClr val="86331B"/>
+            </a:solidFill>
+          </a:ln>
+        </p:spPr>
+        <p:style>
+          <a:lnRef idx="1">
+            <a:schemeClr val="accent1"/>
+          </a:lnRef>
+          <a:fillRef idx="3">
+            <a:schemeClr val="accent1"/>
+          </a:fillRef>
+          <a:effectRef idx="2">
+            <a:schemeClr val="accent1"/>
+          </a:effectRef>
+          <a:fontRef idx="minor">
+            <a:schemeClr val="lt1"/>
+          </a:fontRef>
+        </p:style>
+        <p:txBody>
+          <a:bodyPr rtlCol="0" anchor="ctr"/>
+          <a:lstStyle/>
+          <a:p>
+            <a:pPr algn="ctr"/>
+            <a:r>
+              <a:rPr lang="en-US" altLang="ja-JP" sz="900" dirty="0" smtClean="0">
+                <a:solidFill>
+                  <a:srgbClr val="000000"/>
+                </a:solidFill>
+              </a:rPr>
+              <a:t>Java VM</a:t>
+            </a:r>
+            <a:endParaRPr kumimoji="1" lang="ja-JP" altLang="en-US" sz="900" dirty="0">
+              <a:solidFill>
+                <a:srgbClr val="000000"/>
+              </a:solidFill>
+            </a:endParaRPr>
+          </a:p>
+        </p:txBody>
+      </p:sp>
+      <p:sp>
+        <p:nvSpPr>
+          <p:cNvPr id="21" name="正方形/長方形 20"/>
+          <p:cNvSpPr/>
+          <p:nvPr/>
+        </p:nvSpPr>
+        <p:spPr>
+          <a:xfrm>
+            <a:off x="7109439" y="3999395"/>
+            <a:ext cx="1025143" cy="273736"/>
+          </a:xfrm>
+          <a:prstGeom prst="rect">
+            <a:avLst/>
+          </a:prstGeom>
+          <a:gradFill flip="none" rotWithShape="1">
+            <a:gsLst>
+              <a:gs pos="0">
+                <a:srgbClr val="BFBE28"/>
+              </a:gs>
+              <a:gs pos="100000">
+                <a:srgbClr val="FFFF35"/>
+              </a:gs>
+            </a:gsLst>
+            <a:lin ang="16200000" scaled="0"/>
+            <a:tileRect/>
+          </a:gradFill>
+          <a:ln>
+            <a:solidFill>
+              <a:srgbClr val="8F8F1E"/>
+            </a:solidFill>
+          </a:ln>
+        </p:spPr>
+        <p:style>
+          <a:lnRef idx="1">
+            <a:schemeClr val="accent1"/>
+          </a:lnRef>
+          <a:fillRef idx="3">
+            <a:schemeClr val="accent1"/>
+          </a:fillRef>
+          <a:effectRef idx="2">
+            <a:schemeClr val="accent1"/>
+          </a:effectRef>
+          <a:fontRef idx="minor">
+            <a:schemeClr val="lt1"/>
+          </a:fontRef>
+        </p:style>
+        <p:txBody>
+          <a:bodyPr rtlCol="0" anchor="ctr"/>
+          <a:lstStyle/>
+          <a:p>
+            <a:pPr algn="ctr"/>
+            <a:r>
+              <a:rPr lang="en-US" altLang="ja-JP" sz="900" dirty="0" smtClean="0">
+                <a:solidFill>
+                  <a:srgbClr val="000000"/>
+                </a:solidFill>
+              </a:rPr>
+              <a:t>Wine</a:t>
+            </a:r>
+            <a:endParaRPr kumimoji="1" lang="ja-JP" altLang="en-US" sz="900" dirty="0">
+              <a:solidFill>
+                <a:srgbClr val="000000"/>
+              </a:solidFill>
+            </a:endParaRPr>
+          </a:p>
+        </p:txBody>
+      </p:sp>
+      <p:sp>
+        <p:nvSpPr>
+          <p:cNvPr id="22" name="テキスト ボックス 21"/>
+          <p:cNvSpPr txBox="1"/>
+          <p:nvPr/>
+        </p:nvSpPr>
+        <p:spPr>
+          <a:xfrm>
+            <a:off x="6007473" y="3116983"/>
+            <a:ext cx="977082" cy="230832"/>
+          </a:xfrm>
+          <a:prstGeom prst="rect">
+            <a:avLst/>
+          </a:prstGeom>
+          <a:noFill/>
+        </p:spPr>
+        <p:txBody>
+          <a:bodyPr wrap="none" rtlCol="0">
+            <a:spAutoFit/>
+          </a:bodyPr>
+          <a:lstStyle/>
+          <a:p>
+            <a:r>
+              <a:rPr lang="en-US" altLang="ja-JP" sz="900" dirty="0" smtClean="0"/>
+              <a:t>UTAU</a:t>
+            </a:r>
+            <a:r>
+              <a:rPr kumimoji="1" lang="en-US" altLang="ja-JP" sz="900" dirty="0" smtClean="0"/>
+              <a:t> Macintosh</a:t>
+            </a:r>
+            <a:endParaRPr kumimoji="1" lang="ja-JP" altLang="en-US" sz="900" dirty="0"/>
+          </a:p>
+        </p:txBody>
+      </p:sp>
+      <p:sp>
+        <p:nvSpPr>
+          <p:cNvPr id="23" name="正方形/長方形 22"/>
+          <p:cNvSpPr/>
+          <p:nvPr/>
+        </p:nvSpPr>
+        <p:spPr>
+          <a:xfrm>
+            <a:off x="7109439" y="3324636"/>
+            <a:ext cx="1025143" cy="635792"/>
+          </a:xfrm>
+          <a:prstGeom prst="rect">
+            <a:avLst/>
+          </a:prstGeom>
+          <a:gradFill flip="none" rotWithShape="1">
+            <a:gsLst>
+              <a:gs pos="0">
+                <a:srgbClr val="BFBE28"/>
+              </a:gs>
+              <a:gs pos="100000">
+                <a:srgbClr val="FFFF35"/>
+              </a:gs>
+            </a:gsLst>
+            <a:lin ang="16200000" scaled="0"/>
+            <a:tileRect/>
+          </a:gradFill>
+          <a:ln>
+            <a:solidFill>
+              <a:srgbClr val="8F8F1E"/>
+            </a:solidFill>
+          </a:ln>
+        </p:spPr>
+        <p:style>
+          <a:lnRef idx="1">
+            <a:schemeClr val="accent1"/>
+          </a:lnRef>
+          <a:fillRef idx="3">
+            <a:schemeClr val="accent1"/>
+          </a:fillRef>
+          <a:effectRef idx="2">
+            <a:schemeClr val="accent1"/>
+          </a:effectRef>
+          <a:fontRef idx="minor">
+            <a:schemeClr val="lt1"/>
+          </a:fontRef>
+        </p:style>
+        <p:txBody>
+          <a:bodyPr rtlCol="0" anchor="ctr"/>
+          <a:lstStyle/>
+          <a:p>
+            <a:pPr algn="ctr"/>
+            <a:r>
+              <a:rPr lang="en-US" altLang="ja-JP" sz="900" dirty="0" err="1" smtClean="0">
+                <a:solidFill>
+                  <a:srgbClr val="000000"/>
+                </a:solidFill>
+              </a:rPr>
+              <a:t>resampler</a:t>
+            </a:r>
+            <a:endParaRPr kumimoji="1" lang="ja-JP" altLang="en-US" sz="900" dirty="0">
+              <a:solidFill>
+                <a:srgbClr val="000000"/>
+              </a:solidFill>
+            </a:endParaRPr>
+          </a:p>
+        </p:txBody>
+      </p:sp>
     </p:spTree>
     <p:extLst>
       <p:ext uri="{BB962C8B-B14F-4D97-AF65-F5344CB8AC3E}">
-        <p14:creationId xmlns:p14="http://schemas.microsoft.com/office/powerpoint/2010/main" val="2789479213"/>
+        <p14:creationId xmlns:p14="http://schemas.microsoft.com/office/powerpoint/2010/main" val="2901516324"/>
       </p:ext>
     </p:extLst>
   </p:cSld>
@@ -17178,40 +19282,1084 @@
           <a:chExt cx="0" cy="0"/>
         </a:xfrm>
       </p:grpSpPr>
-      <p:pic>
-        <p:nvPicPr>
-          <p:cNvPr id="2" name="図 1" descr="スクリーンショット（2011-04-02 16.03.45）.png"/>
-          <p:cNvPicPr>
-            <a:picLocks noChangeAspect="1"/>
-          </p:cNvPicPr>
-          <p:nvPr/>
-        </p:nvPicPr>
-        <p:blipFill>
-          <a:blip r:embed="rId2">
-            <a:extLst>
-              <a:ext uri="{28A0092B-C50C-407E-A947-70E740481C1C}">
-                <a14:useLocalDpi xmlns:a14="http://schemas.microsoft.com/office/drawing/2010/main" val="0"/>
-              </a:ext>
-            </a:extLst>
-          </a:blip>
-          <a:stretch>
-            <a:fillRect/>
-          </a:stretch>
-        </p:blipFill>
-        <p:spPr>
-          <a:xfrm>
-            <a:off x="2632853" y="1675745"/>
-            <a:ext cx="3297936" cy="2615184"/>
+      <p:sp>
+        <p:nvSpPr>
+          <p:cNvPr id="2" name="正方形/長方形 1"/>
+          <p:cNvSpPr/>
+          <p:nvPr/>
+        </p:nvSpPr>
+        <p:spPr>
+          <a:xfrm>
+            <a:off x="506624" y="2580455"/>
+            <a:ext cx="4291896" cy="569371"/>
           </a:xfrm>
           <a:prstGeom prst="rect">
             <a:avLst/>
           </a:prstGeom>
         </p:spPr>
-      </p:pic>
+        <p:style>
+          <a:lnRef idx="1">
+            <a:schemeClr val="accent1"/>
+          </a:lnRef>
+          <a:fillRef idx="3">
+            <a:schemeClr val="accent1"/>
+          </a:fillRef>
+          <a:effectRef idx="2">
+            <a:schemeClr val="accent1"/>
+          </a:effectRef>
+          <a:fontRef idx="minor">
+            <a:schemeClr val="lt1"/>
+          </a:fontRef>
+        </p:style>
+        <p:txBody>
+          <a:bodyPr rtlCol="0" anchor="ctr"/>
+          <a:lstStyle/>
+          <a:p>
+            <a:pPr algn="ctr"/>
+            <a:r>
+              <a:rPr kumimoji="1" lang="en-US" altLang="ja-JP" dirty="0" smtClean="0">
+                <a:solidFill>
+                  <a:schemeClr val="tx1"/>
+                </a:solidFill>
+              </a:rPr>
+              <a:t>Windows OS</a:t>
+            </a:r>
+            <a:endParaRPr kumimoji="1" lang="ja-JP" altLang="en-US" dirty="0">
+              <a:solidFill>
+                <a:schemeClr val="tx1"/>
+              </a:solidFill>
+            </a:endParaRPr>
+          </a:p>
+        </p:txBody>
+      </p:sp>
+      <p:sp>
+        <p:nvSpPr>
+          <p:cNvPr id="4" name="テキスト ボックス 3"/>
+          <p:cNvSpPr txBox="1"/>
+          <p:nvPr/>
+        </p:nvSpPr>
+        <p:spPr>
+          <a:xfrm>
+            <a:off x="536229" y="254000"/>
+            <a:ext cx="2710999" cy="369332"/>
+          </a:xfrm>
+          <a:prstGeom prst="rect">
+            <a:avLst/>
+          </a:prstGeom>
+          <a:noFill/>
+        </p:spPr>
+        <p:txBody>
+          <a:bodyPr wrap="none" rtlCol="0">
+            <a:spAutoFit/>
+          </a:bodyPr>
+          <a:lstStyle/>
+          <a:p>
+            <a:r>
+              <a:rPr lang="en-US" altLang="ja-JP" dirty="0" err="1" smtClean="0"/>
+              <a:t>vConnect</a:t>
+            </a:r>
+            <a:r>
+              <a:rPr lang="en-US" altLang="ja-JP" dirty="0" smtClean="0"/>
+              <a:t>-STAND</a:t>
+            </a:r>
+            <a:r>
+              <a:rPr kumimoji="1" lang="en-US" altLang="ja-JP" dirty="0" smtClean="0"/>
+              <a:t> Windows</a:t>
+            </a:r>
+            <a:endParaRPr kumimoji="1" lang="ja-JP" altLang="en-US" dirty="0"/>
+          </a:p>
+        </p:txBody>
+      </p:sp>
+      <p:sp>
+        <p:nvSpPr>
+          <p:cNvPr id="7" name="正方形/長方形 6"/>
+          <p:cNvSpPr/>
+          <p:nvPr/>
+        </p:nvSpPr>
+        <p:spPr>
+          <a:xfrm>
+            <a:off x="498550" y="5964296"/>
+            <a:ext cx="4291896" cy="569371"/>
+          </a:xfrm>
+          <a:prstGeom prst="rect">
+            <a:avLst/>
+          </a:prstGeom>
+        </p:spPr>
+        <p:style>
+          <a:lnRef idx="1">
+            <a:schemeClr val="accent1"/>
+          </a:lnRef>
+          <a:fillRef idx="3">
+            <a:schemeClr val="accent1"/>
+          </a:fillRef>
+          <a:effectRef idx="2">
+            <a:schemeClr val="accent1"/>
+          </a:effectRef>
+          <a:fontRef idx="minor">
+            <a:schemeClr val="lt1"/>
+          </a:fontRef>
+        </p:style>
+        <p:txBody>
+          <a:bodyPr rtlCol="0" anchor="ctr"/>
+          <a:lstStyle/>
+          <a:p>
+            <a:pPr algn="ctr"/>
+            <a:r>
+              <a:rPr kumimoji="1" lang="en-US" altLang="ja-JP" dirty="0" smtClean="0">
+                <a:solidFill>
+                  <a:schemeClr val="tx1"/>
+                </a:solidFill>
+              </a:rPr>
+              <a:t>Macintosh OS</a:t>
+            </a:r>
+            <a:endParaRPr kumimoji="1" lang="ja-JP" altLang="en-US" dirty="0">
+              <a:solidFill>
+                <a:schemeClr val="tx1"/>
+              </a:solidFill>
+            </a:endParaRPr>
+          </a:p>
+        </p:txBody>
+      </p:sp>
+      <p:sp>
+        <p:nvSpPr>
+          <p:cNvPr id="10" name="テキスト ボックス 9"/>
+          <p:cNvSpPr txBox="1"/>
+          <p:nvPr/>
+        </p:nvSpPr>
+        <p:spPr>
+          <a:xfrm>
+            <a:off x="536229" y="3580515"/>
+            <a:ext cx="2822445" cy="369332"/>
+          </a:xfrm>
+          <a:prstGeom prst="rect">
+            <a:avLst/>
+          </a:prstGeom>
+          <a:noFill/>
+        </p:spPr>
+        <p:txBody>
+          <a:bodyPr wrap="none" rtlCol="0">
+            <a:spAutoFit/>
+          </a:bodyPr>
+          <a:lstStyle/>
+          <a:p>
+            <a:r>
+              <a:rPr lang="en-US" altLang="ja-JP" dirty="0" err="1" smtClean="0"/>
+              <a:t>vConnect</a:t>
+            </a:r>
+            <a:r>
+              <a:rPr lang="en-US" altLang="ja-JP" dirty="0" smtClean="0"/>
+              <a:t>-STAND</a:t>
+            </a:r>
+            <a:r>
+              <a:rPr kumimoji="1" lang="en-US" altLang="ja-JP" dirty="0" smtClean="0"/>
+              <a:t> Macintosh</a:t>
+            </a:r>
+            <a:endParaRPr kumimoji="1" lang="ja-JP" altLang="en-US" dirty="0"/>
+          </a:p>
+        </p:txBody>
+      </p:sp>
+      <p:sp>
+        <p:nvSpPr>
+          <p:cNvPr id="12" name="正方形/長方形 11"/>
+          <p:cNvSpPr/>
+          <p:nvPr/>
+        </p:nvSpPr>
+        <p:spPr>
+          <a:xfrm>
+            <a:off x="2740161" y="623333"/>
+            <a:ext cx="2058359" cy="1884128"/>
+          </a:xfrm>
+          <a:prstGeom prst="rect">
+            <a:avLst/>
+          </a:prstGeom>
+          <a:gradFill flip="none" rotWithShape="1">
+            <a:gsLst>
+              <a:gs pos="0">
+                <a:srgbClr val="BFBE28"/>
+              </a:gs>
+              <a:gs pos="100000">
+                <a:srgbClr val="FFFF35"/>
+              </a:gs>
+            </a:gsLst>
+            <a:lin ang="16200000" scaled="0"/>
+            <a:tileRect/>
+          </a:gradFill>
+          <a:ln>
+            <a:solidFill>
+              <a:srgbClr val="8F8F1E"/>
+            </a:solidFill>
+          </a:ln>
+        </p:spPr>
+        <p:style>
+          <a:lnRef idx="1">
+            <a:schemeClr val="accent1"/>
+          </a:lnRef>
+          <a:fillRef idx="3">
+            <a:schemeClr val="accent1"/>
+          </a:fillRef>
+          <a:effectRef idx="2">
+            <a:schemeClr val="accent1"/>
+          </a:effectRef>
+          <a:fontRef idx="minor">
+            <a:schemeClr val="lt1"/>
+          </a:fontRef>
+        </p:style>
+        <p:txBody>
+          <a:bodyPr rtlCol="0" anchor="ctr"/>
+          <a:lstStyle/>
+          <a:p>
+            <a:pPr algn="ctr"/>
+            <a:r>
+              <a:rPr lang="en-US" altLang="ja-JP" dirty="0" err="1" smtClean="0">
+                <a:solidFill>
+                  <a:srgbClr val="000000"/>
+                </a:solidFill>
+              </a:rPr>
+              <a:t>vConnect</a:t>
+            </a:r>
+            <a:r>
+              <a:rPr lang="en-US" altLang="ja-JP" dirty="0" smtClean="0">
+                <a:solidFill>
+                  <a:srgbClr val="000000"/>
+                </a:solidFill>
+              </a:rPr>
+              <a:t>-STAND</a:t>
+            </a:r>
+            <a:endParaRPr kumimoji="1" lang="ja-JP" altLang="en-US" dirty="0">
+              <a:solidFill>
+                <a:srgbClr val="000000"/>
+              </a:solidFill>
+            </a:endParaRPr>
+          </a:p>
+        </p:txBody>
+      </p:sp>
+      <p:sp>
+        <p:nvSpPr>
+          <p:cNvPr id="13" name="正方形/長方形 12"/>
+          <p:cNvSpPr/>
+          <p:nvPr/>
+        </p:nvSpPr>
+        <p:spPr>
+          <a:xfrm>
+            <a:off x="498550" y="616857"/>
+            <a:ext cx="2059200" cy="1890603"/>
+          </a:xfrm>
+          <a:prstGeom prst="rect">
+            <a:avLst/>
+          </a:prstGeom>
+          <a:gradFill>
+            <a:gsLst>
+              <a:gs pos="0">
+                <a:schemeClr val="accent3">
+                  <a:lumMod val="75000"/>
+                </a:schemeClr>
+              </a:gs>
+              <a:gs pos="100000">
+                <a:schemeClr val="accent3">
+                  <a:lumMod val="40000"/>
+                  <a:lumOff val="60000"/>
+                </a:schemeClr>
+              </a:gs>
+            </a:gsLst>
+          </a:gradFill>
+          <a:ln>
+            <a:solidFill>
+              <a:schemeClr val="accent3">
+                <a:lumMod val="50000"/>
+              </a:schemeClr>
+            </a:solidFill>
+          </a:ln>
+        </p:spPr>
+        <p:style>
+          <a:lnRef idx="1">
+            <a:schemeClr val="accent1"/>
+          </a:lnRef>
+          <a:fillRef idx="3">
+            <a:schemeClr val="accent1"/>
+          </a:fillRef>
+          <a:effectRef idx="2">
+            <a:schemeClr val="accent1"/>
+          </a:effectRef>
+          <a:fontRef idx="minor">
+            <a:schemeClr val="lt1"/>
+          </a:fontRef>
+        </p:style>
+        <p:txBody>
+          <a:bodyPr rtlCol="0" anchor="ctr"/>
+          <a:lstStyle/>
+          <a:p>
+            <a:pPr algn="ctr"/>
+            <a:r>
+              <a:rPr kumimoji="1" lang="en-US" altLang="ja-JP" dirty="0" smtClean="0">
+                <a:solidFill>
+                  <a:srgbClr val="000000"/>
+                </a:solidFill>
+              </a:rPr>
+              <a:t>Cadencii</a:t>
+            </a:r>
+            <a:endParaRPr kumimoji="1" lang="ja-JP" altLang="en-US" dirty="0">
+              <a:solidFill>
+                <a:srgbClr val="000000"/>
+              </a:solidFill>
+            </a:endParaRPr>
+          </a:p>
+        </p:txBody>
+      </p:sp>
+      <p:sp>
+        <p:nvSpPr>
+          <p:cNvPr id="14" name="正方形/長方形 13"/>
+          <p:cNvSpPr/>
+          <p:nvPr/>
+        </p:nvSpPr>
+        <p:spPr>
+          <a:xfrm>
+            <a:off x="498551" y="4000698"/>
+            <a:ext cx="2059200" cy="1266707"/>
+          </a:xfrm>
+          <a:prstGeom prst="rect">
+            <a:avLst/>
+          </a:prstGeom>
+          <a:gradFill>
+            <a:gsLst>
+              <a:gs pos="0">
+                <a:schemeClr val="accent3">
+                  <a:lumMod val="75000"/>
+                </a:schemeClr>
+              </a:gs>
+              <a:gs pos="100000">
+                <a:schemeClr val="accent3">
+                  <a:lumMod val="40000"/>
+                  <a:lumOff val="60000"/>
+                </a:schemeClr>
+              </a:gs>
+            </a:gsLst>
+          </a:gradFill>
+          <a:ln>
+            <a:solidFill>
+              <a:schemeClr val="accent3">
+                <a:lumMod val="50000"/>
+              </a:schemeClr>
+            </a:solidFill>
+          </a:ln>
+        </p:spPr>
+        <p:style>
+          <a:lnRef idx="1">
+            <a:schemeClr val="accent1"/>
+          </a:lnRef>
+          <a:fillRef idx="3">
+            <a:schemeClr val="accent1"/>
+          </a:fillRef>
+          <a:effectRef idx="2">
+            <a:schemeClr val="accent1"/>
+          </a:effectRef>
+          <a:fontRef idx="minor">
+            <a:schemeClr val="lt1"/>
+          </a:fontRef>
+        </p:style>
+        <p:txBody>
+          <a:bodyPr rtlCol="0" anchor="ctr"/>
+          <a:lstStyle/>
+          <a:p>
+            <a:pPr algn="ctr"/>
+            <a:r>
+              <a:rPr kumimoji="1" lang="en-US" altLang="ja-JP" dirty="0" smtClean="0">
+                <a:solidFill>
+                  <a:srgbClr val="000000"/>
+                </a:solidFill>
+              </a:rPr>
+              <a:t>Cadencii</a:t>
+            </a:r>
+            <a:endParaRPr kumimoji="1" lang="ja-JP" altLang="en-US" dirty="0">
+              <a:solidFill>
+                <a:srgbClr val="000000"/>
+              </a:solidFill>
+            </a:endParaRPr>
+          </a:p>
+        </p:txBody>
+      </p:sp>
+      <p:sp>
+        <p:nvSpPr>
+          <p:cNvPr id="15" name="正方形/長方形 14"/>
+          <p:cNvSpPr/>
+          <p:nvPr/>
+        </p:nvSpPr>
+        <p:spPr>
+          <a:xfrm>
+            <a:off x="498549" y="5343830"/>
+            <a:ext cx="2059200" cy="547471"/>
+          </a:xfrm>
+          <a:prstGeom prst="rect">
+            <a:avLst/>
+          </a:prstGeom>
+          <a:gradFill flip="none" rotWithShape="1">
+            <a:gsLst>
+              <a:gs pos="0">
+                <a:srgbClr val="AC4323"/>
+              </a:gs>
+              <a:gs pos="100000">
+                <a:srgbClr val="FF6334"/>
+              </a:gs>
+            </a:gsLst>
+            <a:lin ang="16200000" scaled="0"/>
+            <a:tileRect/>
+          </a:gradFill>
+          <a:ln>
+            <a:solidFill>
+              <a:srgbClr val="86331B"/>
+            </a:solidFill>
+          </a:ln>
+        </p:spPr>
+        <p:style>
+          <a:lnRef idx="1">
+            <a:schemeClr val="accent1"/>
+          </a:lnRef>
+          <a:fillRef idx="3">
+            <a:schemeClr val="accent1"/>
+          </a:fillRef>
+          <a:effectRef idx="2">
+            <a:schemeClr val="accent1"/>
+          </a:effectRef>
+          <a:fontRef idx="minor">
+            <a:schemeClr val="lt1"/>
+          </a:fontRef>
+        </p:style>
+        <p:txBody>
+          <a:bodyPr rtlCol="0" anchor="ctr"/>
+          <a:lstStyle/>
+          <a:p>
+            <a:pPr algn="ctr"/>
+            <a:r>
+              <a:rPr lang="en-US" altLang="ja-JP" dirty="0" smtClean="0">
+                <a:solidFill>
+                  <a:srgbClr val="000000"/>
+                </a:solidFill>
+              </a:rPr>
+              <a:t>Java VM</a:t>
+            </a:r>
+            <a:endParaRPr kumimoji="1" lang="ja-JP" altLang="en-US" dirty="0">
+              <a:solidFill>
+                <a:srgbClr val="000000"/>
+              </a:solidFill>
+            </a:endParaRPr>
+          </a:p>
+        </p:txBody>
+      </p:sp>
+      <p:sp>
+        <p:nvSpPr>
+          <p:cNvPr id="17" name="正方形/長方形 16"/>
+          <p:cNvSpPr/>
+          <p:nvPr/>
+        </p:nvSpPr>
+        <p:spPr>
+          <a:xfrm>
+            <a:off x="2740161" y="3995822"/>
+            <a:ext cx="2050285" cy="1895479"/>
+          </a:xfrm>
+          <a:prstGeom prst="rect">
+            <a:avLst/>
+          </a:prstGeom>
+          <a:gradFill flip="none" rotWithShape="1">
+            <a:gsLst>
+              <a:gs pos="0">
+                <a:srgbClr val="BFBE28"/>
+              </a:gs>
+              <a:gs pos="100000">
+                <a:srgbClr val="FFFF35"/>
+              </a:gs>
+            </a:gsLst>
+            <a:lin ang="16200000" scaled="0"/>
+            <a:tileRect/>
+          </a:gradFill>
+          <a:ln>
+            <a:solidFill>
+              <a:srgbClr val="8F8F1E"/>
+            </a:solidFill>
+          </a:ln>
+        </p:spPr>
+        <p:style>
+          <a:lnRef idx="1">
+            <a:schemeClr val="accent1"/>
+          </a:lnRef>
+          <a:fillRef idx="3">
+            <a:schemeClr val="accent1"/>
+          </a:fillRef>
+          <a:effectRef idx="2">
+            <a:schemeClr val="accent1"/>
+          </a:effectRef>
+          <a:fontRef idx="minor">
+            <a:schemeClr val="lt1"/>
+          </a:fontRef>
+        </p:style>
+        <p:txBody>
+          <a:bodyPr rtlCol="0" anchor="ctr"/>
+          <a:lstStyle/>
+          <a:p>
+            <a:pPr algn="ctr"/>
+            <a:r>
+              <a:rPr lang="en-US" altLang="ja-JP" dirty="0" err="1" smtClean="0">
+                <a:solidFill>
+                  <a:srgbClr val="000000"/>
+                </a:solidFill>
+              </a:rPr>
+              <a:t>vConnect</a:t>
+            </a:r>
+            <a:r>
+              <a:rPr lang="en-US" altLang="ja-JP" dirty="0" smtClean="0">
+                <a:solidFill>
+                  <a:srgbClr val="000000"/>
+                </a:solidFill>
+              </a:rPr>
+              <a:t>-STAND</a:t>
+            </a:r>
+            <a:endParaRPr kumimoji="1" lang="ja-JP" altLang="en-US" dirty="0">
+              <a:solidFill>
+                <a:srgbClr val="000000"/>
+              </a:solidFill>
+            </a:endParaRPr>
+          </a:p>
+        </p:txBody>
+      </p:sp>
+      <p:sp>
+        <p:nvSpPr>
+          <p:cNvPr id="11" name="正方形/長方形 10"/>
+          <p:cNvSpPr/>
+          <p:nvPr/>
+        </p:nvSpPr>
+        <p:spPr>
+          <a:xfrm>
+            <a:off x="5446041" y="1569628"/>
+            <a:ext cx="2145948" cy="284686"/>
+          </a:xfrm>
+          <a:prstGeom prst="rect">
+            <a:avLst/>
+          </a:prstGeom>
+        </p:spPr>
+        <p:style>
+          <a:lnRef idx="1">
+            <a:schemeClr val="accent1"/>
+          </a:lnRef>
+          <a:fillRef idx="3">
+            <a:schemeClr val="accent1"/>
+          </a:fillRef>
+          <a:effectRef idx="2">
+            <a:schemeClr val="accent1"/>
+          </a:effectRef>
+          <a:fontRef idx="minor">
+            <a:schemeClr val="lt1"/>
+          </a:fontRef>
+        </p:style>
+        <p:txBody>
+          <a:bodyPr rtlCol="0" anchor="ctr"/>
+          <a:lstStyle/>
+          <a:p>
+            <a:pPr algn="ctr"/>
+            <a:r>
+              <a:rPr kumimoji="1" lang="en-US" altLang="ja-JP" sz="900" dirty="0" smtClean="0">
+                <a:solidFill>
+                  <a:schemeClr val="tx1"/>
+                </a:solidFill>
+              </a:rPr>
+              <a:t>Windows OS</a:t>
+            </a:r>
+            <a:endParaRPr kumimoji="1" lang="ja-JP" altLang="en-US" sz="900" dirty="0">
+              <a:solidFill>
+                <a:schemeClr val="tx1"/>
+              </a:solidFill>
+            </a:endParaRPr>
+          </a:p>
+        </p:txBody>
+      </p:sp>
+      <p:sp>
+        <p:nvSpPr>
+          <p:cNvPr id="16" name="テキスト ボックス 15"/>
+          <p:cNvSpPr txBox="1"/>
+          <p:nvPr/>
+        </p:nvSpPr>
+        <p:spPr>
+          <a:xfrm>
+            <a:off x="5460843" y="406400"/>
+            <a:ext cx="1447312" cy="230832"/>
+          </a:xfrm>
+          <a:prstGeom prst="rect">
+            <a:avLst/>
+          </a:prstGeom>
+          <a:noFill/>
+        </p:spPr>
+        <p:txBody>
+          <a:bodyPr wrap="none" rtlCol="0">
+            <a:spAutoFit/>
+          </a:bodyPr>
+          <a:lstStyle/>
+          <a:p>
+            <a:r>
+              <a:rPr lang="en-US" altLang="ja-JP" sz="900" dirty="0" err="1" smtClean="0"/>
+              <a:t>vConnect</a:t>
+            </a:r>
+            <a:r>
+              <a:rPr lang="en-US" altLang="ja-JP" sz="900" dirty="0" smtClean="0"/>
+              <a:t>-STAND</a:t>
+            </a:r>
+            <a:r>
+              <a:rPr kumimoji="1" lang="en-US" altLang="ja-JP" sz="900" dirty="0" smtClean="0"/>
+              <a:t> Windows</a:t>
+            </a:r>
+            <a:endParaRPr kumimoji="1" lang="ja-JP" altLang="en-US" sz="900" dirty="0"/>
+          </a:p>
+        </p:txBody>
+      </p:sp>
+      <p:sp>
+        <p:nvSpPr>
+          <p:cNvPr id="18" name="正方形/長方形 17"/>
+          <p:cNvSpPr/>
+          <p:nvPr/>
+        </p:nvSpPr>
+        <p:spPr>
+          <a:xfrm>
+            <a:off x="5442004" y="3261548"/>
+            <a:ext cx="2145948" cy="284686"/>
+          </a:xfrm>
+          <a:prstGeom prst="rect">
+            <a:avLst/>
+          </a:prstGeom>
+        </p:spPr>
+        <p:style>
+          <a:lnRef idx="1">
+            <a:schemeClr val="accent1"/>
+          </a:lnRef>
+          <a:fillRef idx="3">
+            <a:schemeClr val="accent1"/>
+          </a:fillRef>
+          <a:effectRef idx="2">
+            <a:schemeClr val="accent1"/>
+          </a:effectRef>
+          <a:fontRef idx="minor">
+            <a:schemeClr val="lt1"/>
+          </a:fontRef>
+        </p:style>
+        <p:txBody>
+          <a:bodyPr rtlCol="0" anchor="ctr"/>
+          <a:lstStyle/>
+          <a:p>
+            <a:pPr algn="ctr"/>
+            <a:r>
+              <a:rPr kumimoji="1" lang="en-US" altLang="ja-JP" sz="900" dirty="0" smtClean="0">
+                <a:solidFill>
+                  <a:schemeClr val="tx1"/>
+                </a:solidFill>
+              </a:rPr>
+              <a:t>Macintosh OS</a:t>
+            </a:r>
+            <a:endParaRPr kumimoji="1" lang="ja-JP" altLang="en-US" sz="900" dirty="0">
+              <a:solidFill>
+                <a:schemeClr val="tx1"/>
+              </a:solidFill>
+            </a:endParaRPr>
+          </a:p>
+        </p:txBody>
+      </p:sp>
+      <p:sp>
+        <p:nvSpPr>
+          <p:cNvPr id="19" name="テキスト ボックス 18"/>
+          <p:cNvSpPr txBox="1"/>
+          <p:nvPr/>
+        </p:nvSpPr>
+        <p:spPr>
+          <a:xfrm>
+            <a:off x="5460843" y="2069658"/>
+            <a:ext cx="1503555" cy="230832"/>
+          </a:xfrm>
+          <a:prstGeom prst="rect">
+            <a:avLst/>
+          </a:prstGeom>
+          <a:noFill/>
+        </p:spPr>
+        <p:txBody>
+          <a:bodyPr wrap="none" rtlCol="0">
+            <a:spAutoFit/>
+          </a:bodyPr>
+          <a:lstStyle/>
+          <a:p>
+            <a:r>
+              <a:rPr lang="en-US" altLang="ja-JP" sz="900" dirty="0" err="1" smtClean="0"/>
+              <a:t>vConnect</a:t>
+            </a:r>
+            <a:r>
+              <a:rPr lang="en-US" altLang="ja-JP" sz="900" dirty="0" smtClean="0"/>
+              <a:t>-STAND</a:t>
+            </a:r>
+            <a:r>
+              <a:rPr kumimoji="1" lang="en-US" altLang="ja-JP" sz="900" dirty="0" smtClean="0"/>
+              <a:t> Macintosh</a:t>
+            </a:r>
+            <a:endParaRPr kumimoji="1" lang="ja-JP" altLang="en-US" sz="900" dirty="0"/>
+          </a:p>
+        </p:txBody>
+      </p:sp>
+      <p:sp>
+        <p:nvSpPr>
+          <p:cNvPr id="20" name="正方形/長方形 19"/>
+          <p:cNvSpPr/>
+          <p:nvPr/>
+        </p:nvSpPr>
+        <p:spPr>
+          <a:xfrm>
+            <a:off x="6562809" y="591067"/>
+            <a:ext cx="1029180" cy="942064"/>
+          </a:xfrm>
+          <a:prstGeom prst="rect">
+            <a:avLst/>
+          </a:prstGeom>
+          <a:gradFill flip="none" rotWithShape="1">
+            <a:gsLst>
+              <a:gs pos="0">
+                <a:srgbClr val="BFBE28"/>
+              </a:gs>
+              <a:gs pos="100000">
+                <a:srgbClr val="FFFF35"/>
+              </a:gs>
+            </a:gsLst>
+            <a:lin ang="16200000" scaled="0"/>
+            <a:tileRect/>
+          </a:gradFill>
+          <a:ln>
+            <a:solidFill>
+              <a:srgbClr val="8F8F1E"/>
+            </a:solidFill>
+          </a:ln>
+        </p:spPr>
+        <p:style>
+          <a:lnRef idx="1">
+            <a:schemeClr val="accent1"/>
+          </a:lnRef>
+          <a:fillRef idx="3">
+            <a:schemeClr val="accent1"/>
+          </a:fillRef>
+          <a:effectRef idx="2">
+            <a:schemeClr val="accent1"/>
+          </a:effectRef>
+          <a:fontRef idx="minor">
+            <a:schemeClr val="lt1"/>
+          </a:fontRef>
+        </p:style>
+        <p:txBody>
+          <a:bodyPr rtlCol="0" anchor="ctr"/>
+          <a:lstStyle/>
+          <a:p>
+            <a:pPr algn="ctr"/>
+            <a:r>
+              <a:rPr lang="en-US" altLang="ja-JP" sz="900" dirty="0" err="1" smtClean="0">
+                <a:solidFill>
+                  <a:srgbClr val="000000"/>
+                </a:solidFill>
+              </a:rPr>
+              <a:t>vConnect</a:t>
+            </a:r>
+            <a:r>
+              <a:rPr lang="en-US" altLang="ja-JP" sz="900" dirty="0" smtClean="0">
+                <a:solidFill>
+                  <a:srgbClr val="000000"/>
+                </a:solidFill>
+              </a:rPr>
+              <a:t>-STAND</a:t>
+            </a:r>
+            <a:endParaRPr kumimoji="1" lang="ja-JP" altLang="en-US" sz="900" dirty="0">
+              <a:solidFill>
+                <a:srgbClr val="000000"/>
+              </a:solidFill>
+            </a:endParaRPr>
+          </a:p>
+        </p:txBody>
+      </p:sp>
+      <p:sp>
+        <p:nvSpPr>
+          <p:cNvPr id="21" name="正方形/長方形 20"/>
+          <p:cNvSpPr/>
+          <p:nvPr/>
+        </p:nvSpPr>
+        <p:spPr>
+          <a:xfrm>
+            <a:off x="5442004" y="587829"/>
+            <a:ext cx="1029600" cy="945302"/>
+          </a:xfrm>
+          <a:prstGeom prst="rect">
+            <a:avLst/>
+          </a:prstGeom>
+          <a:gradFill>
+            <a:gsLst>
+              <a:gs pos="0">
+                <a:schemeClr val="accent3">
+                  <a:lumMod val="75000"/>
+                </a:schemeClr>
+              </a:gs>
+              <a:gs pos="100000">
+                <a:schemeClr val="accent3">
+                  <a:lumMod val="40000"/>
+                  <a:lumOff val="60000"/>
+                </a:schemeClr>
+              </a:gs>
+            </a:gsLst>
+          </a:gradFill>
+          <a:ln>
+            <a:solidFill>
+              <a:schemeClr val="accent3">
+                <a:lumMod val="50000"/>
+              </a:schemeClr>
+            </a:solidFill>
+          </a:ln>
+        </p:spPr>
+        <p:style>
+          <a:lnRef idx="1">
+            <a:schemeClr val="accent1"/>
+          </a:lnRef>
+          <a:fillRef idx="3">
+            <a:schemeClr val="accent1"/>
+          </a:fillRef>
+          <a:effectRef idx="2">
+            <a:schemeClr val="accent1"/>
+          </a:effectRef>
+          <a:fontRef idx="minor">
+            <a:schemeClr val="lt1"/>
+          </a:fontRef>
+        </p:style>
+        <p:txBody>
+          <a:bodyPr rtlCol="0" anchor="ctr"/>
+          <a:lstStyle/>
+          <a:p>
+            <a:pPr algn="ctr"/>
+            <a:r>
+              <a:rPr kumimoji="1" lang="en-US" altLang="ja-JP" sz="900" dirty="0" smtClean="0">
+                <a:solidFill>
+                  <a:srgbClr val="000000"/>
+                </a:solidFill>
+              </a:rPr>
+              <a:t>Cadencii</a:t>
+            </a:r>
+            <a:endParaRPr kumimoji="1" lang="ja-JP" altLang="en-US" sz="900" dirty="0">
+              <a:solidFill>
+                <a:srgbClr val="000000"/>
+              </a:solidFill>
+            </a:endParaRPr>
+          </a:p>
+        </p:txBody>
+      </p:sp>
+      <p:sp>
+        <p:nvSpPr>
+          <p:cNvPr id="22" name="正方形/長方形 21"/>
+          <p:cNvSpPr/>
+          <p:nvPr/>
+        </p:nvSpPr>
+        <p:spPr>
+          <a:xfrm>
+            <a:off x="5442004" y="2279749"/>
+            <a:ext cx="1029600" cy="633354"/>
+          </a:xfrm>
+          <a:prstGeom prst="rect">
+            <a:avLst/>
+          </a:prstGeom>
+          <a:gradFill>
+            <a:gsLst>
+              <a:gs pos="0">
+                <a:schemeClr val="accent3">
+                  <a:lumMod val="75000"/>
+                </a:schemeClr>
+              </a:gs>
+              <a:gs pos="100000">
+                <a:schemeClr val="accent3">
+                  <a:lumMod val="40000"/>
+                  <a:lumOff val="60000"/>
+                </a:schemeClr>
+              </a:gs>
+            </a:gsLst>
+          </a:gradFill>
+          <a:ln>
+            <a:solidFill>
+              <a:schemeClr val="accent3">
+                <a:lumMod val="50000"/>
+              </a:schemeClr>
+            </a:solidFill>
+          </a:ln>
+        </p:spPr>
+        <p:style>
+          <a:lnRef idx="1">
+            <a:schemeClr val="accent1"/>
+          </a:lnRef>
+          <a:fillRef idx="3">
+            <a:schemeClr val="accent1"/>
+          </a:fillRef>
+          <a:effectRef idx="2">
+            <a:schemeClr val="accent1"/>
+          </a:effectRef>
+          <a:fontRef idx="minor">
+            <a:schemeClr val="lt1"/>
+          </a:fontRef>
+        </p:style>
+        <p:txBody>
+          <a:bodyPr rtlCol="0" anchor="ctr"/>
+          <a:lstStyle/>
+          <a:p>
+            <a:pPr algn="ctr"/>
+            <a:r>
+              <a:rPr kumimoji="1" lang="en-US" altLang="ja-JP" sz="900" dirty="0" smtClean="0">
+                <a:solidFill>
+                  <a:srgbClr val="000000"/>
+                </a:solidFill>
+              </a:rPr>
+              <a:t>Cadencii</a:t>
+            </a:r>
+            <a:endParaRPr kumimoji="1" lang="ja-JP" altLang="en-US" sz="900" dirty="0">
+              <a:solidFill>
+                <a:srgbClr val="000000"/>
+              </a:solidFill>
+            </a:endParaRPr>
+          </a:p>
+        </p:txBody>
+      </p:sp>
+      <p:sp>
+        <p:nvSpPr>
+          <p:cNvPr id="23" name="正方形/長方形 22"/>
+          <p:cNvSpPr/>
+          <p:nvPr/>
+        </p:nvSpPr>
+        <p:spPr>
+          <a:xfrm>
+            <a:off x="5442003" y="2951315"/>
+            <a:ext cx="1029600" cy="273736"/>
+          </a:xfrm>
+          <a:prstGeom prst="rect">
+            <a:avLst/>
+          </a:prstGeom>
+          <a:gradFill flip="none" rotWithShape="1">
+            <a:gsLst>
+              <a:gs pos="0">
+                <a:srgbClr val="AC4323"/>
+              </a:gs>
+              <a:gs pos="100000">
+                <a:srgbClr val="FF6334"/>
+              </a:gs>
+            </a:gsLst>
+            <a:lin ang="16200000" scaled="0"/>
+            <a:tileRect/>
+          </a:gradFill>
+          <a:ln>
+            <a:solidFill>
+              <a:srgbClr val="86331B"/>
+            </a:solidFill>
+          </a:ln>
+        </p:spPr>
+        <p:style>
+          <a:lnRef idx="1">
+            <a:schemeClr val="accent1"/>
+          </a:lnRef>
+          <a:fillRef idx="3">
+            <a:schemeClr val="accent1"/>
+          </a:fillRef>
+          <a:effectRef idx="2">
+            <a:schemeClr val="accent1"/>
+          </a:effectRef>
+          <a:fontRef idx="minor">
+            <a:schemeClr val="lt1"/>
+          </a:fontRef>
+        </p:style>
+        <p:txBody>
+          <a:bodyPr rtlCol="0" anchor="ctr"/>
+          <a:lstStyle/>
+          <a:p>
+            <a:pPr algn="ctr"/>
+            <a:r>
+              <a:rPr lang="en-US" altLang="ja-JP" sz="900" dirty="0" smtClean="0">
+                <a:solidFill>
+                  <a:srgbClr val="000000"/>
+                </a:solidFill>
+              </a:rPr>
+              <a:t>Java VM</a:t>
+            </a:r>
+            <a:endParaRPr kumimoji="1" lang="ja-JP" altLang="en-US" sz="900" dirty="0">
+              <a:solidFill>
+                <a:srgbClr val="000000"/>
+              </a:solidFill>
+            </a:endParaRPr>
+          </a:p>
+        </p:txBody>
+      </p:sp>
+      <p:sp>
+        <p:nvSpPr>
+          <p:cNvPr id="24" name="正方形/長方形 23"/>
+          <p:cNvSpPr/>
+          <p:nvPr/>
+        </p:nvSpPr>
+        <p:spPr>
+          <a:xfrm>
+            <a:off x="6562809" y="2277311"/>
+            <a:ext cx="1025143" cy="947740"/>
+          </a:xfrm>
+          <a:prstGeom prst="rect">
+            <a:avLst/>
+          </a:prstGeom>
+          <a:gradFill flip="none" rotWithShape="1">
+            <a:gsLst>
+              <a:gs pos="0">
+                <a:srgbClr val="BFBE28"/>
+              </a:gs>
+              <a:gs pos="100000">
+                <a:srgbClr val="FFFF35"/>
+              </a:gs>
+            </a:gsLst>
+            <a:lin ang="16200000" scaled="0"/>
+            <a:tileRect/>
+          </a:gradFill>
+          <a:ln>
+            <a:solidFill>
+              <a:srgbClr val="8F8F1E"/>
+            </a:solidFill>
+          </a:ln>
+        </p:spPr>
+        <p:style>
+          <a:lnRef idx="1">
+            <a:schemeClr val="accent1"/>
+          </a:lnRef>
+          <a:fillRef idx="3">
+            <a:schemeClr val="accent1"/>
+          </a:fillRef>
+          <a:effectRef idx="2">
+            <a:schemeClr val="accent1"/>
+          </a:effectRef>
+          <a:fontRef idx="minor">
+            <a:schemeClr val="lt1"/>
+          </a:fontRef>
+        </p:style>
+        <p:txBody>
+          <a:bodyPr rtlCol="0" anchor="ctr"/>
+          <a:lstStyle/>
+          <a:p>
+            <a:pPr algn="ctr"/>
+            <a:r>
+              <a:rPr lang="en-US" altLang="ja-JP" sz="900" dirty="0" err="1" smtClean="0">
+                <a:solidFill>
+                  <a:srgbClr val="000000"/>
+                </a:solidFill>
+              </a:rPr>
+              <a:t>vConnect</a:t>
+            </a:r>
+            <a:r>
+              <a:rPr lang="en-US" altLang="ja-JP" sz="900" dirty="0" smtClean="0">
+                <a:solidFill>
+                  <a:srgbClr val="000000"/>
+                </a:solidFill>
+              </a:rPr>
+              <a:t>-STAND</a:t>
+            </a:r>
+            <a:endParaRPr kumimoji="1" lang="ja-JP" altLang="en-US" sz="900" dirty="0">
+              <a:solidFill>
+                <a:srgbClr val="000000"/>
+              </a:solidFill>
+            </a:endParaRPr>
+          </a:p>
+        </p:txBody>
+      </p:sp>
     </p:spTree>
     <p:extLst>
       <p:ext uri="{BB962C8B-B14F-4D97-AF65-F5344CB8AC3E}">
-        <p14:creationId xmlns:p14="http://schemas.microsoft.com/office/powerpoint/2010/main" val="3616745064"/>
+        <p14:creationId xmlns:p14="http://schemas.microsoft.com/office/powerpoint/2010/main" val="2789479213"/>
       </p:ext>
     </p:extLst>
   </p:cSld>
@@ -17240,7 +20388,7 @@
       </p:grpSpPr>
       <p:pic>
         <p:nvPicPr>
-          <p:cNvPr id="2" name="図 1" descr="スクリーンショット（2011-04-02 16.15.23）.png"/>
+          <p:cNvPr id="2" name="図 1" descr="スクリーンショット（2011-04-02 16.03.45）.png"/>
           <p:cNvPicPr>
             <a:picLocks noChangeAspect="1"/>
           </p:cNvPicPr>
@@ -17260,8 +20408,188 @@
         </p:blipFill>
         <p:spPr>
           <a:xfrm>
-            <a:off x="3348265" y="2644614"/>
+            <a:off x="1041195" y="2238371"/>
+            <a:ext cx="3297936" cy="2615184"/>
+          </a:xfrm>
+          <a:prstGeom prst="rect">
+            <a:avLst/>
+          </a:prstGeom>
+        </p:spPr>
+      </p:pic>
+      <p:pic>
+        <p:nvPicPr>
+          <p:cNvPr id="3" name="図 2" descr="スクリーンショット（2011-04-02 16.03.45）.png"/>
+          <p:cNvPicPr>
+            <a:picLocks noChangeAspect="1"/>
+          </p:cNvPicPr>
+          <p:nvPr/>
+        </p:nvPicPr>
+        <p:blipFill>
+          <a:blip r:embed="rId2">
+            <a:extLst>
+              <a:ext uri="{28A0092B-C50C-407E-A947-70E740481C1C}">
+                <a14:useLocalDpi xmlns:a14="http://schemas.microsoft.com/office/drawing/2010/main" val="0"/>
+              </a:ext>
+            </a:extLst>
+          </a:blip>
+          <a:stretch>
+            <a:fillRect/>
+          </a:stretch>
+        </p:blipFill>
+        <p:spPr>
+          <a:xfrm>
+            <a:off x="5629858" y="2736696"/>
+            <a:ext cx="1648968" cy="1307592"/>
+          </a:xfrm>
+          <a:prstGeom prst="rect">
+            <a:avLst/>
+          </a:prstGeom>
+        </p:spPr>
+      </p:pic>
+      <p:pic>
+        <p:nvPicPr>
+          <p:cNvPr id="4" name="図 3" descr="スクリーンショット（2011-04-25 22.18.07）.png"/>
+          <p:cNvPicPr>
+            <a:picLocks noChangeAspect="1"/>
+          </p:cNvPicPr>
+          <p:nvPr/>
+        </p:nvPicPr>
+        <p:blipFill>
+          <a:blip r:embed="rId3">
+            <a:extLst>
+              <a:ext uri="{28A0092B-C50C-407E-A947-70E740481C1C}">
+                <a14:useLocalDpi xmlns:a14="http://schemas.microsoft.com/office/drawing/2010/main" val="0"/>
+              </a:ext>
+            </a:extLst>
+          </a:blip>
+          <a:stretch>
+            <a:fillRect/>
+          </a:stretch>
+        </p:blipFill>
+        <p:spPr>
+          <a:xfrm>
+            <a:off x="5629858" y="4195187"/>
+            <a:ext cx="1648968" cy="1316736"/>
+          </a:xfrm>
+          <a:prstGeom prst="rect">
+            <a:avLst/>
+          </a:prstGeom>
+        </p:spPr>
+      </p:pic>
+    </p:spTree>
+    <p:extLst>
+      <p:ext uri="{BB962C8B-B14F-4D97-AF65-F5344CB8AC3E}">
+        <p14:creationId xmlns:p14="http://schemas.microsoft.com/office/powerpoint/2010/main" val="3616745064"/>
+      </p:ext>
+    </p:extLst>
+  </p:cSld>
+  <p:clrMapOvr>
+    <a:masterClrMapping/>
+  </p:clrMapOvr>
+</p:sld>
+</file>
+
+<file path=ppt/slides/slide24.xml><?xml version="1.0" encoding="utf-8"?>
+<p:sld xmlns:a="http://schemas.openxmlformats.org/drawingml/2006/main" xmlns:r="http://schemas.openxmlformats.org/officeDocument/2006/relationships" xmlns:p="http://schemas.openxmlformats.org/presentationml/2006/main">
+  <p:cSld>
+    <p:spTree>
+      <p:nvGrpSpPr>
+        <p:cNvPr id="1" name=""/>
+        <p:cNvGrpSpPr/>
+        <p:nvPr/>
+      </p:nvGrpSpPr>
+      <p:grpSpPr>
+        <a:xfrm>
+          <a:off x="0" y="0"/>
+          <a:ext cx="0" cy="0"/>
+          <a:chOff x="0" y="0"/>
+          <a:chExt cx="0" cy="0"/>
+        </a:xfrm>
+      </p:grpSpPr>
+      <p:pic>
+        <p:nvPicPr>
+          <p:cNvPr id="2" name="図 1" descr="スクリーンショット（2011-04-02 16.15.23）.png"/>
+          <p:cNvPicPr>
+            <a:picLocks noChangeAspect="1"/>
+          </p:cNvPicPr>
+          <p:nvPr/>
+        </p:nvPicPr>
+        <p:blipFill>
+          <a:blip r:embed="rId2">
+            <a:extLst>
+              <a:ext uri="{28A0092B-C50C-407E-A947-70E740481C1C}">
+                <a14:useLocalDpi xmlns:a14="http://schemas.microsoft.com/office/drawing/2010/main" val="0"/>
+              </a:ext>
+            </a:extLst>
+          </a:blip>
+          <a:stretch>
+            <a:fillRect/>
+          </a:stretch>
+        </p:blipFill>
+        <p:spPr>
+          <a:xfrm>
+            <a:off x="1193898" y="2729090"/>
             <a:ext cx="2487168" cy="1426464"/>
+          </a:xfrm>
+          <a:prstGeom prst="rect">
+            <a:avLst/>
+          </a:prstGeom>
+        </p:spPr>
+      </p:pic>
+      <p:pic>
+        <p:nvPicPr>
+          <p:cNvPr id="3" name="図 2" descr="スクリーンショット（2011-04-02 16.15.23）.png"/>
+          <p:cNvPicPr>
+            <a:picLocks noChangeAspect="1"/>
+          </p:cNvPicPr>
+          <p:nvPr/>
+        </p:nvPicPr>
+        <p:blipFill>
+          <a:blip r:embed="rId2">
+            <a:extLst>
+              <a:ext uri="{28A0092B-C50C-407E-A947-70E740481C1C}">
+                <a14:useLocalDpi xmlns:a14="http://schemas.microsoft.com/office/drawing/2010/main" val="0"/>
+              </a:ext>
+            </a:extLst>
+          </a:blip>
+          <a:stretch>
+            <a:fillRect/>
+          </a:stretch>
+        </p:blipFill>
+        <p:spPr>
+          <a:xfrm>
+            <a:off x="5590721" y="3074390"/>
+            <a:ext cx="1243584" cy="713232"/>
+          </a:xfrm>
+          <a:prstGeom prst="rect">
+            <a:avLst/>
+          </a:prstGeom>
+        </p:spPr>
+      </p:pic>
+      <p:pic>
+        <p:nvPicPr>
+          <p:cNvPr id="5" name="図 4" descr="スクリーンショット（2011-04-25 22.53.11）.png"/>
+          <p:cNvPicPr>
+            <a:picLocks noChangeAspect="1"/>
+          </p:cNvPicPr>
+          <p:nvPr/>
+        </p:nvPicPr>
+        <p:blipFill>
+          <a:blip r:embed="rId3">
+            <a:extLst>
+              <a:ext uri="{28A0092B-C50C-407E-A947-70E740481C1C}">
+                <a14:useLocalDpi xmlns:a14="http://schemas.microsoft.com/office/drawing/2010/main" val="0"/>
+              </a:ext>
+            </a:extLst>
+          </a:blip>
+          <a:stretch>
+            <a:fillRect/>
+          </a:stretch>
+        </p:blipFill>
+        <p:spPr>
+          <a:xfrm>
+            <a:off x="5373844" y="4333252"/>
+            <a:ext cx="1240536" cy="713232"/>
           </a:xfrm>
           <a:prstGeom prst="rect">
             <a:avLst/>
